--- a/Checkpoint3-slides.pptx
+++ b/Checkpoint3-slides.pptx
@@ -1,6 +1,6 @@
 
 <file path=ppt/presentation.xml><?xml version="1.0" encoding="utf-8"?>
-<p:presentation xmlns:a="http://schemas.openxmlformats.org/drawingml/2006/main" xmlns:r="http://schemas.openxmlformats.org/officeDocument/2006/relationships" xmlns:mc="http://schemas.openxmlformats.org/markup-compatibility/2006" xmlns:mv="urn:schemas-microsoft-com:mac:vml" xmlns:p="http://schemas.openxmlformats.org/presentationml/2006/main" xmlns:c="http://schemas.openxmlformats.org/drawingml/2006/chart" xmlns:dgm="http://schemas.openxmlformats.org/drawingml/2006/diagram" xmlns:o="urn:schemas-microsoft-com:office:office" xmlns:v="urn:schemas-microsoft-com:vml" xmlns:pvml="urn:schemas-microsoft-com:office:powerpoint" xmlns:com="http://schemas.openxmlformats.org/drawingml/2006/compatibility" xmlns:p14="http://schemas.microsoft.com/office/powerpoint/2010/main" xmlns:p15="http://schemas.microsoft.com/office/powerpoint/2012/main" xmlns:ahyp="http://schemas.microsoft.com/office/drawing/2018/hyperlinkcolor" autoCompressPictures="0" strictFirstAndLastChars="0" saveSubsetFonts="1">
+<p:presentation xmlns:a="http://schemas.openxmlformats.org/drawingml/2006/main" xmlns:r="http://schemas.openxmlformats.org/officeDocument/2006/relationships" xmlns:mc="http://schemas.openxmlformats.org/markup-compatibility/2006" xmlns:mv="urn:schemas-microsoft-com:mac:vml" xmlns:p="http://schemas.openxmlformats.org/presentationml/2006/main" xmlns:c="http://schemas.openxmlformats.org/drawingml/2006/chart" xmlns:dgm="http://schemas.openxmlformats.org/drawingml/2006/diagram" xmlns:o="urn:schemas-microsoft-com:office:office" xmlns:v="urn:schemas-microsoft-com:vml" xmlns:pvml="urn:schemas-microsoft-com:office:powerpoint" xmlns:com="http://schemas.openxmlformats.org/drawingml/2006/compatibility" xmlns:p14="http://schemas.microsoft.com/office/powerpoint/2010/main" xmlns:p15="http://schemas.microsoft.com/office/powerpoint/2012/main" xmlns:ahyp="http://schemas.microsoft.com/office/drawing/2018/hyperlinkcolor" autoCompressPictures="0" embedTrueTypeFonts="1" strictFirstAndLastChars="0" saveSubsetFonts="1">
   <p:sldMasterIdLst>
     <p:sldMasterId id="2147483659" r:id="rId4"/>
   </p:sldMasterIdLst>
@@ -17,6 +17,22 @@
   </p:sldIdLst>
   <p:sldSz cy="5143500" cx="9144000"/>
   <p:notesSz cx="6858000" cy="9144000"/>
+  <p:embeddedFontLst>
+    <p:embeddedFont>
+      <p:font typeface="Roboto"/>
+      <p:regular r:id="rId12"/>
+      <p:bold r:id="rId13"/>
+      <p:italic r:id="rId14"/>
+      <p:boldItalic r:id="rId15"/>
+    </p:embeddedFont>
+    <p:embeddedFont>
+      <p:font typeface="Merriweather"/>
+      <p:regular r:id="rId16"/>
+      <p:bold r:id="rId17"/>
+      <p:italic r:id="rId18"/>
+      <p:boldItalic r:id="rId19"/>
+    </p:embeddedFont>
+  </p:embeddedFontLst>
   <p:defaultTextStyle>
     <a:defPPr lvl="0" marR="0" rtl="0" algn="l">
       <a:lnSpc>
@@ -696,7 +712,7 @@
   <p:cSld>
     <p:spTree>
       <p:nvGrpSpPr>
-        <p:cNvPr id="50" name="Shape 50"/>
+        <p:cNvPr id="60" name="Shape 60"/>
         <p:cNvGrpSpPr/>
         <p:nvPr/>
       </p:nvGrpSpPr>
@@ -710,7 +726,7 @@
       </p:grpSpPr>
       <p:sp>
         <p:nvSpPr>
-          <p:cNvPr id="51" name="Google Shape;51;p:notes"/>
+          <p:cNvPr id="61" name="Google Shape;61;p:notes"/>
           <p:cNvSpPr/>
           <p:nvPr>
             <p:ph idx="2" type="sldImg"/>
@@ -745,7 +761,7 @@
       </p:sp>
       <p:sp>
         <p:nvSpPr>
-          <p:cNvPr id="52" name="Google Shape;52;p:notes"/>
+          <p:cNvPr id="62" name="Google Shape;62;p:notes"/>
           <p:cNvSpPr txBox="1"/>
           <p:nvPr>
             <p:ph idx="1" type="body"/>
@@ -795,7 +811,7 @@
   <p:cSld>
     <p:spTree>
       <p:nvGrpSpPr>
-        <p:cNvPr id="56" name="Shape 56"/>
+        <p:cNvPr id="66" name="Shape 66"/>
         <p:cNvGrpSpPr/>
         <p:nvPr/>
       </p:nvGrpSpPr>
@@ -809,7 +825,7 @@
       </p:grpSpPr>
       <p:sp>
         <p:nvSpPr>
-          <p:cNvPr id="57" name="Google Shape;57;g30bb3077b29_0_0:notes"/>
+          <p:cNvPr id="67" name="Google Shape;67;g30bb3077b29_0_0:notes"/>
           <p:cNvSpPr/>
           <p:nvPr>
             <p:ph idx="2" type="sldImg"/>
@@ -844,7 +860,7 @@
       </p:sp>
       <p:sp>
         <p:nvSpPr>
-          <p:cNvPr id="58" name="Google Shape;58;g30bb3077b29_0_0:notes"/>
+          <p:cNvPr id="68" name="Google Shape;68;g30bb3077b29_0_0:notes"/>
           <p:cNvSpPr txBox="1"/>
           <p:nvPr>
             <p:ph idx="1" type="body"/>
@@ -894,7 +910,7 @@
   <p:cSld>
     <p:spTree>
       <p:nvGrpSpPr>
-        <p:cNvPr id="62" name="Shape 62"/>
+        <p:cNvPr id="72" name="Shape 72"/>
         <p:cNvGrpSpPr/>
         <p:nvPr/>
       </p:nvGrpSpPr>
@@ -908,7 +924,7 @@
       </p:grpSpPr>
       <p:sp>
         <p:nvSpPr>
-          <p:cNvPr id="63" name="Google Shape;63;g30bb3077b29_0_16:notes"/>
+          <p:cNvPr id="73" name="Google Shape;73;g30bb3077b29_0_16:notes"/>
           <p:cNvSpPr/>
           <p:nvPr>
             <p:ph idx="2" type="sldImg"/>
@@ -943,7 +959,7 @@
       </p:sp>
       <p:sp>
         <p:nvSpPr>
-          <p:cNvPr id="64" name="Google Shape;64;g30bb3077b29_0_16:notes"/>
+          <p:cNvPr id="74" name="Google Shape;74;g30bb3077b29_0_16:notes"/>
           <p:cNvSpPr txBox="1"/>
           <p:nvPr>
             <p:ph idx="1" type="body"/>
@@ -993,7 +1009,7 @@
   <p:cSld>
     <p:spTree>
       <p:nvGrpSpPr>
-        <p:cNvPr id="68" name="Shape 68"/>
+        <p:cNvPr id="78" name="Shape 78"/>
         <p:cNvGrpSpPr/>
         <p:nvPr/>
       </p:nvGrpSpPr>
@@ -1007,7 +1023,7 @@
       </p:grpSpPr>
       <p:sp>
         <p:nvSpPr>
-          <p:cNvPr id="69" name="Google Shape;69;g30bb3077b29_0_5:notes"/>
+          <p:cNvPr id="79" name="Google Shape;79;g30bb3077b29_0_5:notes"/>
           <p:cNvSpPr/>
           <p:nvPr>
             <p:ph idx="2" type="sldImg"/>
@@ -1042,7 +1058,7 @@
       </p:sp>
       <p:sp>
         <p:nvSpPr>
-          <p:cNvPr id="70" name="Google Shape;70;g30bb3077b29_0_5:notes"/>
+          <p:cNvPr id="80" name="Google Shape;80;g30bb3077b29_0_5:notes"/>
           <p:cNvSpPr txBox="1"/>
           <p:nvPr>
             <p:ph idx="1" type="body"/>
@@ -1092,7 +1108,7 @@
   <p:cSld>
     <p:spTree>
       <p:nvGrpSpPr>
-        <p:cNvPr id="75" name="Shape 75"/>
+        <p:cNvPr id="84" name="Shape 84"/>
         <p:cNvGrpSpPr/>
         <p:nvPr/>
       </p:nvGrpSpPr>
@@ -1106,7 +1122,7 @@
       </p:grpSpPr>
       <p:sp>
         <p:nvSpPr>
-          <p:cNvPr id="76" name="Google Shape;76;g30bb3077b29_0_11:notes"/>
+          <p:cNvPr id="85" name="Google Shape;85;g30bb3077b29_0_11:notes"/>
           <p:cNvSpPr/>
           <p:nvPr>
             <p:ph idx="2" type="sldImg"/>
@@ -1141,7 +1157,7 @@
       </p:sp>
       <p:sp>
         <p:nvSpPr>
-          <p:cNvPr id="77" name="Google Shape;77;g30bb3077b29_0_11:notes"/>
+          <p:cNvPr id="86" name="Google Shape;86;g30bb3077b29_0_11:notes"/>
           <p:cNvSpPr txBox="1"/>
           <p:nvPr>
             <p:ph idx="1" type="body"/>
@@ -1191,7 +1207,7 @@
   <p:cSld>
     <p:spTree>
       <p:nvGrpSpPr>
-        <p:cNvPr id="82" name="Shape 82"/>
+        <p:cNvPr id="90" name="Shape 90"/>
         <p:cNvGrpSpPr/>
         <p:nvPr/>
       </p:nvGrpSpPr>
@@ -1205,7 +1221,7 @@
       </p:grpSpPr>
       <p:sp>
         <p:nvSpPr>
-          <p:cNvPr id="83" name="Google Shape;83;g31a28c512ee_0_0:notes"/>
+          <p:cNvPr id="91" name="Google Shape;91;g31a28c512ee_0_0:notes"/>
           <p:cNvSpPr/>
           <p:nvPr>
             <p:ph idx="2" type="sldImg"/>
@@ -1240,7 +1256,7 @@
       </p:sp>
       <p:sp>
         <p:nvSpPr>
-          <p:cNvPr id="84" name="Google Shape;84;g31a28c512ee_0_0:notes"/>
+          <p:cNvPr id="92" name="Google Shape;92;g31a28c512ee_0_0:notes"/>
           <p:cNvSpPr txBox="1"/>
           <p:nvPr>
             <p:ph idx="1" type="body"/>
@@ -1288,6 +1304,13 @@
 <file path=ppt/slideLayouts/slideLayout1.xml><?xml version="1.0" encoding="utf-8"?>
 <p:sldLayout xmlns:a="http://schemas.openxmlformats.org/drawingml/2006/main" xmlns:r="http://schemas.openxmlformats.org/officeDocument/2006/relationships" xmlns:mc="http://schemas.openxmlformats.org/markup-compatibility/2006" xmlns:mv="urn:schemas-microsoft-com:mac:vml" xmlns:p="http://schemas.openxmlformats.org/presentationml/2006/main" xmlns:c="http://schemas.openxmlformats.org/drawingml/2006/chart" xmlns:dgm="http://schemas.openxmlformats.org/drawingml/2006/diagram" xmlns:o="urn:schemas-microsoft-com:office:office" xmlns:v="urn:schemas-microsoft-com:vml" xmlns:pvml="urn:schemas-microsoft-com:office:powerpoint" xmlns:com="http://schemas.openxmlformats.org/drawingml/2006/compatibility" xmlns:p14="http://schemas.microsoft.com/office/powerpoint/2010/main" xmlns:p15="http://schemas.microsoft.com/office/powerpoint/2012/main" xmlns:ahyp="http://schemas.microsoft.com/office/drawing/2018/hyperlinkcolor" matchingName="Title slide" type="title">
   <p:cSld name="TITLE">
+    <p:bg>
+      <p:bgPr>
+        <a:solidFill>
+          <a:schemeClr val="dk1"/>
+        </a:solidFill>
+      </p:bgPr>
+    </p:bg>
     <p:spTree>
       <p:nvGrpSpPr>
         <p:cNvPr id="9" name="Shape 9"/>
@@ -1305,6 +1328,45 @@
       <p:sp>
         <p:nvSpPr>
           <p:cNvPr id="10" name="Google Shape;10;p2"/>
+          <p:cNvSpPr/>
+          <p:nvPr/>
+        </p:nvSpPr>
+        <p:spPr>
+          <a:xfrm>
+            <a:off x="-125" y="0"/>
+            <a:ext cx="9144250" cy="4398100"/>
+          </a:xfrm>
+          <a:custGeom>
+            <a:rect b="b" l="l" r="r" t="t"/>
+            <a:pathLst>
+              <a:path extrusionOk="0" h="175924" w="365770">
+                <a:moveTo>
+                  <a:pt x="0" y="0"/>
+                </a:moveTo>
+                <a:lnTo>
+                  <a:pt x="365770" y="0"/>
+                </a:lnTo>
+                <a:lnTo>
+                  <a:pt x="365760" y="70914"/>
+                </a:lnTo>
+                <a:lnTo>
+                  <a:pt x="0" y="175924"/>
+                </a:lnTo>
+                <a:close/>
+              </a:path>
+            </a:pathLst>
+          </a:custGeom>
+          <a:solidFill>
+            <a:schemeClr val="lt1"/>
+          </a:solidFill>
+          <a:ln>
+            <a:noFill/>
+          </a:ln>
+        </p:spPr>
+      </p:sp>
+      <p:sp>
+        <p:nvSpPr>
+          <p:cNvPr id="11" name="Google Shape;11;p2"/>
           <p:cNvSpPr txBox="1"/>
           <p:nvPr>
             <p:ph type="ctrTitle"/>
@@ -1312,133 +1374,8 @@
         </p:nvSpPr>
         <p:spPr>
           <a:xfrm>
-            <a:off x="311708" y="744575"/>
-            <a:ext cx="8520600" cy="2052600"/>
-          </a:xfrm>
-          <a:prstGeom prst="rect">
-            <a:avLst/>
-          </a:prstGeom>
-        </p:spPr>
-        <p:txBody>
-          <a:bodyPr anchorCtr="0" anchor="b" bIns="91425" lIns="91425" spcFirstLastPara="1" rIns="91425" wrap="square" tIns="91425">
-            <a:normAutofit/>
-          </a:bodyPr>
-          <a:lstStyle>
-            <a:lvl1pPr lvl="0" algn="ctr">
-              <a:spcBef>
-                <a:spcPts val="0"/>
-              </a:spcBef>
-              <a:spcAft>
-                <a:spcPts val="0"/>
-              </a:spcAft>
-              <a:buSzPts val="5200"/>
-              <a:buNone/>
-              <a:defRPr sz="5200"/>
-            </a:lvl1pPr>
-            <a:lvl2pPr lvl="1" algn="ctr">
-              <a:spcBef>
-                <a:spcPts val="0"/>
-              </a:spcBef>
-              <a:spcAft>
-                <a:spcPts val="0"/>
-              </a:spcAft>
-              <a:buSzPts val="5200"/>
-              <a:buNone/>
-              <a:defRPr sz="5200"/>
-            </a:lvl2pPr>
-            <a:lvl3pPr lvl="2" algn="ctr">
-              <a:spcBef>
-                <a:spcPts val="0"/>
-              </a:spcBef>
-              <a:spcAft>
-                <a:spcPts val="0"/>
-              </a:spcAft>
-              <a:buSzPts val="5200"/>
-              <a:buNone/>
-              <a:defRPr sz="5200"/>
-            </a:lvl3pPr>
-            <a:lvl4pPr lvl="3" algn="ctr">
-              <a:spcBef>
-                <a:spcPts val="0"/>
-              </a:spcBef>
-              <a:spcAft>
-                <a:spcPts val="0"/>
-              </a:spcAft>
-              <a:buSzPts val="5200"/>
-              <a:buNone/>
-              <a:defRPr sz="5200"/>
-            </a:lvl4pPr>
-            <a:lvl5pPr lvl="4" algn="ctr">
-              <a:spcBef>
-                <a:spcPts val="0"/>
-              </a:spcBef>
-              <a:spcAft>
-                <a:spcPts val="0"/>
-              </a:spcAft>
-              <a:buSzPts val="5200"/>
-              <a:buNone/>
-              <a:defRPr sz="5200"/>
-            </a:lvl5pPr>
-            <a:lvl6pPr lvl="5" algn="ctr">
-              <a:spcBef>
-                <a:spcPts val="0"/>
-              </a:spcBef>
-              <a:spcAft>
-                <a:spcPts val="0"/>
-              </a:spcAft>
-              <a:buSzPts val="5200"/>
-              <a:buNone/>
-              <a:defRPr sz="5200"/>
-            </a:lvl6pPr>
-            <a:lvl7pPr lvl="6" algn="ctr">
-              <a:spcBef>
-                <a:spcPts val="0"/>
-              </a:spcBef>
-              <a:spcAft>
-                <a:spcPts val="0"/>
-              </a:spcAft>
-              <a:buSzPts val="5200"/>
-              <a:buNone/>
-              <a:defRPr sz="5200"/>
-            </a:lvl7pPr>
-            <a:lvl8pPr lvl="7" algn="ctr">
-              <a:spcBef>
-                <a:spcPts val="0"/>
-              </a:spcBef>
-              <a:spcAft>
-                <a:spcPts val="0"/>
-              </a:spcAft>
-              <a:buSzPts val="5200"/>
-              <a:buNone/>
-              <a:defRPr sz="5200"/>
-            </a:lvl8pPr>
-            <a:lvl9pPr lvl="8" algn="ctr">
-              <a:spcBef>
-                <a:spcPts val="0"/>
-              </a:spcBef>
-              <a:spcAft>
-                <a:spcPts val="0"/>
-              </a:spcAft>
-              <a:buSzPts val="5200"/>
-              <a:buNone/>
-              <a:defRPr sz="5200"/>
-            </a:lvl9pPr>
-          </a:lstStyle>
-          <a:p/>
-        </p:txBody>
-      </p:sp>
-      <p:sp>
-        <p:nvSpPr>
-          <p:cNvPr id="11" name="Google Shape;11;p2"/>
-          <p:cNvSpPr txBox="1"/>
-          <p:nvPr>
-            <p:ph idx="1" type="subTitle"/>
-          </p:nvPr>
-        </p:nvSpPr>
-        <p:spPr>
-          <a:xfrm>
-            <a:off x="311700" y="2834125"/>
-            <a:ext cx="8520600" cy="792600"/>
+            <a:off x="311700" y="539725"/>
+            <a:ext cx="8520600" cy="1282500"/>
           </a:xfrm>
           <a:prstGeom prst="rect">
             <a:avLst/>
@@ -1449,131 +1386,104 @@
             <a:normAutofit/>
           </a:bodyPr>
           <a:lstStyle>
-            <a:lvl1pPr lvl="0" algn="ctr">
-              <a:lnSpc>
-                <a:spcPct val="100000"/>
-              </a:lnSpc>
-              <a:spcBef>
-                <a:spcPts val="0"/>
-              </a:spcBef>
-              <a:spcAft>
-                <a:spcPts val="0"/>
-              </a:spcAft>
-              <a:buSzPts val="2800"/>
-              <a:buNone/>
-              <a:defRPr sz="2800"/>
+            <a:lvl1pPr lvl="0">
+              <a:spcBef>
+                <a:spcPts val="0"/>
+              </a:spcBef>
+              <a:spcAft>
+                <a:spcPts val="0"/>
+              </a:spcAft>
+              <a:buSzPts val="3600"/>
+              <a:buNone/>
+              <a:defRPr sz="3600"/>
             </a:lvl1pPr>
-            <a:lvl2pPr lvl="1" algn="ctr">
-              <a:lnSpc>
-                <a:spcPct val="100000"/>
-              </a:lnSpc>
-              <a:spcBef>
-                <a:spcPts val="0"/>
-              </a:spcBef>
-              <a:spcAft>
-                <a:spcPts val="0"/>
-              </a:spcAft>
-              <a:buSzPts val="2800"/>
-              <a:buNone/>
-              <a:defRPr sz="2800"/>
+            <a:lvl2pPr lvl="1">
+              <a:spcBef>
+                <a:spcPts val="0"/>
+              </a:spcBef>
+              <a:spcAft>
+                <a:spcPts val="0"/>
+              </a:spcAft>
+              <a:buSzPts val="3600"/>
+              <a:buNone/>
+              <a:defRPr sz="3600"/>
             </a:lvl2pPr>
-            <a:lvl3pPr lvl="2" algn="ctr">
-              <a:lnSpc>
-                <a:spcPct val="100000"/>
-              </a:lnSpc>
-              <a:spcBef>
-                <a:spcPts val="0"/>
-              </a:spcBef>
-              <a:spcAft>
-                <a:spcPts val="0"/>
-              </a:spcAft>
-              <a:buSzPts val="2800"/>
-              <a:buNone/>
-              <a:defRPr sz="2800"/>
+            <a:lvl3pPr lvl="2">
+              <a:spcBef>
+                <a:spcPts val="0"/>
+              </a:spcBef>
+              <a:spcAft>
+                <a:spcPts val="0"/>
+              </a:spcAft>
+              <a:buSzPts val="3600"/>
+              <a:buNone/>
+              <a:defRPr sz="3600"/>
             </a:lvl3pPr>
-            <a:lvl4pPr lvl="3" algn="ctr">
-              <a:lnSpc>
-                <a:spcPct val="100000"/>
-              </a:lnSpc>
-              <a:spcBef>
-                <a:spcPts val="0"/>
-              </a:spcBef>
-              <a:spcAft>
-                <a:spcPts val="0"/>
-              </a:spcAft>
-              <a:buSzPts val="2800"/>
-              <a:buNone/>
-              <a:defRPr sz="2800"/>
+            <a:lvl4pPr lvl="3">
+              <a:spcBef>
+                <a:spcPts val="0"/>
+              </a:spcBef>
+              <a:spcAft>
+                <a:spcPts val="0"/>
+              </a:spcAft>
+              <a:buSzPts val="3600"/>
+              <a:buNone/>
+              <a:defRPr sz="3600"/>
             </a:lvl4pPr>
-            <a:lvl5pPr lvl="4" algn="ctr">
-              <a:lnSpc>
-                <a:spcPct val="100000"/>
-              </a:lnSpc>
-              <a:spcBef>
-                <a:spcPts val="0"/>
-              </a:spcBef>
-              <a:spcAft>
-                <a:spcPts val="0"/>
-              </a:spcAft>
-              <a:buSzPts val="2800"/>
-              <a:buNone/>
-              <a:defRPr sz="2800"/>
+            <a:lvl5pPr lvl="4">
+              <a:spcBef>
+                <a:spcPts val="0"/>
+              </a:spcBef>
+              <a:spcAft>
+                <a:spcPts val="0"/>
+              </a:spcAft>
+              <a:buSzPts val="3600"/>
+              <a:buNone/>
+              <a:defRPr sz="3600"/>
             </a:lvl5pPr>
-            <a:lvl6pPr lvl="5" algn="ctr">
-              <a:lnSpc>
-                <a:spcPct val="100000"/>
-              </a:lnSpc>
-              <a:spcBef>
-                <a:spcPts val="0"/>
-              </a:spcBef>
-              <a:spcAft>
-                <a:spcPts val="0"/>
-              </a:spcAft>
-              <a:buSzPts val="2800"/>
-              <a:buNone/>
-              <a:defRPr sz="2800"/>
+            <a:lvl6pPr lvl="5">
+              <a:spcBef>
+                <a:spcPts val="0"/>
+              </a:spcBef>
+              <a:spcAft>
+                <a:spcPts val="0"/>
+              </a:spcAft>
+              <a:buSzPts val="3600"/>
+              <a:buNone/>
+              <a:defRPr sz="3600"/>
             </a:lvl6pPr>
-            <a:lvl7pPr lvl="6" algn="ctr">
-              <a:lnSpc>
-                <a:spcPct val="100000"/>
-              </a:lnSpc>
-              <a:spcBef>
-                <a:spcPts val="0"/>
-              </a:spcBef>
-              <a:spcAft>
-                <a:spcPts val="0"/>
-              </a:spcAft>
-              <a:buSzPts val="2800"/>
-              <a:buNone/>
-              <a:defRPr sz="2800"/>
+            <a:lvl7pPr lvl="6">
+              <a:spcBef>
+                <a:spcPts val="0"/>
+              </a:spcBef>
+              <a:spcAft>
+                <a:spcPts val="0"/>
+              </a:spcAft>
+              <a:buSzPts val="3600"/>
+              <a:buNone/>
+              <a:defRPr sz="3600"/>
             </a:lvl7pPr>
-            <a:lvl8pPr lvl="7" algn="ctr">
-              <a:lnSpc>
-                <a:spcPct val="100000"/>
-              </a:lnSpc>
-              <a:spcBef>
-                <a:spcPts val="0"/>
-              </a:spcBef>
-              <a:spcAft>
-                <a:spcPts val="0"/>
-              </a:spcAft>
-              <a:buSzPts val="2800"/>
-              <a:buNone/>
-              <a:defRPr sz="2800"/>
+            <a:lvl8pPr lvl="7">
+              <a:spcBef>
+                <a:spcPts val="0"/>
+              </a:spcBef>
+              <a:spcAft>
+                <a:spcPts val="0"/>
+              </a:spcAft>
+              <a:buSzPts val="3600"/>
+              <a:buNone/>
+              <a:defRPr sz="3600"/>
             </a:lvl8pPr>
-            <a:lvl9pPr lvl="8" algn="ctr">
-              <a:lnSpc>
-                <a:spcPct val="100000"/>
-              </a:lnSpc>
-              <a:spcBef>
-                <a:spcPts val="0"/>
-              </a:spcBef>
-              <a:spcAft>
-                <a:spcPts val="0"/>
-              </a:spcAft>
-              <a:buSzPts val="2800"/>
-              <a:buNone/>
-              <a:defRPr sz="2800"/>
+            <a:lvl9pPr lvl="8">
+              <a:spcBef>
+                <a:spcPts val="0"/>
+              </a:spcBef>
+              <a:spcAft>
+                <a:spcPts val="0"/>
+              </a:spcAft>
+              <a:buSzPts val="3600"/>
+              <a:buNone/>
+              <a:defRPr sz="3600"/>
             </a:lvl9pPr>
           </a:lstStyle>
           <a:p/>
@@ -1582,6 +1492,221 @@
       <p:sp>
         <p:nvSpPr>
           <p:cNvPr id="12" name="Google Shape;12;p2"/>
+          <p:cNvSpPr txBox="1"/>
+          <p:nvPr>
+            <p:ph idx="1" type="subTitle"/>
+          </p:nvPr>
+        </p:nvSpPr>
+        <p:spPr>
+          <a:xfrm>
+            <a:off x="311700" y="1878560"/>
+            <a:ext cx="4242600" cy="738300"/>
+          </a:xfrm>
+          <a:prstGeom prst="rect">
+            <a:avLst/>
+          </a:prstGeom>
+        </p:spPr>
+        <p:txBody>
+          <a:bodyPr anchorCtr="0" anchor="t" bIns="91425" lIns="91425" spcFirstLastPara="1" rIns="91425" wrap="square" tIns="91425">
+            <a:normAutofit/>
+          </a:bodyPr>
+          <a:lstStyle>
+            <a:lvl1pPr lvl="0">
+              <a:lnSpc>
+                <a:spcPct val="100000"/>
+              </a:lnSpc>
+              <a:spcBef>
+                <a:spcPts val="0"/>
+              </a:spcBef>
+              <a:spcAft>
+                <a:spcPts val="0"/>
+              </a:spcAft>
+              <a:buClr>
+                <a:schemeClr val="lt2"/>
+              </a:buClr>
+              <a:buSzPts val="1600"/>
+              <a:buNone/>
+              <a:defRPr sz="1600">
+                <a:solidFill>
+                  <a:schemeClr val="lt2"/>
+                </a:solidFill>
+              </a:defRPr>
+            </a:lvl1pPr>
+            <a:lvl2pPr lvl="1">
+              <a:lnSpc>
+                <a:spcPct val="100000"/>
+              </a:lnSpc>
+              <a:spcBef>
+                <a:spcPts val="0"/>
+              </a:spcBef>
+              <a:spcAft>
+                <a:spcPts val="0"/>
+              </a:spcAft>
+              <a:buClr>
+                <a:schemeClr val="lt2"/>
+              </a:buClr>
+              <a:buSzPts val="1600"/>
+              <a:buNone/>
+              <a:defRPr sz="1600">
+                <a:solidFill>
+                  <a:schemeClr val="lt2"/>
+                </a:solidFill>
+              </a:defRPr>
+            </a:lvl2pPr>
+            <a:lvl3pPr lvl="2">
+              <a:lnSpc>
+                <a:spcPct val="100000"/>
+              </a:lnSpc>
+              <a:spcBef>
+                <a:spcPts val="0"/>
+              </a:spcBef>
+              <a:spcAft>
+                <a:spcPts val="0"/>
+              </a:spcAft>
+              <a:buClr>
+                <a:schemeClr val="lt2"/>
+              </a:buClr>
+              <a:buSzPts val="1600"/>
+              <a:buNone/>
+              <a:defRPr sz="1600">
+                <a:solidFill>
+                  <a:schemeClr val="lt2"/>
+                </a:solidFill>
+              </a:defRPr>
+            </a:lvl3pPr>
+            <a:lvl4pPr lvl="3">
+              <a:lnSpc>
+                <a:spcPct val="100000"/>
+              </a:lnSpc>
+              <a:spcBef>
+                <a:spcPts val="0"/>
+              </a:spcBef>
+              <a:spcAft>
+                <a:spcPts val="0"/>
+              </a:spcAft>
+              <a:buClr>
+                <a:schemeClr val="lt2"/>
+              </a:buClr>
+              <a:buSzPts val="1600"/>
+              <a:buNone/>
+              <a:defRPr sz="1600">
+                <a:solidFill>
+                  <a:schemeClr val="lt2"/>
+                </a:solidFill>
+              </a:defRPr>
+            </a:lvl4pPr>
+            <a:lvl5pPr lvl="4">
+              <a:lnSpc>
+                <a:spcPct val="100000"/>
+              </a:lnSpc>
+              <a:spcBef>
+                <a:spcPts val="0"/>
+              </a:spcBef>
+              <a:spcAft>
+                <a:spcPts val="0"/>
+              </a:spcAft>
+              <a:buClr>
+                <a:schemeClr val="lt2"/>
+              </a:buClr>
+              <a:buSzPts val="1600"/>
+              <a:buNone/>
+              <a:defRPr sz="1600">
+                <a:solidFill>
+                  <a:schemeClr val="lt2"/>
+                </a:solidFill>
+              </a:defRPr>
+            </a:lvl5pPr>
+            <a:lvl6pPr lvl="5">
+              <a:lnSpc>
+                <a:spcPct val="100000"/>
+              </a:lnSpc>
+              <a:spcBef>
+                <a:spcPts val="0"/>
+              </a:spcBef>
+              <a:spcAft>
+                <a:spcPts val="0"/>
+              </a:spcAft>
+              <a:buClr>
+                <a:schemeClr val="lt2"/>
+              </a:buClr>
+              <a:buSzPts val="1600"/>
+              <a:buNone/>
+              <a:defRPr sz="1600">
+                <a:solidFill>
+                  <a:schemeClr val="lt2"/>
+                </a:solidFill>
+              </a:defRPr>
+            </a:lvl6pPr>
+            <a:lvl7pPr lvl="6">
+              <a:lnSpc>
+                <a:spcPct val="100000"/>
+              </a:lnSpc>
+              <a:spcBef>
+                <a:spcPts val="0"/>
+              </a:spcBef>
+              <a:spcAft>
+                <a:spcPts val="0"/>
+              </a:spcAft>
+              <a:buClr>
+                <a:schemeClr val="lt2"/>
+              </a:buClr>
+              <a:buSzPts val="1600"/>
+              <a:buNone/>
+              <a:defRPr sz="1600">
+                <a:solidFill>
+                  <a:schemeClr val="lt2"/>
+                </a:solidFill>
+              </a:defRPr>
+            </a:lvl7pPr>
+            <a:lvl8pPr lvl="7">
+              <a:lnSpc>
+                <a:spcPct val="100000"/>
+              </a:lnSpc>
+              <a:spcBef>
+                <a:spcPts val="0"/>
+              </a:spcBef>
+              <a:spcAft>
+                <a:spcPts val="0"/>
+              </a:spcAft>
+              <a:buClr>
+                <a:schemeClr val="lt2"/>
+              </a:buClr>
+              <a:buSzPts val="1600"/>
+              <a:buNone/>
+              <a:defRPr sz="1600">
+                <a:solidFill>
+                  <a:schemeClr val="lt2"/>
+                </a:solidFill>
+              </a:defRPr>
+            </a:lvl8pPr>
+            <a:lvl9pPr lvl="8">
+              <a:lnSpc>
+                <a:spcPct val="100000"/>
+              </a:lnSpc>
+              <a:spcBef>
+                <a:spcPts val="0"/>
+              </a:spcBef>
+              <a:spcAft>
+                <a:spcPts val="0"/>
+              </a:spcAft>
+              <a:buClr>
+                <a:schemeClr val="lt2"/>
+              </a:buClr>
+              <a:buSzPts val="1600"/>
+              <a:buNone/>
+              <a:defRPr sz="1600">
+                <a:solidFill>
+                  <a:schemeClr val="lt2"/>
+                </a:solidFill>
+              </a:defRPr>
+            </a:lvl9pPr>
+          </a:lstStyle>
+          <a:p/>
+        </p:txBody>
+      </p:sp>
+      <p:sp>
+        <p:nvSpPr>
+          <p:cNvPr id="13" name="Google Shape;13;p2"/>
           <p:cNvSpPr txBox="1"/>
           <p:nvPr>
             <p:ph idx="12" type="sldNum"/>
@@ -1603,39 +1728,75 @@
           <a:lstStyle>
             <a:lvl1pPr lvl="0">
               <a:buNone/>
-              <a:defRPr/>
+              <a:defRPr>
+                <a:solidFill>
+                  <a:schemeClr val="lt1"/>
+                </a:solidFill>
+              </a:defRPr>
             </a:lvl1pPr>
             <a:lvl2pPr lvl="1">
               <a:buNone/>
-              <a:defRPr/>
+              <a:defRPr>
+                <a:solidFill>
+                  <a:schemeClr val="lt1"/>
+                </a:solidFill>
+              </a:defRPr>
             </a:lvl2pPr>
             <a:lvl3pPr lvl="2">
               <a:buNone/>
-              <a:defRPr/>
+              <a:defRPr>
+                <a:solidFill>
+                  <a:schemeClr val="lt1"/>
+                </a:solidFill>
+              </a:defRPr>
             </a:lvl3pPr>
             <a:lvl4pPr lvl="3">
               <a:buNone/>
-              <a:defRPr/>
+              <a:defRPr>
+                <a:solidFill>
+                  <a:schemeClr val="lt1"/>
+                </a:solidFill>
+              </a:defRPr>
             </a:lvl4pPr>
             <a:lvl5pPr lvl="4">
               <a:buNone/>
-              <a:defRPr/>
+              <a:defRPr>
+                <a:solidFill>
+                  <a:schemeClr val="lt1"/>
+                </a:solidFill>
+              </a:defRPr>
             </a:lvl5pPr>
             <a:lvl6pPr lvl="5">
               <a:buNone/>
-              <a:defRPr/>
+              <a:defRPr>
+                <a:solidFill>
+                  <a:schemeClr val="lt1"/>
+                </a:solidFill>
+              </a:defRPr>
             </a:lvl6pPr>
             <a:lvl7pPr lvl="6">
               <a:buNone/>
-              <a:defRPr/>
+              <a:defRPr>
+                <a:solidFill>
+                  <a:schemeClr val="lt1"/>
+                </a:solidFill>
+              </a:defRPr>
             </a:lvl7pPr>
             <a:lvl8pPr lvl="7">
               <a:buNone/>
-              <a:defRPr/>
+              <a:defRPr>
+                <a:solidFill>
+                  <a:schemeClr val="lt1"/>
+                </a:solidFill>
+              </a:defRPr>
             </a:lvl8pPr>
             <a:lvl9pPr lvl="8">
               <a:buNone/>
-              <a:defRPr/>
+              <a:defRPr>
+                <a:solidFill>
+                  <a:schemeClr val="lt1"/>
+                </a:solidFill>
+              </a:defRPr>
             </a:lvl9pPr>
           </a:lstStyle>
           <a:p>
@@ -1667,9 +1828,16 @@
 <file path=ppt/slideLayouts/slideLayout10.xml><?xml version="1.0" encoding="utf-8"?>
 <p:sldLayout xmlns:a="http://schemas.openxmlformats.org/drawingml/2006/main" xmlns:r="http://schemas.openxmlformats.org/officeDocument/2006/relationships" xmlns:mc="http://schemas.openxmlformats.org/markup-compatibility/2006" xmlns:mv="urn:schemas-microsoft-com:mac:vml" xmlns:p="http://schemas.openxmlformats.org/presentationml/2006/main" xmlns:c="http://schemas.openxmlformats.org/drawingml/2006/chart" xmlns:dgm="http://schemas.openxmlformats.org/drawingml/2006/diagram" xmlns:o="urn:schemas-microsoft-com:office:office" xmlns:v="urn:schemas-microsoft-com:vml" xmlns:pvml="urn:schemas-microsoft-com:office:powerpoint" xmlns:com="http://schemas.openxmlformats.org/drawingml/2006/compatibility" xmlns:p14="http://schemas.microsoft.com/office/powerpoint/2010/main" xmlns:p15="http://schemas.microsoft.com/office/powerpoint/2012/main" xmlns:ahyp="http://schemas.microsoft.com/office/drawing/2018/hyperlinkcolor" matchingName="Big number">
   <p:cSld name="BIG_NUMBER">
+    <p:bg>
+      <p:bgPr>
+        <a:solidFill>
+          <a:schemeClr val="dk1"/>
+        </a:solidFill>
+      </p:bgPr>
+    </p:bg>
     <p:spTree>
       <p:nvGrpSpPr>
-        <p:cNvPr id="44" name="Shape 44"/>
+        <p:cNvPr id="54" name="Shape 54"/>
         <p:cNvGrpSpPr/>
         <p:nvPr/>
       </p:nvGrpSpPr>
@@ -1683,7 +1851,7 @@
       </p:grpSpPr>
       <p:sp>
         <p:nvSpPr>
-          <p:cNvPr id="45" name="Google Shape;45;p11"/>
+          <p:cNvPr id="55" name="Google Shape;55;p11"/>
           <p:cNvSpPr txBox="1"/>
           <p:nvPr>
             <p:ph hasCustomPrompt="1" type="title"/>
@@ -1691,8 +1859,8 @@
         </p:nvSpPr>
         <p:spPr>
           <a:xfrm>
-            <a:off x="311700" y="1106125"/>
-            <a:ext cx="8520600" cy="1963500"/>
+            <a:off x="311750" y="831175"/>
+            <a:ext cx="5334900" cy="1244700"/>
           </a:xfrm>
           <a:prstGeom prst="rect">
             <a:avLst/>
@@ -1703,104 +1871,167 @@
             <a:normAutofit/>
           </a:bodyPr>
           <a:lstStyle>
-            <a:lvl1pPr lvl="0" algn="ctr">
-              <a:spcBef>
-                <a:spcPts val="0"/>
-              </a:spcBef>
-              <a:spcAft>
-                <a:spcPts val="0"/>
-              </a:spcAft>
-              <a:buSzPts val="12000"/>
-              <a:buNone/>
-              <a:defRPr sz="12000"/>
+            <a:lvl1pPr lvl="0">
+              <a:spcBef>
+                <a:spcPts val="0"/>
+              </a:spcBef>
+              <a:spcAft>
+                <a:spcPts val="0"/>
+              </a:spcAft>
+              <a:buClr>
+                <a:schemeClr val="lt1"/>
+              </a:buClr>
+              <a:buSzPts val="10000"/>
+              <a:buNone/>
+              <a:defRPr sz="10000">
+                <a:solidFill>
+                  <a:schemeClr val="lt1"/>
+                </a:solidFill>
+              </a:defRPr>
             </a:lvl1pPr>
-            <a:lvl2pPr lvl="1" algn="ctr">
-              <a:spcBef>
-                <a:spcPts val="0"/>
-              </a:spcBef>
-              <a:spcAft>
-                <a:spcPts val="0"/>
-              </a:spcAft>
-              <a:buSzPts val="12000"/>
-              <a:buNone/>
-              <a:defRPr sz="12000"/>
+            <a:lvl2pPr lvl="1">
+              <a:spcBef>
+                <a:spcPts val="0"/>
+              </a:spcBef>
+              <a:spcAft>
+                <a:spcPts val="0"/>
+              </a:spcAft>
+              <a:buClr>
+                <a:schemeClr val="lt1"/>
+              </a:buClr>
+              <a:buSzPts val="10000"/>
+              <a:buNone/>
+              <a:defRPr sz="10000">
+                <a:solidFill>
+                  <a:schemeClr val="lt1"/>
+                </a:solidFill>
+              </a:defRPr>
             </a:lvl2pPr>
-            <a:lvl3pPr lvl="2" algn="ctr">
-              <a:spcBef>
-                <a:spcPts val="0"/>
-              </a:spcBef>
-              <a:spcAft>
-                <a:spcPts val="0"/>
-              </a:spcAft>
-              <a:buSzPts val="12000"/>
-              <a:buNone/>
-              <a:defRPr sz="12000"/>
+            <a:lvl3pPr lvl="2">
+              <a:spcBef>
+                <a:spcPts val="0"/>
+              </a:spcBef>
+              <a:spcAft>
+                <a:spcPts val="0"/>
+              </a:spcAft>
+              <a:buClr>
+                <a:schemeClr val="lt1"/>
+              </a:buClr>
+              <a:buSzPts val="10000"/>
+              <a:buNone/>
+              <a:defRPr sz="10000">
+                <a:solidFill>
+                  <a:schemeClr val="lt1"/>
+                </a:solidFill>
+              </a:defRPr>
             </a:lvl3pPr>
-            <a:lvl4pPr lvl="3" algn="ctr">
-              <a:spcBef>
-                <a:spcPts val="0"/>
-              </a:spcBef>
-              <a:spcAft>
-                <a:spcPts val="0"/>
-              </a:spcAft>
-              <a:buSzPts val="12000"/>
-              <a:buNone/>
-              <a:defRPr sz="12000"/>
+            <a:lvl4pPr lvl="3">
+              <a:spcBef>
+                <a:spcPts val="0"/>
+              </a:spcBef>
+              <a:spcAft>
+                <a:spcPts val="0"/>
+              </a:spcAft>
+              <a:buClr>
+                <a:schemeClr val="lt1"/>
+              </a:buClr>
+              <a:buSzPts val="10000"/>
+              <a:buNone/>
+              <a:defRPr sz="10000">
+                <a:solidFill>
+                  <a:schemeClr val="lt1"/>
+                </a:solidFill>
+              </a:defRPr>
             </a:lvl4pPr>
-            <a:lvl5pPr lvl="4" algn="ctr">
-              <a:spcBef>
-                <a:spcPts val="0"/>
-              </a:spcBef>
-              <a:spcAft>
-                <a:spcPts val="0"/>
-              </a:spcAft>
-              <a:buSzPts val="12000"/>
-              <a:buNone/>
-              <a:defRPr sz="12000"/>
+            <a:lvl5pPr lvl="4">
+              <a:spcBef>
+                <a:spcPts val="0"/>
+              </a:spcBef>
+              <a:spcAft>
+                <a:spcPts val="0"/>
+              </a:spcAft>
+              <a:buClr>
+                <a:schemeClr val="lt1"/>
+              </a:buClr>
+              <a:buSzPts val="10000"/>
+              <a:buNone/>
+              <a:defRPr sz="10000">
+                <a:solidFill>
+                  <a:schemeClr val="lt1"/>
+                </a:solidFill>
+              </a:defRPr>
             </a:lvl5pPr>
-            <a:lvl6pPr lvl="5" algn="ctr">
-              <a:spcBef>
-                <a:spcPts val="0"/>
-              </a:spcBef>
-              <a:spcAft>
-                <a:spcPts val="0"/>
-              </a:spcAft>
-              <a:buSzPts val="12000"/>
-              <a:buNone/>
-              <a:defRPr sz="12000"/>
+            <a:lvl6pPr lvl="5">
+              <a:spcBef>
+                <a:spcPts val="0"/>
+              </a:spcBef>
+              <a:spcAft>
+                <a:spcPts val="0"/>
+              </a:spcAft>
+              <a:buClr>
+                <a:schemeClr val="lt1"/>
+              </a:buClr>
+              <a:buSzPts val="10000"/>
+              <a:buNone/>
+              <a:defRPr sz="10000">
+                <a:solidFill>
+                  <a:schemeClr val="lt1"/>
+                </a:solidFill>
+              </a:defRPr>
             </a:lvl6pPr>
-            <a:lvl7pPr lvl="6" algn="ctr">
-              <a:spcBef>
-                <a:spcPts val="0"/>
-              </a:spcBef>
-              <a:spcAft>
-                <a:spcPts val="0"/>
-              </a:spcAft>
-              <a:buSzPts val="12000"/>
-              <a:buNone/>
-              <a:defRPr sz="12000"/>
+            <a:lvl7pPr lvl="6">
+              <a:spcBef>
+                <a:spcPts val="0"/>
+              </a:spcBef>
+              <a:spcAft>
+                <a:spcPts val="0"/>
+              </a:spcAft>
+              <a:buClr>
+                <a:schemeClr val="lt1"/>
+              </a:buClr>
+              <a:buSzPts val="10000"/>
+              <a:buNone/>
+              <a:defRPr sz="10000">
+                <a:solidFill>
+                  <a:schemeClr val="lt1"/>
+                </a:solidFill>
+              </a:defRPr>
             </a:lvl7pPr>
-            <a:lvl8pPr lvl="7" algn="ctr">
-              <a:spcBef>
-                <a:spcPts val="0"/>
-              </a:spcBef>
-              <a:spcAft>
-                <a:spcPts val="0"/>
-              </a:spcAft>
-              <a:buSzPts val="12000"/>
-              <a:buNone/>
-              <a:defRPr sz="12000"/>
+            <a:lvl8pPr lvl="7">
+              <a:spcBef>
+                <a:spcPts val="0"/>
+              </a:spcBef>
+              <a:spcAft>
+                <a:spcPts val="0"/>
+              </a:spcAft>
+              <a:buClr>
+                <a:schemeClr val="lt1"/>
+              </a:buClr>
+              <a:buSzPts val="10000"/>
+              <a:buNone/>
+              <a:defRPr sz="10000">
+                <a:solidFill>
+                  <a:schemeClr val="lt1"/>
+                </a:solidFill>
+              </a:defRPr>
             </a:lvl8pPr>
-            <a:lvl9pPr lvl="8" algn="ctr">
-              <a:spcBef>
-                <a:spcPts val="0"/>
-              </a:spcBef>
-              <a:spcAft>
-                <a:spcPts val="0"/>
-              </a:spcAft>
-              <a:buSzPts val="12000"/>
-              <a:buNone/>
-              <a:defRPr sz="12000"/>
+            <a:lvl9pPr lvl="8">
+              <a:spcBef>
+                <a:spcPts val="0"/>
+              </a:spcBef>
+              <a:spcAft>
+                <a:spcPts val="0"/>
+              </a:spcAft>
+              <a:buClr>
+                <a:schemeClr val="lt1"/>
+              </a:buClr>
+              <a:buSzPts val="10000"/>
+              <a:buNone/>
+              <a:defRPr sz="10000">
+                <a:solidFill>
+                  <a:schemeClr val="lt1"/>
+                </a:solidFill>
+              </a:defRPr>
             </a:lvl9pPr>
           </a:lstStyle>
           <a:p>
@@ -1812,7 +2043,7 @@
       </p:sp>
       <p:sp>
         <p:nvSpPr>
-          <p:cNvPr id="46" name="Google Shape;46;p11"/>
+          <p:cNvPr id="56" name="Google Shape;56;p11"/>
           <p:cNvSpPr txBox="1"/>
           <p:nvPr>
             <p:ph idx="1" type="body"/>
@@ -1820,8 +2051,8 @@
         </p:nvSpPr>
         <p:spPr>
           <a:xfrm>
-            <a:off x="311700" y="3152225"/>
-            <a:ext cx="8520600" cy="1300800"/>
+            <a:off x="311700" y="2121425"/>
+            <a:ext cx="5334900" cy="942600"/>
           </a:xfrm>
           <a:prstGeom prst="rect">
             <a:avLst/>
@@ -1832,104 +2063,167 @@
             <a:normAutofit/>
           </a:bodyPr>
           <a:lstStyle>
-            <a:lvl1pPr indent="-342900" lvl="0" marL="457200" algn="ctr">
-              <a:spcBef>
-                <a:spcPts val="0"/>
-              </a:spcBef>
-              <a:spcAft>
-                <a:spcPts val="0"/>
-              </a:spcAft>
-              <a:buSzPts val="1800"/>
+            <a:lvl1pPr indent="-311150" lvl="0" marL="457200">
+              <a:spcBef>
+                <a:spcPts val="0"/>
+              </a:spcBef>
+              <a:spcAft>
+                <a:spcPts val="0"/>
+              </a:spcAft>
+              <a:buClr>
+                <a:schemeClr val="accent2"/>
+              </a:buClr>
+              <a:buSzPts val="1300"/>
               <a:buChar char="●"/>
-              <a:defRPr/>
+              <a:defRPr>
+                <a:solidFill>
+                  <a:schemeClr val="accent2"/>
+                </a:solidFill>
+              </a:defRPr>
             </a:lvl1pPr>
-            <a:lvl2pPr indent="-317500" lvl="1" marL="914400" algn="ctr">
-              <a:spcBef>
-                <a:spcPts val="0"/>
-              </a:spcBef>
-              <a:spcAft>
-                <a:spcPts val="0"/>
-              </a:spcAft>
-              <a:buSzPts val="1400"/>
+            <a:lvl2pPr indent="-298450" lvl="1" marL="914400">
+              <a:spcBef>
+                <a:spcPts val="0"/>
+              </a:spcBef>
+              <a:spcAft>
+                <a:spcPts val="0"/>
+              </a:spcAft>
+              <a:buClr>
+                <a:schemeClr val="accent2"/>
+              </a:buClr>
+              <a:buSzPts val="1100"/>
               <a:buChar char="○"/>
-              <a:defRPr/>
+              <a:defRPr>
+                <a:solidFill>
+                  <a:schemeClr val="accent2"/>
+                </a:solidFill>
+              </a:defRPr>
             </a:lvl2pPr>
-            <a:lvl3pPr indent="-317500" lvl="2" marL="1371600" algn="ctr">
-              <a:spcBef>
-                <a:spcPts val="0"/>
-              </a:spcBef>
-              <a:spcAft>
-                <a:spcPts val="0"/>
-              </a:spcAft>
-              <a:buSzPts val="1400"/>
+            <a:lvl3pPr indent="-298450" lvl="2" marL="1371600">
+              <a:spcBef>
+                <a:spcPts val="0"/>
+              </a:spcBef>
+              <a:spcAft>
+                <a:spcPts val="0"/>
+              </a:spcAft>
+              <a:buClr>
+                <a:schemeClr val="accent2"/>
+              </a:buClr>
+              <a:buSzPts val="1100"/>
               <a:buChar char="■"/>
-              <a:defRPr/>
+              <a:defRPr>
+                <a:solidFill>
+                  <a:schemeClr val="accent2"/>
+                </a:solidFill>
+              </a:defRPr>
             </a:lvl3pPr>
-            <a:lvl4pPr indent="-317500" lvl="3" marL="1828800" algn="ctr">
-              <a:spcBef>
-                <a:spcPts val="0"/>
-              </a:spcBef>
-              <a:spcAft>
-                <a:spcPts val="0"/>
-              </a:spcAft>
-              <a:buSzPts val="1400"/>
+            <a:lvl4pPr indent="-298450" lvl="3" marL="1828800">
+              <a:spcBef>
+                <a:spcPts val="0"/>
+              </a:spcBef>
+              <a:spcAft>
+                <a:spcPts val="0"/>
+              </a:spcAft>
+              <a:buClr>
+                <a:schemeClr val="accent2"/>
+              </a:buClr>
+              <a:buSzPts val="1100"/>
               <a:buChar char="●"/>
-              <a:defRPr/>
+              <a:defRPr>
+                <a:solidFill>
+                  <a:schemeClr val="accent2"/>
+                </a:solidFill>
+              </a:defRPr>
             </a:lvl4pPr>
-            <a:lvl5pPr indent="-317500" lvl="4" marL="2286000" algn="ctr">
-              <a:spcBef>
-                <a:spcPts val="0"/>
-              </a:spcBef>
-              <a:spcAft>
-                <a:spcPts val="0"/>
-              </a:spcAft>
-              <a:buSzPts val="1400"/>
+            <a:lvl5pPr indent="-298450" lvl="4" marL="2286000">
+              <a:spcBef>
+                <a:spcPts val="0"/>
+              </a:spcBef>
+              <a:spcAft>
+                <a:spcPts val="0"/>
+              </a:spcAft>
+              <a:buClr>
+                <a:schemeClr val="accent2"/>
+              </a:buClr>
+              <a:buSzPts val="1100"/>
               <a:buChar char="○"/>
-              <a:defRPr/>
+              <a:defRPr>
+                <a:solidFill>
+                  <a:schemeClr val="accent2"/>
+                </a:solidFill>
+              </a:defRPr>
             </a:lvl5pPr>
-            <a:lvl6pPr indent="-317500" lvl="5" marL="2743200" algn="ctr">
-              <a:spcBef>
-                <a:spcPts val="0"/>
-              </a:spcBef>
-              <a:spcAft>
-                <a:spcPts val="0"/>
-              </a:spcAft>
-              <a:buSzPts val="1400"/>
+            <a:lvl6pPr indent="-298450" lvl="5" marL="2743200">
+              <a:spcBef>
+                <a:spcPts val="0"/>
+              </a:spcBef>
+              <a:spcAft>
+                <a:spcPts val="0"/>
+              </a:spcAft>
+              <a:buClr>
+                <a:schemeClr val="accent2"/>
+              </a:buClr>
+              <a:buSzPts val="1100"/>
               <a:buChar char="■"/>
-              <a:defRPr/>
+              <a:defRPr>
+                <a:solidFill>
+                  <a:schemeClr val="accent2"/>
+                </a:solidFill>
+              </a:defRPr>
             </a:lvl6pPr>
-            <a:lvl7pPr indent="-317500" lvl="6" marL="3200400" algn="ctr">
-              <a:spcBef>
-                <a:spcPts val="0"/>
-              </a:spcBef>
-              <a:spcAft>
-                <a:spcPts val="0"/>
-              </a:spcAft>
-              <a:buSzPts val="1400"/>
+            <a:lvl7pPr indent="-298450" lvl="6" marL="3200400">
+              <a:spcBef>
+                <a:spcPts val="0"/>
+              </a:spcBef>
+              <a:spcAft>
+                <a:spcPts val="0"/>
+              </a:spcAft>
+              <a:buClr>
+                <a:schemeClr val="accent2"/>
+              </a:buClr>
+              <a:buSzPts val="1100"/>
               <a:buChar char="●"/>
-              <a:defRPr/>
+              <a:defRPr>
+                <a:solidFill>
+                  <a:schemeClr val="accent2"/>
+                </a:solidFill>
+              </a:defRPr>
             </a:lvl7pPr>
-            <a:lvl8pPr indent="-317500" lvl="7" marL="3657600" algn="ctr">
-              <a:spcBef>
-                <a:spcPts val="0"/>
-              </a:spcBef>
-              <a:spcAft>
-                <a:spcPts val="0"/>
-              </a:spcAft>
-              <a:buSzPts val="1400"/>
+            <a:lvl8pPr indent="-298450" lvl="7" marL="3657600">
+              <a:spcBef>
+                <a:spcPts val="0"/>
+              </a:spcBef>
+              <a:spcAft>
+                <a:spcPts val="0"/>
+              </a:spcAft>
+              <a:buClr>
+                <a:schemeClr val="accent2"/>
+              </a:buClr>
+              <a:buSzPts val="1100"/>
               <a:buChar char="○"/>
-              <a:defRPr/>
+              <a:defRPr>
+                <a:solidFill>
+                  <a:schemeClr val="accent2"/>
+                </a:solidFill>
+              </a:defRPr>
             </a:lvl8pPr>
-            <a:lvl9pPr indent="-317500" lvl="8" marL="4114800" algn="ctr">
-              <a:spcBef>
-                <a:spcPts val="0"/>
-              </a:spcBef>
-              <a:spcAft>
-                <a:spcPts val="0"/>
-              </a:spcAft>
-              <a:buSzPts val="1400"/>
+            <a:lvl9pPr indent="-298450" lvl="8" marL="4114800">
+              <a:spcBef>
+                <a:spcPts val="0"/>
+              </a:spcBef>
+              <a:spcAft>
+                <a:spcPts val="0"/>
+              </a:spcAft>
+              <a:buClr>
+                <a:schemeClr val="accent2"/>
+              </a:buClr>
+              <a:buSzPts val="1100"/>
               <a:buChar char="■"/>
-              <a:defRPr/>
+              <a:defRPr>
+                <a:solidFill>
+                  <a:schemeClr val="accent2"/>
+                </a:solidFill>
+              </a:defRPr>
             </a:lvl9pPr>
           </a:lstStyle>
           <a:p/>
@@ -1937,7 +2231,7 @@
       </p:sp>
       <p:sp>
         <p:nvSpPr>
-          <p:cNvPr id="47" name="Google Shape;47;p11"/>
+          <p:cNvPr id="57" name="Google Shape;57;p11"/>
           <p:cNvSpPr txBox="1"/>
           <p:nvPr>
             <p:ph idx="12" type="sldNum"/>
@@ -1959,39 +2253,75 @@
           <a:lstStyle>
             <a:lvl1pPr lvl="0">
               <a:buNone/>
-              <a:defRPr/>
+              <a:defRPr>
+                <a:solidFill>
+                  <a:schemeClr val="lt1"/>
+                </a:solidFill>
+              </a:defRPr>
             </a:lvl1pPr>
             <a:lvl2pPr lvl="1">
               <a:buNone/>
-              <a:defRPr/>
+              <a:defRPr>
+                <a:solidFill>
+                  <a:schemeClr val="lt1"/>
+                </a:solidFill>
+              </a:defRPr>
             </a:lvl2pPr>
             <a:lvl3pPr lvl="2">
               <a:buNone/>
-              <a:defRPr/>
+              <a:defRPr>
+                <a:solidFill>
+                  <a:schemeClr val="lt1"/>
+                </a:solidFill>
+              </a:defRPr>
             </a:lvl3pPr>
             <a:lvl4pPr lvl="3">
               <a:buNone/>
-              <a:defRPr/>
+              <a:defRPr>
+                <a:solidFill>
+                  <a:schemeClr val="lt1"/>
+                </a:solidFill>
+              </a:defRPr>
             </a:lvl4pPr>
             <a:lvl5pPr lvl="4">
               <a:buNone/>
-              <a:defRPr/>
+              <a:defRPr>
+                <a:solidFill>
+                  <a:schemeClr val="lt1"/>
+                </a:solidFill>
+              </a:defRPr>
             </a:lvl5pPr>
             <a:lvl6pPr lvl="5">
               <a:buNone/>
-              <a:defRPr/>
+              <a:defRPr>
+                <a:solidFill>
+                  <a:schemeClr val="lt1"/>
+                </a:solidFill>
+              </a:defRPr>
             </a:lvl6pPr>
             <a:lvl7pPr lvl="6">
               <a:buNone/>
-              <a:defRPr/>
+              <a:defRPr>
+                <a:solidFill>
+                  <a:schemeClr val="lt1"/>
+                </a:solidFill>
+              </a:defRPr>
             </a:lvl7pPr>
             <a:lvl8pPr lvl="7">
               <a:buNone/>
-              <a:defRPr/>
+              <a:defRPr>
+                <a:solidFill>
+                  <a:schemeClr val="lt1"/>
+                </a:solidFill>
+              </a:defRPr>
             </a:lvl8pPr>
             <a:lvl9pPr lvl="8">
               <a:buNone/>
-              <a:defRPr/>
+              <a:defRPr>
+                <a:solidFill>
+                  <a:schemeClr val="lt1"/>
+                </a:solidFill>
+              </a:defRPr>
             </a:lvl9pPr>
           </a:lstStyle>
           <a:p>
@@ -2025,7 +2355,7 @@
   <p:cSld name="BLANK">
     <p:spTree>
       <p:nvGrpSpPr>
-        <p:cNvPr id="48" name="Shape 48"/>
+        <p:cNvPr id="58" name="Shape 58"/>
         <p:cNvGrpSpPr/>
         <p:nvPr/>
       </p:nvGrpSpPr>
@@ -2039,7 +2369,7 @@
       </p:grpSpPr>
       <p:sp>
         <p:nvSpPr>
-          <p:cNvPr id="49" name="Google Shape;49;p12"/>
+          <p:cNvPr id="59" name="Google Shape;59;p12"/>
           <p:cNvSpPr txBox="1"/>
           <p:nvPr>
             <p:ph idx="12" type="sldNum"/>
@@ -2125,9 +2455,16 @@
 <file path=ppt/slideLayouts/slideLayout2.xml><?xml version="1.0" encoding="utf-8"?>
 <p:sldLayout xmlns:a="http://schemas.openxmlformats.org/drawingml/2006/main" xmlns:r="http://schemas.openxmlformats.org/officeDocument/2006/relationships" xmlns:mc="http://schemas.openxmlformats.org/markup-compatibility/2006" xmlns:mv="urn:schemas-microsoft-com:mac:vml" xmlns:p="http://schemas.openxmlformats.org/presentationml/2006/main" xmlns:c="http://schemas.openxmlformats.org/drawingml/2006/chart" xmlns:dgm="http://schemas.openxmlformats.org/drawingml/2006/diagram" xmlns:o="urn:schemas-microsoft-com:office:office" xmlns:v="urn:schemas-microsoft-com:vml" xmlns:pvml="urn:schemas-microsoft-com:office:powerpoint" xmlns:com="http://schemas.openxmlformats.org/drawingml/2006/compatibility" xmlns:p14="http://schemas.microsoft.com/office/powerpoint/2010/main" xmlns:p15="http://schemas.microsoft.com/office/powerpoint/2012/main" xmlns:ahyp="http://schemas.microsoft.com/office/drawing/2018/hyperlinkcolor" matchingName="Section header" type="secHead">
   <p:cSld name="SECTION_HEADER">
+    <p:bg>
+      <p:bgPr>
+        <a:solidFill>
+          <a:schemeClr val="accent3"/>
+        </a:solidFill>
+      </p:bgPr>
+    </p:bg>
     <p:spTree>
       <p:nvGrpSpPr>
-        <p:cNvPr id="13" name="Shape 13"/>
+        <p:cNvPr id="14" name="Shape 14"/>
         <p:cNvGrpSpPr/>
         <p:nvPr/>
       </p:nvGrpSpPr>
@@ -2141,7 +2478,85 @@
       </p:grpSpPr>
       <p:sp>
         <p:nvSpPr>
-          <p:cNvPr id="14" name="Google Shape;14;p3"/>
+          <p:cNvPr id="15" name="Google Shape;15;p3"/>
+          <p:cNvSpPr/>
+          <p:nvPr/>
+        </p:nvSpPr>
+        <p:spPr>
+          <a:xfrm>
+            <a:off x="0" y="48099"/>
+            <a:ext cx="9144250" cy="4398100"/>
+          </a:xfrm>
+          <a:custGeom>
+            <a:rect b="b" l="l" r="r" t="t"/>
+            <a:pathLst>
+              <a:path extrusionOk="0" h="175924" w="365770">
+                <a:moveTo>
+                  <a:pt x="0" y="0"/>
+                </a:moveTo>
+                <a:lnTo>
+                  <a:pt x="365770" y="0"/>
+                </a:lnTo>
+                <a:lnTo>
+                  <a:pt x="365760" y="70914"/>
+                </a:lnTo>
+                <a:lnTo>
+                  <a:pt x="0" y="175924"/>
+                </a:lnTo>
+                <a:close/>
+              </a:path>
+            </a:pathLst>
+          </a:custGeom>
+          <a:solidFill>
+            <a:schemeClr val="lt1"/>
+          </a:solidFill>
+          <a:ln>
+            <a:noFill/>
+          </a:ln>
+        </p:spPr>
+      </p:sp>
+      <p:sp>
+        <p:nvSpPr>
+          <p:cNvPr id="16" name="Google Shape;16;p3"/>
+          <p:cNvSpPr/>
+          <p:nvPr/>
+        </p:nvSpPr>
+        <p:spPr>
+          <a:xfrm>
+            <a:off x="0" y="0"/>
+            <a:ext cx="9144250" cy="4398100"/>
+          </a:xfrm>
+          <a:custGeom>
+            <a:rect b="b" l="l" r="r" t="t"/>
+            <a:pathLst>
+              <a:path extrusionOk="0" h="175924" w="365770">
+                <a:moveTo>
+                  <a:pt x="0" y="0"/>
+                </a:moveTo>
+                <a:lnTo>
+                  <a:pt x="365770" y="0"/>
+                </a:lnTo>
+                <a:lnTo>
+                  <a:pt x="365760" y="70914"/>
+                </a:lnTo>
+                <a:lnTo>
+                  <a:pt x="0" y="175924"/>
+                </a:lnTo>
+                <a:close/>
+              </a:path>
+            </a:pathLst>
+          </a:custGeom>
+          <a:solidFill>
+            <a:schemeClr val="accent3"/>
+          </a:solidFill>
+          <a:ln>
+            <a:noFill/>
+          </a:ln>
+        </p:spPr>
+      </p:sp>
+      <p:sp>
+        <p:nvSpPr>
+          <p:cNvPr id="17" name="Google Shape;17;p3"/>
           <p:cNvSpPr txBox="1"/>
           <p:nvPr>
             <p:ph type="title"/>
@@ -2149,19 +2564,19 @@
         </p:nvSpPr>
         <p:spPr>
           <a:xfrm>
-            <a:off x="311700" y="2150850"/>
-            <a:ext cx="8520600" cy="841800"/>
+            <a:off x="311700" y="539725"/>
+            <a:ext cx="8520600" cy="1282500"/>
           </a:xfrm>
           <a:prstGeom prst="rect">
             <a:avLst/>
           </a:prstGeom>
         </p:spPr>
         <p:txBody>
-          <a:bodyPr anchorCtr="0" anchor="ctr" bIns="91425" lIns="91425" spcFirstLastPara="1" rIns="91425" wrap="square" tIns="91425">
+          <a:bodyPr anchorCtr="0" anchor="t" bIns="91425" lIns="91425" spcFirstLastPara="1" rIns="91425" wrap="square" tIns="91425">
             <a:normAutofit/>
           </a:bodyPr>
           <a:lstStyle>
-            <a:lvl1pPr lvl="0" algn="ctr">
+            <a:lvl1pPr lvl="0">
               <a:spcBef>
                 <a:spcPts val="0"/>
               </a:spcBef>
@@ -2172,7 +2587,7 @@
               <a:buNone/>
               <a:defRPr sz="3600"/>
             </a:lvl1pPr>
-            <a:lvl2pPr lvl="1" algn="ctr">
+            <a:lvl2pPr lvl="1">
               <a:spcBef>
                 <a:spcPts val="0"/>
               </a:spcBef>
@@ -2183,7 +2598,7 @@
               <a:buNone/>
               <a:defRPr sz="3600"/>
             </a:lvl2pPr>
-            <a:lvl3pPr lvl="2" algn="ctr">
+            <a:lvl3pPr lvl="2">
               <a:spcBef>
                 <a:spcPts val="0"/>
               </a:spcBef>
@@ -2194,7 +2609,7 @@
               <a:buNone/>
               <a:defRPr sz="3600"/>
             </a:lvl3pPr>
-            <a:lvl4pPr lvl="3" algn="ctr">
+            <a:lvl4pPr lvl="3">
               <a:spcBef>
                 <a:spcPts val="0"/>
               </a:spcBef>
@@ -2205,7 +2620,7 @@
               <a:buNone/>
               <a:defRPr sz="3600"/>
             </a:lvl4pPr>
-            <a:lvl5pPr lvl="4" algn="ctr">
+            <a:lvl5pPr lvl="4">
               <a:spcBef>
                 <a:spcPts val="0"/>
               </a:spcBef>
@@ -2216,7 +2631,7 @@
               <a:buNone/>
               <a:defRPr sz="3600"/>
             </a:lvl5pPr>
-            <a:lvl6pPr lvl="5" algn="ctr">
+            <a:lvl6pPr lvl="5">
               <a:spcBef>
                 <a:spcPts val="0"/>
               </a:spcBef>
@@ -2227,7 +2642,7 @@
               <a:buNone/>
               <a:defRPr sz="3600"/>
             </a:lvl6pPr>
-            <a:lvl7pPr lvl="6" algn="ctr">
+            <a:lvl7pPr lvl="6">
               <a:spcBef>
                 <a:spcPts val="0"/>
               </a:spcBef>
@@ -2238,7 +2653,7 @@
               <a:buNone/>
               <a:defRPr sz="3600"/>
             </a:lvl7pPr>
-            <a:lvl8pPr lvl="7" algn="ctr">
+            <a:lvl8pPr lvl="7">
               <a:spcBef>
                 <a:spcPts val="0"/>
               </a:spcBef>
@@ -2249,7 +2664,7 @@
               <a:buNone/>
               <a:defRPr sz="3600"/>
             </a:lvl8pPr>
-            <a:lvl9pPr lvl="8" algn="ctr">
+            <a:lvl9pPr lvl="8">
               <a:spcBef>
                 <a:spcPts val="0"/>
               </a:spcBef>
@@ -2266,7 +2681,7 @@
       </p:sp>
       <p:sp>
         <p:nvSpPr>
-          <p:cNvPr id="15" name="Google Shape;15;p3"/>
+          <p:cNvPr id="18" name="Google Shape;18;p3"/>
           <p:cNvSpPr txBox="1"/>
           <p:nvPr>
             <p:ph idx="12" type="sldNum"/>
@@ -2288,39 +2703,75 @@
           <a:lstStyle>
             <a:lvl1pPr lvl="0">
               <a:buNone/>
-              <a:defRPr/>
+              <a:defRPr>
+                <a:solidFill>
+                  <a:schemeClr val="accent1"/>
+                </a:solidFill>
+              </a:defRPr>
             </a:lvl1pPr>
             <a:lvl2pPr lvl="1">
               <a:buNone/>
-              <a:defRPr/>
+              <a:defRPr>
+                <a:solidFill>
+                  <a:schemeClr val="accent1"/>
+                </a:solidFill>
+              </a:defRPr>
             </a:lvl2pPr>
             <a:lvl3pPr lvl="2">
               <a:buNone/>
-              <a:defRPr/>
+              <a:defRPr>
+                <a:solidFill>
+                  <a:schemeClr val="accent1"/>
+                </a:solidFill>
+              </a:defRPr>
             </a:lvl3pPr>
             <a:lvl4pPr lvl="3">
               <a:buNone/>
-              <a:defRPr/>
+              <a:defRPr>
+                <a:solidFill>
+                  <a:schemeClr val="accent1"/>
+                </a:solidFill>
+              </a:defRPr>
             </a:lvl4pPr>
             <a:lvl5pPr lvl="4">
               <a:buNone/>
-              <a:defRPr/>
+              <a:defRPr>
+                <a:solidFill>
+                  <a:schemeClr val="accent1"/>
+                </a:solidFill>
+              </a:defRPr>
             </a:lvl5pPr>
             <a:lvl6pPr lvl="5">
               <a:buNone/>
-              <a:defRPr/>
+              <a:defRPr>
+                <a:solidFill>
+                  <a:schemeClr val="accent1"/>
+                </a:solidFill>
+              </a:defRPr>
             </a:lvl6pPr>
             <a:lvl7pPr lvl="6">
               <a:buNone/>
-              <a:defRPr/>
+              <a:defRPr>
+                <a:solidFill>
+                  <a:schemeClr val="accent1"/>
+                </a:solidFill>
+              </a:defRPr>
             </a:lvl7pPr>
             <a:lvl8pPr lvl="7">
               <a:buNone/>
-              <a:defRPr/>
+              <a:defRPr>
+                <a:solidFill>
+                  <a:schemeClr val="accent1"/>
+                </a:solidFill>
+              </a:defRPr>
             </a:lvl8pPr>
             <a:lvl9pPr lvl="8">
               <a:buNone/>
-              <a:defRPr/>
+              <a:defRPr>
+                <a:solidFill>
+                  <a:schemeClr val="accent1"/>
+                </a:solidFill>
+              </a:defRPr>
             </a:lvl9pPr>
           </a:lstStyle>
           <a:p>
@@ -2354,7 +2805,7 @@
   <p:cSld name="TITLE_AND_BODY">
     <p:spTree>
       <p:nvGrpSpPr>
-        <p:cNvPr id="16" name="Shape 16"/>
+        <p:cNvPr id="19" name="Shape 19"/>
         <p:cNvGrpSpPr/>
         <p:nvPr/>
       </p:nvGrpSpPr>
@@ -2368,7 +2819,128 @@
       </p:grpSpPr>
       <p:sp>
         <p:nvSpPr>
-          <p:cNvPr id="17" name="Google Shape;17;p4"/>
+          <p:cNvPr id="20" name="Google Shape;20;p4"/>
+          <p:cNvSpPr/>
+          <p:nvPr/>
+        </p:nvSpPr>
+        <p:spPr>
+          <a:xfrm>
+            <a:off x="0" y="0"/>
+            <a:ext cx="4314000" cy="5143500"/>
+          </a:xfrm>
+          <a:prstGeom prst="rect">
+            <a:avLst/>
+          </a:prstGeom>
+          <a:solidFill>
+            <a:schemeClr val="dk1"/>
+          </a:solidFill>
+          <a:ln>
+            <a:noFill/>
+          </a:ln>
+        </p:spPr>
+        <p:txBody>
+          <a:bodyPr anchorCtr="0" anchor="ctr" bIns="91425" lIns="91425" spcFirstLastPara="1" rIns="91425" wrap="square" tIns="91425">
+            <a:noAutofit/>
+          </a:bodyPr>
+          <a:lstStyle/>
+          <a:p>
+            <a:pPr indent="0" lvl="0" marL="0" rtl="0" algn="l">
+              <a:spcBef>
+                <a:spcPts val="0"/>
+              </a:spcBef>
+              <a:spcAft>
+                <a:spcPts val="0"/>
+              </a:spcAft>
+              <a:buNone/>
+            </a:pPr>
+            <a:r>
+              <a:t/>
+            </a:r>
+            <a:endParaRPr/>
+          </a:p>
+        </p:txBody>
+      </p:sp>
+      <p:sp>
+        <p:nvSpPr>
+          <p:cNvPr id="21" name="Google Shape;21;p4"/>
+          <p:cNvSpPr/>
+          <p:nvPr/>
+        </p:nvSpPr>
+        <p:spPr>
+          <a:xfrm>
+            <a:off x="0" y="44125"/>
+            <a:ext cx="4313625" cy="4399375"/>
+          </a:xfrm>
+          <a:custGeom>
+            <a:rect b="b" l="l" r="r" t="t"/>
+            <a:pathLst>
+              <a:path extrusionOk="0" h="175975" w="172545">
+                <a:moveTo>
+                  <a:pt x="0" y="157"/>
+                </a:moveTo>
+                <a:lnTo>
+                  <a:pt x="172419" y="0"/>
+                </a:lnTo>
+                <a:lnTo>
+                  <a:pt x="172545" y="126541"/>
+                </a:lnTo>
+                <a:lnTo>
+                  <a:pt x="0" y="175975"/>
+                </a:lnTo>
+                <a:close/>
+              </a:path>
+            </a:pathLst>
+          </a:custGeom>
+          <a:solidFill>
+            <a:schemeClr val="accent2"/>
+          </a:solidFill>
+          <a:ln>
+            <a:noFill/>
+          </a:ln>
+        </p:spPr>
+      </p:sp>
+      <p:sp>
+        <p:nvSpPr>
+          <p:cNvPr id="22" name="Google Shape;22;p4"/>
+          <p:cNvSpPr/>
+          <p:nvPr/>
+        </p:nvSpPr>
+        <p:spPr>
+          <a:xfrm>
+            <a:off x="-125" y="0"/>
+            <a:ext cx="4316900" cy="4395600"/>
+          </a:xfrm>
+          <a:custGeom>
+            <a:rect b="b" l="l" r="r" t="t"/>
+            <a:pathLst>
+              <a:path extrusionOk="0" h="175824" w="172676">
+                <a:moveTo>
+                  <a:pt x="0" y="6"/>
+                </a:moveTo>
+                <a:lnTo>
+                  <a:pt x="172676" y="0"/>
+                </a:lnTo>
+                <a:lnTo>
+                  <a:pt x="172562" y="126442"/>
+                </a:lnTo>
+                <a:lnTo>
+                  <a:pt x="0" y="175824"/>
+                </a:lnTo>
+                <a:close/>
+              </a:path>
+            </a:pathLst>
+          </a:custGeom>
+          <a:solidFill>
+            <a:schemeClr val="dk1"/>
+          </a:solidFill>
+          <a:ln>
+            <a:noFill/>
+          </a:ln>
+        </p:spPr>
+      </p:sp>
+      <p:sp>
+        <p:nvSpPr>
+          <p:cNvPr id="23" name="Google Shape;23;p4"/>
           <p:cNvSpPr txBox="1"/>
           <p:nvPr>
             <p:ph type="title"/>
@@ -2376,8 +2948,8 @@
         </p:nvSpPr>
         <p:spPr>
           <a:xfrm>
-            <a:off x="311700" y="445025"/>
-            <a:ext cx="8520600" cy="572700"/>
+            <a:off x="311725" y="500925"/>
+            <a:ext cx="3706500" cy="2508900"/>
           </a:xfrm>
           <a:prstGeom prst="rect">
             <a:avLst/>
@@ -2395,9 +2967,16 @@
               <a:spcAft>
                 <a:spcPts val="0"/>
               </a:spcAft>
+              <a:buClr>
+                <a:schemeClr val="lt1"/>
+              </a:buClr>
               <a:buSzPts val="2800"/>
               <a:buNone/>
-              <a:defRPr/>
+              <a:defRPr>
+                <a:solidFill>
+                  <a:schemeClr val="lt1"/>
+                </a:solidFill>
+              </a:defRPr>
             </a:lvl1pPr>
             <a:lvl2pPr lvl="1">
               <a:spcBef>
@@ -2406,9 +2985,16 @@
               <a:spcAft>
                 <a:spcPts val="0"/>
               </a:spcAft>
+              <a:buClr>
+                <a:schemeClr val="lt1"/>
+              </a:buClr>
               <a:buSzPts val="2800"/>
               <a:buNone/>
-              <a:defRPr/>
+              <a:defRPr>
+                <a:solidFill>
+                  <a:schemeClr val="lt1"/>
+                </a:solidFill>
+              </a:defRPr>
             </a:lvl2pPr>
             <a:lvl3pPr lvl="2">
               <a:spcBef>
@@ -2417,9 +3003,16 @@
               <a:spcAft>
                 <a:spcPts val="0"/>
               </a:spcAft>
+              <a:buClr>
+                <a:schemeClr val="lt1"/>
+              </a:buClr>
               <a:buSzPts val="2800"/>
               <a:buNone/>
-              <a:defRPr/>
+              <a:defRPr>
+                <a:solidFill>
+                  <a:schemeClr val="lt1"/>
+                </a:solidFill>
+              </a:defRPr>
             </a:lvl3pPr>
             <a:lvl4pPr lvl="3">
               <a:spcBef>
@@ -2428,9 +3021,16 @@
               <a:spcAft>
                 <a:spcPts val="0"/>
               </a:spcAft>
+              <a:buClr>
+                <a:schemeClr val="lt1"/>
+              </a:buClr>
               <a:buSzPts val="2800"/>
               <a:buNone/>
-              <a:defRPr/>
+              <a:defRPr>
+                <a:solidFill>
+                  <a:schemeClr val="lt1"/>
+                </a:solidFill>
+              </a:defRPr>
             </a:lvl4pPr>
             <a:lvl5pPr lvl="4">
               <a:spcBef>
@@ -2439,9 +3039,16 @@
               <a:spcAft>
                 <a:spcPts val="0"/>
               </a:spcAft>
+              <a:buClr>
+                <a:schemeClr val="lt1"/>
+              </a:buClr>
               <a:buSzPts val="2800"/>
               <a:buNone/>
-              <a:defRPr/>
+              <a:defRPr>
+                <a:solidFill>
+                  <a:schemeClr val="lt1"/>
+                </a:solidFill>
+              </a:defRPr>
             </a:lvl5pPr>
             <a:lvl6pPr lvl="5">
               <a:spcBef>
@@ -2450,9 +3057,16 @@
               <a:spcAft>
                 <a:spcPts val="0"/>
               </a:spcAft>
+              <a:buClr>
+                <a:schemeClr val="lt1"/>
+              </a:buClr>
               <a:buSzPts val="2800"/>
               <a:buNone/>
-              <a:defRPr/>
+              <a:defRPr>
+                <a:solidFill>
+                  <a:schemeClr val="lt1"/>
+                </a:solidFill>
+              </a:defRPr>
             </a:lvl6pPr>
             <a:lvl7pPr lvl="6">
               <a:spcBef>
@@ -2461,9 +3075,16 @@
               <a:spcAft>
                 <a:spcPts val="0"/>
               </a:spcAft>
+              <a:buClr>
+                <a:schemeClr val="lt1"/>
+              </a:buClr>
               <a:buSzPts val="2800"/>
               <a:buNone/>
-              <a:defRPr/>
+              <a:defRPr>
+                <a:solidFill>
+                  <a:schemeClr val="lt1"/>
+                </a:solidFill>
+              </a:defRPr>
             </a:lvl7pPr>
             <a:lvl8pPr lvl="7">
               <a:spcBef>
@@ -2472,9 +3093,16 @@
               <a:spcAft>
                 <a:spcPts val="0"/>
               </a:spcAft>
+              <a:buClr>
+                <a:schemeClr val="lt1"/>
+              </a:buClr>
               <a:buSzPts val="2800"/>
               <a:buNone/>
-              <a:defRPr/>
+              <a:defRPr>
+                <a:solidFill>
+                  <a:schemeClr val="lt1"/>
+                </a:solidFill>
+              </a:defRPr>
             </a:lvl8pPr>
             <a:lvl9pPr lvl="8">
               <a:spcBef>
@@ -2483,9 +3111,16 @@
               <a:spcAft>
                 <a:spcPts val="0"/>
               </a:spcAft>
+              <a:buClr>
+                <a:schemeClr val="lt1"/>
+              </a:buClr>
               <a:buSzPts val="2800"/>
               <a:buNone/>
-              <a:defRPr/>
+              <a:defRPr>
+                <a:solidFill>
+                  <a:schemeClr val="lt1"/>
+                </a:solidFill>
+              </a:defRPr>
             </a:lvl9pPr>
           </a:lstStyle>
           <a:p/>
@@ -2493,7 +3128,7 @@
       </p:sp>
       <p:sp>
         <p:nvSpPr>
-          <p:cNvPr id="18" name="Google Shape;18;p4"/>
+          <p:cNvPr id="24" name="Google Shape;24;p4"/>
           <p:cNvSpPr txBox="1"/>
           <p:nvPr>
             <p:ph idx="1" type="body"/>
@@ -2501,8 +3136,8 @@
         </p:nvSpPr>
         <p:spPr>
           <a:xfrm>
-            <a:off x="311700" y="1152475"/>
-            <a:ext cx="8520600" cy="3416400"/>
+            <a:off x="4644675" y="500925"/>
+            <a:ext cx="4166400" cy="4098600"/>
           </a:xfrm>
           <a:prstGeom prst="rect">
             <a:avLst/>
@@ -2513,102 +3148,102 @@
             <a:normAutofit/>
           </a:bodyPr>
           <a:lstStyle>
-            <a:lvl1pPr indent="-342900" lvl="0" marL="457200">
-              <a:spcBef>
-                <a:spcPts val="0"/>
-              </a:spcBef>
-              <a:spcAft>
-                <a:spcPts val="0"/>
-              </a:spcAft>
-              <a:buSzPts val="1800"/>
+            <a:lvl1pPr indent="-311150" lvl="0" marL="457200">
+              <a:spcBef>
+                <a:spcPts val="0"/>
+              </a:spcBef>
+              <a:spcAft>
+                <a:spcPts val="0"/>
+              </a:spcAft>
+              <a:buSzPts val="1300"/>
               <a:buChar char="●"/>
               <a:defRPr/>
             </a:lvl1pPr>
-            <a:lvl2pPr indent="-317500" lvl="1" marL="914400">
-              <a:spcBef>
-                <a:spcPts val="0"/>
-              </a:spcBef>
-              <a:spcAft>
-                <a:spcPts val="0"/>
-              </a:spcAft>
-              <a:buSzPts val="1400"/>
+            <a:lvl2pPr indent="-298450" lvl="1" marL="914400">
+              <a:spcBef>
+                <a:spcPts val="0"/>
+              </a:spcBef>
+              <a:spcAft>
+                <a:spcPts val="0"/>
+              </a:spcAft>
+              <a:buSzPts val="1100"/>
               <a:buChar char="○"/>
               <a:defRPr/>
             </a:lvl2pPr>
-            <a:lvl3pPr indent="-317500" lvl="2" marL="1371600">
-              <a:spcBef>
-                <a:spcPts val="0"/>
-              </a:spcBef>
-              <a:spcAft>
-                <a:spcPts val="0"/>
-              </a:spcAft>
-              <a:buSzPts val="1400"/>
+            <a:lvl3pPr indent="-298450" lvl="2" marL="1371600">
+              <a:spcBef>
+                <a:spcPts val="0"/>
+              </a:spcBef>
+              <a:spcAft>
+                <a:spcPts val="0"/>
+              </a:spcAft>
+              <a:buSzPts val="1100"/>
               <a:buChar char="■"/>
               <a:defRPr/>
             </a:lvl3pPr>
-            <a:lvl4pPr indent="-317500" lvl="3" marL="1828800">
-              <a:spcBef>
-                <a:spcPts val="0"/>
-              </a:spcBef>
-              <a:spcAft>
-                <a:spcPts val="0"/>
-              </a:spcAft>
-              <a:buSzPts val="1400"/>
+            <a:lvl4pPr indent="-298450" lvl="3" marL="1828800">
+              <a:spcBef>
+                <a:spcPts val="0"/>
+              </a:spcBef>
+              <a:spcAft>
+                <a:spcPts val="0"/>
+              </a:spcAft>
+              <a:buSzPts val="1100"/>
               <a:buChar char="●"/>
               <a:defRPr/>
             </a:lvl4pPr>
-            <a:lvl5pPr indent="-317500" lvl="4" marL="2286000">
-              <a:spcBef>
-                <a:spcPts val="0"/>
-              </a:spcBef>
-              <a:spcAft>
-                <a:spcPts val="0"/>
-              </a:spcAft>
-              <a:buSzPts val="1400"/>
+            <a:lvl5pPr indent="-298450" lvl="4" marL="2286000">
+              <a:spcBef>
+                <a:spcPts val="0"/>
+              </a:spcBef>
+              <a:spcAft>
+                <a:spcPts val="0"/>
+              </a:spcAft>
+              <a:buSzPts val="1100"/>
               <a:buChar char="○"/>
               <a:defRPr/>
             </a:lvl5pPr>
-            <a:lvl6pPr indent="-317500" lvl="5" marL="2743200">
-              <a:spcBef>
-                <a:spcPts val="0"/>
-              </a:spcBef>
-              <a:spcAft>
-                <a:spcPts val="0"/>
-              </a:spcAft>
-              <a:buSzPts val="1400"/>
+            <a:lvl6pPr indent="-298450" lvl="5" marL="2743200">
+              <a:spcBef>
+                <a:spcPts val="0"/>
+              </a:spcBef>
+              <a:spcAft>
+                <a:spcPts val="0"/>
+              </a:spcAft>
+              <a:buSzPts val="1100"/>
               <a:buChar char="■"/>
               <a:defRPr/>
             </a:lvl6pPr>
-            <a:lvl7pPr indent="-317500" lvl="6" marL="3200400">
-              <a:spcBef>
-                <a:spcPts val="0"/>
-              </a:spcBef>
-              <a:spcAft>
-                <a:spcPts val="0"/>
-              </a:spcAft>
-              <a:buSzPts val="1400"/>
+            <a:lvl7pPr indent="-298450" lvl="6" marL="3200400">
+              <a:spcBef>
+                <a:spcPts val="0"/>
+              </a:spcBef>
+              <a:spcAft>
+                <a:spcPts val="0"/>
+              </a:spcAft>
+              <a:buSzPts val="1100"/>
               <a:buChar char="●"/>
               <a:defRPr/>
             </a:lvl7pPr>
-            <a:lvl8pPr indent="-317500" lvl="7" marL="3657600">
-              <a:spcBef>
-                <a:spcPts val="0"/>
-              </a:spcBef>
-              <a:spcAft>
-                <a:spcPts val="0"/>
-              </a:spcAft>
-              <a:buSzPts val="1400"/>
+            <a:lvl8pPr indent="-298450" lvl="7" marL="3657600">
+              <a:spcBef>
+                <a:spcPts val="0"/>
+              </a:spcBef>
+              <a:spcAft>
+                <a:spcPts val="0"/>
+              </a:spcAft>
+              <a:buSzPts val="1100"/>
               <a:buChar char="○"/>
               <a:defRPr/>
             </a:lvl8pPr>
-            <a:lvl9pPr indent="-317500" lvl="8" marL="4114800">
-              <a:spcBef>
-                <a:spcPts val="0"/>
-              </a:spcBef>
-              <a:spcAft>
-                <a:spcPts val="0"/>
-              </a:spcAft>
-              <a:buSzPts val="1400"/>
+            <a:lvl9pPr indent="-298450" lvl="8" marL="4114800">
+              <a:spcBef>
+                <a:spcPts val="0"/>
+              </a:spcBef>
+              <a:spcAft>
+                <a:spcPts val="0"/>
+              </a:spcAft>
+              <a:buSzPts val="1100"/>
               <a:buChar char="■"/>
               <a:defRPr/>
             </a:lvl9pPr>
@@ -2618,7 +3253,7 @@
       </p:sp>
       <p:sp>
         <p:nvSpPr>
-          <p:cNvPr id="19" name="Google Shape;19;p4"/>
+          <p:cNvPr id="25" name="Google Shape;25;p4"/>
           <p:cNvSpPr txBox="1"/>
           <p:nvPr>
             <p:ph idx="12" type="sldNum"/>
@@ -2706,7 +3341,7 @@
   <p:cSld name="TITLE_AND_TWO_COLUMNS">
     <p:spTree>
       <p:nvGrpSpPr>
-        <p:cNvPr id="20" name="Shape 20"/>
+        <p:cNvPr id="26" name="Shape 26"/>
         <p:cNvGrpSpPr/>
         <p:nvPr/>
       </p:nvGrpSpPr>
@@ -2720,7 +3355,50 @@
       </p:grpSpPr>
       <p:sp>
         <p:nvSpPr>
-          <p:cNvPr id="21" name="Google Shape;21;p5"/>
+          <p:cNvPr id="27" name="Google Shape;27;p5"/>
+          <p:cNvSpPr/>
+          <p:nvPr/>
+        </p:nvSpPr>
+        <p:spPr>
+          <a:xfrm>
+            <a:off x="0" y="0"/>
+            <a:ext cx="9144000" cy="1277100"/>
+          </a:xfrm>
+          <a:prstGeom prst="rect">
+            <a:avLst/>
+          </a:prstGeom>
+          <a:solidFill>
+            <a:schemeClr val="dk1"/>
+          </a:solidFill>
+          <a:ln>
+            <a:noFill/>
+          </a:ln>
+        </p:spPr>
+        <p:txBody>
+          <a:bodyPr anchorCtr="0" anchor="ctr" bIns="91425" lIns="91425" spcFirstLastPara="1" rIns="91425" wrap="square" tIns="91425">
+            <a:noAutofit/>
+          </a:bodyPr>
+          <a:lstStyle/>
+          <a:p>
+            <a:pPr indent="0" lvl="0" marL="0" rtl="0" algn="l">
+              <a:spcBef>
+                <a:spcPts val="0"/>
+              </a:spcBef>
+              <a:spcAft>
+                <a:spcPts val="0"/>
+              </a:spcAft>
+              <a:buNone/>
+            </a:pPr>
+            <a:r>
+              <a:t/>
+            </a:r>
+            <a:endParaRPr/>
+          </a:p>
+        </p:txBody>
+      </p:sp>
+      <p:sp>
+        <p:nvSpPr>
+          <p:cNvPr id="28" name="Google Shape;28;p5"/>
           <p:cNvSpPr txBox="1"/>
           <p:nvPr>
             <p:ph type="title"/>
@@ -2728,8 +3406,8 @@
         </p:nvSpPr>
         <p:spPr>
           <a:xfrm>
-            <a:off x="311700" y="445025"/>
-            <a:ext cx="8520600" cy="572700"/>
+            <a:off x="311725" y="500925"/>
+            <a:ext cx="8520600" cy="623700"/>
           </a:xfrm>
           <a:prstGeom prst="rect">
             <a:avLst/>
@@ -2747,9 +3425,16 @@
               <a:spcAft>
                 <a:spcPts val="0"/>
               </a:spcAft>
+              <a:buClr>
+                <a:schemeClr val="lt1"/>
+              </a:buClr>
               <a:buSzPts val="2800"/>
               <a:buNone/>
-              <a:defRPr/>
+              <a:defRPr>
+                <a:solidFill>
+                  <a:schemeClr val="lt1"/>
+                </a:solidFill>
+              </a:defRPr>
             </a:lvl1pPr>
             <a:lvl2pPr lvl="1">
               <a:spcBef>
@@ -2758,9 +3443,16 @@
               <a:spcAft>
                 <a:spcPts val="0"/>
               </a:spcAft>
+              <a:buClr>
+                <a:schemeClr val="lt1"/>
+              </a:buClr>
               <a:buSzPts val="2800"/>
               <a:buNone/>
-              <a:defRPr/>
+              <a:defRPr>
+                <a:solidFill>
+                  <a:schemeClr val="lt1"/>
+                </a:solidFill>
+              </a:defRPr>
             </a:lvl2pPr>
             <a:lvl3pPr lvl="2">
               <a:spcBef>
@@ -2769,9 +3461,16 @@
               <a:spcAft>
                 <a:spcPts val="0"/>
               </a:spcAft>
+              <a:buClr>
+                <a:schemeClr val="lt1"/>
+              </a:buClr>
               <a:buSzPts val="2800"/>
               <a:buNone/>
-              <a:defRPr/>
+              <a:defRPr>
+                <a:solidFill>
+                  <a:schemeClr val="lt1"/>
+                </a:solidFill>
+              </a:defRPr>
             </a:lvl3pPr>
             <a:lvl4pPr lvl="3">
               <a:spcBef>
@@ -2780,9 +3479,16 @@
               <a:spcAft>
                 <a:spcPts val="0"/>
               </a:spcAft>
+              <a:buClr>
+                <a:schemeClr val="lt1"/>
+              </a:buClr>
               <a:buSzPts val="2800"/>
               <a:buNone/>
-              <a:defRPr/>
+              <a:defRPr>
+                <a:solidFill>
+                  <a:schemeClr val="lt1"/>
+                </a:solidFill>
+              </a:defRPr>
             </a:lvl4pPr>
             <a:lvl5pPr lvl="4">
               <a:spcBef>
@@ -2791,9 +3497,16 @@
               <a:spcAft>
                 <a:spcPts val="0"/>
               </a:spcAft>
+              <a:buClr>
+                <a:schemeClr val="lt1"/>
+              </a:buClr>
               <a:buSzPts val="2800"/>
               <a:buNone/>
-              <a:defRPr/>
+              <a:defRPr>
+                <a:solidFill>
+                  <a:schemeClr val="lt1"/>
+                </a:solidFill>
+              </a:defRPr>
             </a:lvl5pPr>
             <a:lvl6pPr lvl="5">
               <a:spcBef>
@@ -2802,9 +3515,16 @@
               <a:spcAft>
                 <a:spcPts val="0"/>
               </a:spcAft>
+              <a:buClr>
+                <a:schemeClr val="lt1"/>
+              </a:buClr>
               <a:buSzPts val="2800"/>
               <a:buNone/>
-              <a:defRPr/>
+              <a:defRPr>
+                <a:solidFill>
+                  <a:schemeClr val="lt1"/>
+                </a:solidFill>
+              </a:defRPr>
             </a:lvl6pPr>
             <a:lvl7pPr lvl="6">
               <a:spcBef>
@@ -2813,9 +3533,16 @@
               <a:spcAft>
                 <a:spcPts val="0"/>
               </a:spcAft>
+              <a:buClr>
+                <a:schemeClr val="lt1"/>
+              </a:buClr>
               <a:buSzPts val="2800"/>
               <a:buNone/>
-              <a:defRPr/>
+              <a:defRPr>
+                <a:solidFill>
+                  <a:schemeClr val="lt1"/>
+                </a:solidFill>
+              </a:defRPr>
             </a:lvl7pPr>
             <a:lvl8pPr lvl="7">
               <a:spcBef>
@@ -2824,9 +3551,16 @@
               <a:spcAft>
                 <a:spcPts val="0"/>
               </a:spcAft>
+              <a:buClr>
+                <a:schemeClr val="lt1"/>
+              </a:buClr>
               <a:buSzPts val="2800"/>
               <a:buNone/>
-              <a:defRPr/>
+              <a:defRPr>
+                <a:solidFill>
+                  <a:schemeClr val="lt1"/>
+                </a:solidFill>
+              </a:defRPr>
             </a:lvl8pPr>
             <a:lvl9pPr lvl="8">
               <a:spcBef>
@@ -2835,9 +3569,16 @@
               <a:spcAft>
                 <a:spcPts val="0"/>
               </a:spcAft>
+              <a:buClr>
+                <a:schemeClr val="lt1"/>
+              </a:buClr>
               <a:buSzPts val="2800"/>
               <a:buNone/>
-              <a:defRPr/>
+              <a:defRPr>
+                <a:solidFill>
+                  <a:schemeClr val="lt1"/>
+                </a:solidFill>
+              </a:defRPr>
             </a:lvl9pPr>
           </a:lstStyle>
           <a:p/>
@@ -2845,7 +3586,7 @@
       </p:sp>
       <p:sp>
         <p:nvSpPr>
-          <p:cNvPr id="22" name="Google Shape;22;p5"/>
+          <p:cNvPr id="29" name="Google Shape;29;p5"/>
           <p:cNvSpPr txBox="1"/>
           <p:nvPr>
             <p:ph idx="1" type="body"/>
@@ -2853,8 +3594,8 @@
         </p:nvSpPr>
         <p:spPr>
           <a:xfrm>
-            <a:off x="311700" y="1152475"/>
-            <a:ext cx="3999900" cy="3416400"/>
+            <a:off x="311700" y="1505700"/>
+            <a:ext cx="3999900" cy="3076200"/>
           </a:xfrm>
           <a:prstGeom prst="rect">
             <a:avLst/>
@@ -2865,104 +3606,104 @@
             <a:normAutofit/>
           </a:bodyPr>
           <a:lstStyle>
-            <a:lvl1pPr indent="-317500" lvl="0" marL="457200">
-              <a:spcBef>
-                <a:spcPts val="0"/>
-              </a:spcBef>
-              <a:spcAft>
-                <a:spcPts val="0"/>
-              </a:spcAft>
-              <a:buSzPts val="1400"/>
+            <a:lvl1pPr indent="-311150" lvl="0" marL="457200">
+              <a:spcBef>
+                <a:spcPts val="0"/>
+              </a:spcBef>
+              <a:spcAft>
+                <a:spcPts val="0"/>
+              </a:spcAft>
+              <a:buSzPts val="1300"/>
               <a:buChar char="●"/>
-              <a:defRPr sz="1400"/>
+              <a:defRPr/>
             </a:lvl1pPr>
-            <a:lvl2pPr indent="-304800" lvl="1" marL="914400">
-              <a:spcBef>
-                <a:spcPts val="0"/>
-              </a:spcBef>
-              <a:spcAft>
-                <a:spcPts val="0"/>
-              </a:spcAft>
-              <a:buSzPts val="1200"/>
+            <a:lvl2pPr indent="-298450" lvl="1" marL="914400">
+              <a:spcBef>
+                <a:spcPts val="0"/>
+              </a:spcBef>
+              <a:spcAft>
+                <a:spcPts val="0"/>
+              </a:spcAft>
+              <a:buSzPts val="1100"/>
               <a:buChar char="○"/>
-              <a:defRPr sz="1200"/>
+              <a:defRPr/>
             </a:lvl2pPr>
-            <a:lvl3pPr indent="-304800" lvl="2" marL="1371600">
-              <a:spcBef>
-                <a:spcPts val="0"/>
-              </a:spcBef>
-              <a:spcAft>
-                <a:spcPts val="0"/>
-              </a:spcAft>
-              <a:buSzPts val="1200"/>
+            <a:lvl3pPr indent="-298450" lvl="2" marL="1371600">
+              <a:spcBef>
+                <a:spcPts val="0"/>
+              </a:spcBef>
+              <a:spcAft>
+                <a:spcPts val="0"/>
+              </a:spcAft>
+              <a:buSzPts val="1100"/>
               <a:buChar char="■"/>
-              <a:defRPr sz="1200"/>
+              <a:defRPr/>
             </a:lvl3pPr>
-            <a:lvl4pPr indent="-304800" lvl="3" marL="1828800">
-              <a:spcBef>
-                <a:spcPts val="0"/>
-              </a:spcBef>
-              <a:spcAft>
-                <a:spcPts val="0"/>
-              </a:spcAft>
-              <a:buSzPts val="1200"/>
+            <a:lvl4pPr indent="-298450" lvl="3" marL="1828800">
+              <a:spcBef>
+                <a:spcPts val="0"/>
+              </a:spcBef>
+              <a:spcAft>
+                <a:spcPts val="0"/>
+              </a:spcAft>
+              <a:buSzPts val="1100"/>
               <a:buChar char="●"/>
-              <a:defRPr sz="1200"/>
+              <a:defRPr/>
             </a:lvl4pPr>
-            <a:lvl5pPr indent="-304800" lvl="4" marL="2286000">
-              <a:spcBef>
-                <a:spcPts val="0"/>
-              </a:spcBef>
-              <a:spcAft>
-                <a:spcPts val="0"/>
-              </a:spcAft>
-              <a:buSzPts val="1200"/>
+            <a:lvl5pPr indent="-298450" lvl="4" marL="2286000">
+              <a:spcBef>
+                <a:spcPts val="0"/>
+              </a:spcBef>
+              <a:spcAft>
+                <a:spcPts val="0"/>
+              </a:spcAft>
+              <a:buSzPts val="1100"/>
               <a:buChar char="○"/>
-              <a:defRPr sz="1200"/>
+              <a:defRPr/>
             </a:lvl5pPr>
-            <a:lvl6pPr indent="-304800" lvl="5" marL="2743200">
-              <a:spcBef>
-                <a:spcPts val="0"/>
-              </a:spcBef>
-              <a:spcAft>
-                <a:spcPts val="0"/>
-              </a:spcAft>
-              <a:buSzPts val="1200"/>
+            <a:lvl6pPr indent="-298450" lvl="5" marL="2743200">
+              <a:spcBef>
+                <a:spcPts val="0"/>
+              </a:spcBef>
+              <a:spcAft>
+                <a:spcPts val="0"/>
+              </a:spcAft>
+              <a:buSzPts val="1100"/>
               <a:buChar char="■"/>
-              <a:defRPr sz="1200"/>
+              <a:defRPr/>
             </a:lvl6pPr>
-            <a:lvl7pPr indent="-304800" lvl="6" marL="3200400">
-              <a:spcBef>
-                <a:spcPts val="0"/>
-              </a:spcBef>
-              <a:spcAft>
-                <a:spcPts val="0"/>
-              </a:spcAft>
-              <a:buSzPts val="1200"/>
+            <a:lvl7pPr indent="-298450" lvl="6" marL="3200400">
+              <a:spcBef>
+                <a:spcPts val="0"/>
+              </a:spcBef>
+              <a:spcAft>
+                <a:spcPts val="0"/>
+              </a:spcAft>
+              <a:buSzPts val="1100"/>
               <a:buChar char="●"/>
-              <a:defRPr sz="1200"/>
+              <a:defRPr/>
             </a:lvl7pPr>
-            <a:lvl8pPr indent="-304800" lvl="7" marL="3657600">
-              <a:spcBef>
-                <a:spcPts val="0"/>
-              </a:spcBef>
-              <a:spcAft>
-                <a:spcPts val="0"/>
-              </a:spcAft>
-              <a:buSzPts val="1200"/>
+            <a:lvl8pPr indent="-298450" lvl="7" marL="3657600">
+              <a:spcBef>
+                <a:spcPts val="0"/>
+              </a:spcBef>
+              <a:spcAft>
+                <a:spcPts val="0"/>
+              </a:spcAft>
+              <a:buSzPts val="1100"/>
               <a:buChar char="○"/>
-              <a:defRPr sz="1200"/>
+              <a:defRPr/>
             </a:lvl8pPr>
-            <a:lvl9pPr indent="-304800" lvl="8" marL="4114800">
-              <a:spcBef>
-                <a:spcPts val="0"/>
-              </a:spcBef>
-              <a:spcAft>
-                <a:spcPts val="0"/>
-              </a:spcAft>
-              <a:buSzPts val="1200"/>
+            <a:lvl9pPr indent="-298450" lvl="8" marL="4114800">
+              <a:spcBef>
+                <a:spcPts val="0"/>
+              </a:spcBef>
+              <a:spcAft>
+                <a:spcPts val="0"/>
+              </a:spcAft>
+              <a:buSzPts val="1100"/>
               <a:buChar char="■"/>
-              <a:defRPr sz="1200"/>
+              <a:defRPr/>
             </a:lvl9pPr>
           </a:lstStyle>
           <a:p/>
@@ -2970,7 +3711,7 @@
       </p:sp>
       <p:sp>
         <p:nvSpPr>
-          <p:cNvPr id="23" name="Google Shape;23;p5"/>
+          <p:cNvPr id="30" name="Google Shape;30;p5"/>
           <p:cNvSpPr txBox="1"/>
           <p:nvPr>
             <p:ph idx="2" type="body"/>
@@ -2978,8 +3719,8 @@
         </p:nvSpPr>
         <p:spPr>
           <a:xfrm>
-            <a:off x="4832400" y="1152475"/>
-            <a:ext cx="3999900" cy="3416400"/>
+            <a:off x="4832400" y="1505700"/>
+            <a:ext cx="3999900" cy="3076200"/>
           </a:xfrm>
           <a:prstGeom prst="rect">
             <a:avLst/>
@@ -2990,104 +3731,104 @@
             <a:normAutofit/>
           </a:bodyPr>
           <a:lstStyle>
-            <a:lvl1pPr indent="-317500" lvl="0" marL="457200">
-              <a:spcBef>
-                <a:spcPts val="0"/>
-              </a:spcBef>
-              <a:spcAft>
-                <a:spcPts val="0"/>
-              </a:spcAft>
-              <a:buSzPts val="1400"/>
+            <a:lvl1pPr indent="-311150" lvl="0" marL="457200">
+              <a:spcBef>
+                <a:spcPts val="0"/>
+              </a:spcBef>
+              <a:spcAft>
+                <a:spcPts val="0"/>
+              </a:spcAft>
+              <a:buSzPts val="1300"/>
               <a:buChar char="●"/>
-              <a:defRPr sz="1400"/>
+              <a:defRPr/>
             </a:lvl1pPr>
-            <a:lvl2pPr indent="-304800" lvl="1" marL="914400">
-              <a:spcBef>
-                <a:spcPts val="0"/>
-              </a:spcBef>
-              <a:spcAft>
-                <a:spcPts val="0"/>
-              </a:spcAft>
-              <a:buSzPts val="1200"/>
+            <a:lvl2pPr indent="-298450" lvl="1" marL="914400">
+              <a:spcBef>
+                <a:spcPts val="0"/>
+              </a:spcBef>
+              <a:spcAft>
+                <a:spcPts val="0"/>
+              </a:spcAft>
+              <a:buSzPts val="1100"/>
               <a:buChar char="○"/>
-              <a:defRPr sz="1200"/>
+              <a:defRPr/>
             </a:lvl2pPr>
-            <a:lvl3pPr indent="-304800" lvl="2" marL="1371600">
-              <a:spcBef>
-                <a:spcPts val="0"/>
-              </a:spcBef>
-              <a:spcAft>
-                <a:spcPts val="0"/>
-              </a:spcAft>
-              <a:buSzPts val="1200"/>
+            <a:lvl3pPr indent="-298450" lvl="2" marL="1371600">
+              <a:spcBef>
+                <a:spcPts val="0"/>
+              </a:spcBef>
+              <a:spcAft>
+                <a:spcPts val="0"/>
+              </a:spcAft>
+              <a:buSzPts val="1100"/>
               <a:buChar char="■"/>
-              <a:defRPr sz="1200"/>
+              <a:defRPr/>
             </a:lvl3pPr>
-            <a:lvl4pPr indent="-304800" lvl="3" marL="1828800">
-              <a:spcBef>
-                <a:spcPts val="0"/>
-              </a:spcBef>
-              <a:spcAft>
-                <a:spcPts val="0"/>
-              </a:spcAft>
-              <a:buSzPts val="1200"/>
+            <a:lvl4pPr indent="-298450" lvl="3" marL="1828800">
+              <a:spcBef>
+                <a:spcPts val="0"/>
+              </a:spcBef>
+              <a:spcAft>
+                <a:spcPts val="0"/>
+              </a:spcAft>
+              <a:buSzPts val="1100"/>
               <a:buChar char="●"/>
-              <a:defRPr sz="1200"/>
+              <a:defRPr/>
             </a:lvl4pPr>
-            <a:lvl5pPr indent="-304800" lvl="4" marL="2286000">
-              <a:spcBef>
-                <a:spcPts val="0"/>
-              </a:spcBef>
-              <a:spcAft>
-                <a:spcPts val="0"/>
-              </a:spcAft>
-              <a:buSzPts val="1200"/>
+            <a:lvl5pPr indent="-298450" lvl="4" marL="2286000">
+              <a:spcBef>
+                <a:spcPts val="0"/>
+              </a:spcBef>
+              <a:spcAft>
+                <a:spcPts val="0"/>
+              </a:spcAft>
+              <a:buSzPts val="1100"/>
               <a:buChar char="○"/>
-              <a:defRPr sz="1200"/>
+              <a:defRPr/>
             </a:lvl5pPr>
-            <a:lvl6pPr indent="-304800" lvl="5" marL="2743200">
-              <a:spcBef>
-                <a:spcPts val="0"/>
-              </a:spcBef>
-              <a:spcAft>
-                <a:spcPts val="0"/>
-              </a:spcAft>
-              <a:buSzPts val="1200"/>
+            <a:lvl6pPr indent="-298450" lvl="5" marL="2743200">
+              <a:spcBef>
+                <a:spcPts val="0"/>
+              </a:spcBef>
+              <a:spcAft>
+                <a:spcPts val="0"/>
+              </a:spcAft>
+              <a:buSzPts val="1100"/>
               <a:buChar char="■"/>
-              <a:defRPr sz="1200"/>
+              <a:defRPr/>
             </a:lvl6pPr>
-            <a:lvl7pPr indent="-304800" lvl="6" marL="3200400">
-              <a:spcBef>
-                <a:spcPts val="0"/>
-              </a:spcBef>
-              <a:spcAft>
-                <a:spcPts val="0"/>
-              </a:spcAft>
-              <a:buSzPts val="1200"/>
+            <a:lvl7pPr indent="-298450" lvl="6" marL="3200400">
+              <a:spcBef>
+                <a:spcPts val="0"/>
+              </a:spcBef>
+              <a:spcAft>
+                <a:spcPts val="0"/>
+              </a:spcAft>
+              <a:buSzPts val="1100"/>
               <a:buChar char="●"/>
-              <a:defRPr sz="1200"/>
+              <a:defRPr/>
             </a:lvl7pPr>
-            <a:lvl8pPr indent="-304800" lvl="7" marL="3657600">
-              <a:spcBef>
-                <a:spcPts val="0"/>
-              </a:spcBef>
-              <a:spcAft>
-                <a:spcPts val="0"/>
-              </a:spcAft>
-              <a:buSzPts val="1200"/>
+            <a:lvl8pPr indent="-298450" lvl="7" marL="3657600">
+              <a:spcBef>
+                <a:spcPts val="0"/>
+              </a:spcBef>
+              <a:spcAft>
+                <a:spcPts val="0"/>
+              </a:spcAft>
+              <a:buSzPts val="1100"/>
               <a:buChar char="○"/>
-              <a:defRPr sz="1200"/>
+              <a:defRPr/>
             </a:lvl8pPr>
-            <a:lvl9pPr indent="-304800" lvl="8" marL="4114800">
-              <a:spcBef>
-                <a:spcPts val="0"/>
-              </a:spcBef>
-              <a:spcAft>
-                <a:spcPts val="0"/>
-              </a:spcAft>
-              <a:buSzPts val="1200"/>
+            <a:lvl9pPr indent="-298450" lvl="8" marL="4114800">
+              <a:spcBef>
+                <a:spcPts val="0"/>
+              </a:spcBef>
+              <a:spcAft>
+                <a:spcPts val="0"/>
+              </a:spcAft>
+              <a:buSzPts val="1100"/>
               <a:buChar char="■"/>
-              <a:defRPr sz="1200"/>
+              <a:defRPr/>
             </a:lvl9pPr>
           </a:lstStyle>
           <a:p/>
@@ -3095,7 +3836,7 @@
       </p:sp>
       <p:sp>
         <p:nvSpPr>
-          <p:cNvPr id="24" name="Google Shape;24;p5"/>
+          <p:cNvPr id="31" name="Google Shape;31;p5"/>
           <p:cNvSpPr txBox="1"/>
           <p:nvPr>
             <p:ph idx="12" type="sldNum"/>
@@ -3183,7 +3924,7 @@
   <p:cSld name="TITLE_ONLY">
     <p:spTree>
       <p:nvGrpSpPr>
-        <p:cNvPr id="25" name="Shape 25"/>
+        <p:cNvPr id="32" name="Shape 32"/>
         <p:cNvGrpSpPr/>
         <p:nvPr/>
       </p:nvGrpSpPr>
@@ -3197,7 +3938,50 @@
       </p:grpSpPr>
       <p:sp>
         <p:nvSpPr>
-          <p:cNvPr id="26" name="Google Shape;26;p6"/>
+          <p:cNvPr id="33" name="Google Shape;33;p6"/>
+          <p:cNvSpPr/>
+          <p:nvPr/>
+        </p:nvSpPr>
+        <p:spPr>
+          <a:xfrm>
+            <a:off x="0" y="0"/>
+            <a:ext cx="9144000" cy="1277100"/>
+          </a:xfrm>
+          <a:prstGeom prst="rect">
+            <a:avLst/>
+          </a:prstGeom>
+          <a:solidFill>
+            <a:schemeClr val="dk1"/>
+          </a:solidFill>
+          <a:ln>
+            <a:noFill/>
+          </a:ln>
+        </p:spPr>
+        <p:txBody>
+          <a:bodyPr anchorCtr="0" anchor="ctr" bIns="91425" lIns="91425" spcFirstLastPara="1" rIns="91425" wrap="square" tIns="91425">
+            <a:noAutofit/>
+          </a:bodyPr>
+          <a:lstStyle/>
+          <a:p>
+            <a:pPr indent="0" lvl="0" marL="0" rtl="0" algn="l">
+              <a:spcBef>
+                <a:spcPts val="0"/>
+              </a:spcBef>
+              <a:spcAft>
+                <a:spcPts val="0"/>
+              </a:spcAft>
+              <a:buNone/>
+            </a:pPr>
+            <a:r>
+              <a:t/>
+            </a:r>
+            <a:endParaRPr/>
+          </a:p>
+        </p:txBody>
+      </p:sp>
+      <p:sp>
+        <p:nvSpPr>
+          <p:cNvPr id="34" name="Google Shape;34;p6"/>
           <p:cNvSpPr txBox="1"/>
           <p:nvPr>
             <p:ph type="title"/>
@@ -3205,8 +3989,8 @@
         </p:nvSpPr>
         <p:spPr>
           <a:xfrm>
-            <a:off x="311700" y="445025"/>
-            <a:ext cx="8520600" cy="572700"/>
+            <a:off x="311725" y="500925"/>
+            <a:ext cx="8520600" cy="623700"/>
           </a:xfrm>
           <a:prstGeom prst="rect">
             <a:avLst/>
@@ -3224,9 +4008,16 @@
               <a:spcAft>
                 <a:spcPts val="0"/>
               </a:spcAft>
+              <a:buClr>
+                <a:schemeClr val="lt1"/>
+              </a:buClr>
               <a:buSzPts val="2800"/>
               <a:buNone/>
-              <a:defRPr/>
+              <a:defRPr>
+                <a:solidFill>
+                  <a:schemeClr val="lt1"/>
+                </a:solidFill>
+              </a:defRPr>
             </a:lvl1pPr>
             <a:lvl2pPr lvl="1">
               <a:spcBef>
@@ -3235,9 +4026,16 @@
               <a:spcAft>
                 <a:spcPts val="0"/>
               </a:spcAft>
+              <a:buClr>
+                <a:schemeClr val="lt1"/>
+              </a:buClr>
               <a:buSzPts val="2800"/>
               <a:buNone/>
-              <a:defRPr/>
+              <a:defRPr>
+                <a:solidFill>
+                  <a:schemeClr val="lt1"/>
+                </a:solidFill>
+              </a:defRPr>
             </a:lvl2pPr>
             <a:lvl3pPr lvl="2">
               <a:spcBef>
@@ -3246,9 +4044,16 @@
               <a:spcAft>
                 <a:spcPts val="0"/>
               </a:spcAft>
+              <a:buClr>
+                <a:schemeClr val="lt1"/>
+              </a:buClr>
               <a:buSzPts val="2800"/>
               <a:buNone/>
-              <a:defRPr/>
+              <a:defRPr>
+                <a:solidFill>
+                  <a:schemeClr val="lt1"/>
+                </a:solidFill>
+              </a:defRPr>
             </a:lvl3pPr>
             <a:lvl4pPr lvl="3">
               <a:spcBef>
@@ -3257,9 +4062,16 @@
               <a:spcAft>
                 <a:spcPts val="0"/>
               </a:spcAft>
+              <a:buClr>
+                <a:schemeClr val="lt1"/>
+              </a:buClr>
               <a:buSzPts val="2800"/>
               <a:buNone/>
-              <a:defRPr/>
+              <a:defRPr>
+                <a:solidFill>
+                  <a:schemeClr val="lt1"/>
+                </a:solidFill>
+              </a:defRPr>
             </a:lvl4pPr>
             <a:lvl5pPr lvl="4">
               <a:spcBef>
@@ -3268,9 +4080,16 @@
               <a:spcAft>
                 <a:spcPts val="0"/>
               </a:spcAft>
+              <a:buClr>
+                <a:schemeClr val="lt1"/>
+              </a:buClr>
               <a:buSzPts val="2800"/>
               <a:buNone/>
-              <a:defRPr/>
+              <a:defRPr>
+                <a:solidFill>
+                  <a:schemeClr val="lt1"/>
+                </a:solidFill>
+              </a:defRPr>
             </a:lvl5pPr>
             <a:lvl6pPr lvl="5">
               <a:spcBef>
@@ -3279,9 +4098,16 @@
               <a:spcAft>
                 <a:spcPts val="0"/>
               </a:spcAft>
+              <a:buClr>
+                <a:schemeClr val="lt1"/>
+              </a:buClr>
               <a:buSzPts val="2800"/>
               <a:buNone/>
-              <a:defRPr/>
+              <a:defRPr>
+                <a:solidFill>
+                  <a:schemeClr val="lt1"/>
+                </a:solidFill>
+              </a:defRPr>
             </a:lvl6pPr>
             <a:lvl7pPr lvl="6">
               <a:spcBef>
@@ -3290,9 +4116,16 @@
               <a:spcAft>
                 <a:spcPts val="0"/>
               </a:spcAft>
+              <a:buClr>
+                <a:schemeClr val="lt1"/>
+              </a:buClr>
               <a:buSzPts val="2800"/>
               <a:buNone/>
-              <a:defRPr/>
+              <a:defRPr>
+                <a:solidFill>
+                  <a:schemeClr val="lt1"/>
+                </a:solidFill>
+              </a:defRPr>
             </a:lvl7pPr>
             <a:lvl8pPr lvl="7">
               <a:spcBef>
@@ -3301,9 +4134,16 @@
               <a:spcAft>
                 <a:spcPts val="0"/>
               </a:spcAft>
+              <a:buClr>
+                <a:schemeClr val="lt1"/>
+              </a:buClr>
               <a:buSzPts val="2800"/>
               <a:buNone/>
-              <a:defRPr/>
+              <a:defRPr>
+                <a:solidFill>
+                  <a:schemeClr val="lt1"/>
+                </a:solidFill>
+              </a:defRPr>
             </a:lvl8pPr>
             <a:lvl9pPr lvl="8">
               <a:spcBef>
@@ -3312,9 +4152,16 @@
               <a:spcAft>
                 <a:spcPts val="0"/>
               </a:spcAft>
+              <a:buClr>
+                <a:schemeClr val="lt1"/>
+              </a:buClr>
               <a:buSzPts val="2800"/>
               <a:buNone/>
-              <a:defRPr/>
+              <a:defRPr>
+                <a:solidFill>
+                  <a:schemeClr val="lt1"/>
+                </a:solidFill>
+              </a:defRPr>
             </a:lvl9pPr>
           </a:lstStyle>
           <a:p/>
@@ -3322,7 +4169,7 @@
       </p:sp>
       <p:sp>
         <p:nvSpPr>
-          <p:cNvPr id="27" name="Google Shape;27;p6"/>
+          <p:cNvPr id="35" name="Google Shape;35;p6"/>
           <p:cNvSpPr txBox="1"/>
           <p:nvPr>
             <p:ph idx="12" type="sldNum"/>
@@ -3410,7 +4257,7 @@
   <p:cSld name="ONE_COLUMN_TEXT">
     <p:spTree>
       <p:nvGrpSpPr>
-        <p:cNvPr id="28" name="Shape 28"/>
+        <p:cNvPr id="36" name="Shape 36"/>
         <p:cNvGrpSpPr/>
         <p:nvPr/>
       </p:nvGrpSpPr>
@@ -3424,7 +4271,50 @@
       </p:grpSpPr>
       <p:sp>
         <p:nvSpPr>
-          <p:cNvPr id="29" name="Google Shape;29;p7"/>
+          <p:cNvPr id="37" name="Google Shape;37;p7"/>
+          <p:cNvSpPr/>
+          <p:nvPr/>
+        </p:nvSpPr>
+        <p:spPr>
+          <a:xfrm>
+            <a:off x="0" y="0"/>
+            <a:ext cx="3764400" cy="5143500"/>
+          </a:xfrm>
+          <a:prstGeom prst="rect">
+            <a:avLst/>
+          </a:prstGeom>
+          <a:solidFill>
+            <a:schemeClr val="dk1"/>
+          </a:solidFill>
+          <a:ln>
+            <a:noFill/>
+          </a:ln>
+        </p:spPr>
+        <p:txBody>
+          <a:bodyPr anchorCtr="0" anchor="ctr" bIns="91425" lIns="91425" spcFirstLastPara="1" rIns="91425" wrap="square" tIns="91425">
+            <a:noAutofit/>
+          </a:bodyPr>
+          <a:lstStyle/>
+          <a:p>
+            <a:pPr indent="0" lvl="0" marL="0" rtl="0" algn="l">
+              <a:spcBef>
+                <a:spcPts val="0"/>
+              </a:spcBef>
+              <a:spcAft>
+                <a:spcPts val="0"/>
+              </a:spcAft>
+              <a:buNone/>
+            </a:pPr>
+            <a:r>
+              <a:t/>
+            </a:r>
+            <a:endParaRPr/>
+          </a:p>
+        </p:txBody>
+      </p:sp>
+      <p:sp>
+        <p:nvSpPr>
+          <p:cNvPr id="38" name="Google Shape;38;p7"/>
           <p:cNvSpPr txBox="1"/>
           <p:nvPr>
             <p:ph type="title"/>
@@ -3432,133 +4322,8 @@
         </p:nvSpPr>
         <p:spPr>
           <a:xfrm>
-            <a:off x="311700" y="555600"/>
-            <a:ext cx="2808000" cy="755700"/>
-          </a:xfrm>
-          <a:prstGeom prst="rect">
-            <a:avLst/>
-          </a:prstGeom>
-        </p:spPr>
-        <p:txBody>
-          <a:bodyPr anchorCtr="0" anchor="b" bIns="91425" lIns="91425" spcFirstLastPara="1" rIns="91425" wrap="square" tIns="91425">
-            <a:normAutofit/>
-          </a:bodyPr>
-          <a:lstStyle>
-            <a:lvl1pPr lvl="0">
-              <a:spcBef>
-                <a:spcPts val="0"/>
-              </a:spcBef>
-              <a:spcAft>
-                <a:spcPts val="0"/>
-              </a:spcAft>
-              <a:buSzPts val="2400"/>
-              <a:buNone/>
-              <a:defRPr sz="2400"/>
-            </a:lvl1pPr>
-            <a:lvl2pPr lvl="1">
-              <a:spcBef>
-                <a:spcPts val="0"/>
-              </a:spcBef>
-              <a:spcAft>
-                <a:spcPts val="0"/>
-              </a:spcAft>
-              <a:buSzPts val="2400"/>
-              <a:buNone/>
-              <a:defRPr sz="2400"/>
-            </a:lvl2pPr>
-            <a:lvl3pPr lvl="2">
-              <a:spcBef>
-                <a:spcPts val="0"/>
-              </a:spcBef>
-              <a:spcAft>
-                <a:spcPts val="0"/>
-              </a:spcAft>
-              <a:buSzPts val="2400"/>
-              <a:buNone/>
-              <a:defRPr sz="2400"/>
-            </a:lvl3pPr>
-            <a:lvl4pPr lvl="3">
-              <a:spcBef>
-                <a:spcPts val="0"/>
-              </a:spcBef>
-              <a:spcAft>
-                <a:spcPts val="0"/>
-              </a:spcAft>
-              <a:buSzPts val="2400"/>
-              <a:buNone/>
-              <a:defRPr sz="2400"/>
-            </a:lvl4pPr>
-            <a:lvl5pPr lvl="4">
-              <a:spcBef>
-                <a:spcPts val="0"/>
-              </a:spcBef>
-              <a:spcAft>
-                <a:spcPts val="0"/>
-              </a:spcAft>
-              <a:buSzPts val="2400"/>
-              <a:buNone/>
-              <a:defRPr sz="2400"/>
-            </a:lvl5pPr>
-            <a:lvl6pPr lvl="5">
-              <a:spcBef>
-                <a:spcPts val="0"/>
-              </a:spcBef>
-              <a:spcAft>
-                <a:spcPts val="0"/>
-              </a:spcAft>
-              <a:buSzPts val="2400"/>
-              <a:buNone/>
-              <a:defRPr sz="2400"/>
-            </a:lvl6pPr>
-            <a:lvl7pPr lvl="6">
-              <a:spcBef>
-                <a:spcPts val="0"/>
-              </a:spcBef>
-              <a:spcAft>
-                <a:spcPts val="0"/>
-              </a:spcAft>
-              <a:buSzPts val="2400"/>
-              <a:buNone/>
-              <a:defRPr sz="2400"/>
-            </a:lvl7pPr>
-            <a:lvl8pPr lvl="7">
-              <a:spcBef>
-                <a:spcPts val="0"/>
-              </a:spcBef>
-              <a:spcAft>
-                <a:spcPts val="0"/>
-              </a:spcAft>
-              <a:buSzPts val="2400"/>
-              <a:buNone/>
-              <a:defRPr sz="2400"/>
-            </a:lvl8pPr>
-            <a:lvl9pPr lvl="8">
-              <a:spcBef>
-                <a:spcPts val="0"/>
-              </a:spcBef>
-              <a:spcAft>
-                <a:spcPts val="0"/>
-              </a:spcAft>
-              <a:buSzPts val="2400"/>
-              <a:buNone/>
-              <a:defRPr sz="2400"/>
-            </a:lvl9pPr>
-          </a:lstStyle>
-          <a:p/>
-        </p:txBody>
-      </p:sp>
-      <p:sp>
-        <p:nvSpPr>
-          <p:cNvPr id="30" name="Google Shape;30;p7"/>
-          <p:cNvSpPr txBox="1"/>
-          <p:nvPr>
-            <p:ph idx="1" type="body"/>
-          </p:nvPr>
-        </p:nvSpPr>
-        <p:spPr>
-          <a:xfrm>
-            <a:off x="311700" y="1389600"/>
-            <a:ext cx="2808000" cy="3179400"/>
+            <a:off x="311725" y="500925"/>
+            <a:ext cx="3127500" cy="1829100"/>
           </a:xfrm>
           <a:prstGeom prst="rect">
             <a:avLst/>
@@ -3569,104 +4334,167 @@
             <a:normAutofit/>
           </a:bodyPr>
           <a:lstStyle>
-            <a:lvl1pPr indent="-304800" lvl="0" marL="457200">
-              <a:spcBef>
-                <a:spcPts val="0"/>
-              </a:spcBef>
-              <a:spcAft>
-                <a:spcPts val="0"/>
-              </a:spcAft>
-              <a:buSzPts val="1200"/>
-              <a:buChar char="●"/>
-              <a:defRPr sz="1200"/>
+            <a:lvl1pPr lvl="0">
+              <a:spcBef>
+                <a:spcPts val="0"/>
+              </a:spcBef>
+              <a:spcAft>
+                <a:spcPts val="0"/>
+              </a:spcAft>
+              <a:buClr>
+                <a:schemeClr val="lt1"/>
+              </a:buClr>
+              <a:buSzPts val="2800"/>
+              <a:buNone/>
+              <a:defRPr>
+                <a:solidFill>
+                  <a:schemeClr val="lt1"/>
+                </a:solidFill>
+              </a:defRPr>
             </a:lvl1pPr>
-            <a:lvl2pPr indent="-304800" lvl="1" marL="914400">
-              <a:spcBef>
-                <a:spcPts val="0"/>
-              </a:spcBef>
-              <a:spcAft>
-                <a:spcPts val="0"/>
-              </a:spcAft>
-              <a:buSzPts val="1200"/>
-              <a:buChar char="○"/>
-              <a:defRPr sz="1200"/>
+            <a:lvl2pPr lvl="1">
+              <a:spcBef>
+                <a:spcPts val="0"/>
+              </a:spcBef>
+              <a:spcAft>
+                <a:spcPts val="0"/>
+              </a:spcAft>
+              <a:buClr>
+                <a:schemeClr val="lt1"/>
+              </a:buClr>
+              <a:buSzPts val="2800"/>
+              <a:buNone/>
+              <a:defRPr>
+                <a:solidFill>
+                  <a:schemeClr val="lt1"/>
+                </a:solidFill>
+              </a:defRPr>
             </a:lvl2pPr>
-            <a:lvl3pPr indent="-304800" lvl="2" marL="1371600">
-              <a:spcBef>
-                <a:spcPts val="0"/>
-              </a:spcBef>
-              <a:spcAft>
-                <a:spcPts val="0"/>
-              </a:spcAft>
-              <a:buSzPts val="1200"/>
-              <a:buChar char="■"/>
-              <a:defRPr sz="1200"/>
+            <a:lvl3pPr lvl="2">
+              <a:spcBef>
+                <a:spcPts val="0"/>
+              </a:spcBef>
+              <a:spcAft>
+                <a:spcPts val="0"/>
+              </a:spcAft>
+              <a:buClr>
+                <a:schemeClr val="lt1"/>
+              </a:buClr>
+              <a:buSzPts val="2800"/>
+              <a:buNone/>
+              <a:defRPr>
+                <a:solidFill>
+                  <a:schemeClr val="lt1"/>
+                </a:solidFill>
+              </a:defRPr>
             </a:lvl3pPr>
-            <a:lvl4pPr indent="-304800" lvl="3" marL="1828800">
-              <a:spcBef>
-                <a:spcPts val="0"/>
-              </a:spcBef>
-              <a:spcAft>
-                <a:spcPts val="0"/>
-              </a:spcAft>
-              <a:buSzPts val="1200"/>
-              <a:buChar char="●"/>
-              <a:defRPr sz="1200"/>
+            <a:lvl4pPr lvl="3">
+              <a:spcBef>
+                <a:spcPts val="0"/>
+              </a:spcBef>
+              <a:spcAft>
+                <a:spcPts val="0"/>
+              </a:spcAft>
+              <a:buClr>
+                <a:schemeClr val="lt1"/>
+              </a:buClr>
+              <a:buSzPts val="2800"/>
+              <a:buNone/>
+              <a:defRPr>
+                <a:solidFill>
+                  <a:schemeClr val="lt1"/>
+                </a:solidFill>
+              </a:defRPr>
             </a:lvl4pPr>
-            <a:lvl5pPr indent="-304800" lvl="4" marL="2286000">
-              <a:spcBef>
-                <a:spcPts val="0"/>
-              </a:spcBef>
-              <a:spcAft>
-                <a:spcPts val="0"/>
-              </a:spcAft>
-              <a:buSzPts val="1200"/>
-              <a:buChar char="○"/>
-              <a:defRPr sz="1200"/>
+            <a:lvl5pPr lvl="4">
+              <a:spcBef>
+                <a:spcPts val="0"/>
+              </a:spcBef>
+              <a:spcAft>
+                <a:spcPts val="0"/>
+              </a:spcAft>
+              <a:buClr>
+                <a:schemeClr val="lt1"/>
+              </a:buClr>
+              <a:buSzPts val="2800"/>
+              <a:buNone/>
+              <a:defRPr>
+                <a:solidFill>
+                  <a:schemeClr val="lt1"/>
+                </a:solidFill>
+              </a:defRPr>
             </a:lvl5pPr>
-            <a:lvl6pPr indent="-304800" lvl="5" marL="2743200">
-              <a:spcBef>
-                <a:spcPts val="0"/>
-              </a:spcBef>
-              <a:spcAft>
-                <a:spcPts val="0"/>
-              </a:spcAft>
-              <a:buSzPts val="1200"/>
-              <a:buChar char="■"/>
-              <a:defRPr sz="1200"/>
+            <a:lvl6pPr lvl="5">
+              <a:spcBef>
+                <a:spcPts val="0"/>
+              </a:spcBef>
+              <a:spcAft>
+                <a:spcPts val="0"/>
+              </a:spcAft>
+              <a:buClr>
+                <a:schemeClr val="lt1"/>
+              </a:buClr>
+              <a:buSzPts val="2800"/>
+              <a:buNone/>
+              <a:defRPr>
+                <a:solidFill>
+                  <a:schemeClr val="lt1"/>
+                </a:solidFill>
+              </a:defRPr>
             </a:lvl6pPr>
-            <a:lvl7pPr indent="-304800" lvl="6" marL="3200400">
-              <a:spcBef>
-                <a:spcPts val="0"/>
-              </a:spcBef>
-              <a:spcAft>
-                <a:spcPts val="0"/>
-              </a:spcAft>
-              <a:buSzPts val="1200"/>
-              <a:buChar char="●"/>
-              <a:defRPr sz="1200"/>
+            <a:lvl7pPr lvl="6">
+              <a:spcBef>
+                <a:spcPts val="0"/>
+              </a:spcBef>
+              <a:spcAft>
+                <a:spcPts val="0"/>
+              </a:spcAft>
+              <a:buClr>
+                <a:schemeClr val="lt1"/>
+              </a:buClr>
+              <a:buSzPts val="2800"/>
+              <a:buNone/>
+              <a:defRPr>
+                <a:solidFill>
+                  <a:schemeClr val="lt1"/>
+                </a:solidFill>
+              </a:defRPr>
             </a:lvl7pPr>
-            <a:lvl8pPr indent="-304800" lvl="7" marL="3657600">
-              <a:spcBef>
-                <a:spcPts val="0"/>
-              </a:spcBef>
-              <a:spcAft>
-                <a:spcPts val="0"/>
-              </a:spcAft>
-              <a:buSzPts val="1200"/>
-              <a:buChar char="○"/>
-              <a:defRPr sz="1200"/>
+            <a:lvl8pPr lvl="7">
+              <a:spcBef>
+                <a:spcPts val="0"/>
+              </a:spcBef>
+              <a:spcAft>
+                <a:spcPts val="0"/>
+              </a:spcAft>
+              <a:buClr>
+                <a:schemeClr val="lt1"/>
+              </a:buClr>
+              <a:buSzPts val="2800"/>
+              <a:buNone/>
+              <a:defRPr>
+                <a:solidFill>
+                  <a:schemeClr val="lt1"/>
+                </a:solidFill>
+              </a:defRPr>
             </a:lvl8pPr>
-            <a:lvl9pPr indent="-304800" lvl="8" marL="4114800">
-              <a:spcBef>
-                <a:spcPts val="0"/>
-              </a:spcBef>
-              <a:spcAft>
-                <a:spcPts val="0"/>
-              </a:spcAft>
-              <a:buSzPts val="1200"/>
-              <a:buChar char="■"/>
-              <a:defRPr sz="1200"/>
+            <a:lvl9pPr lvl="8">
+              <a:spcBef>
+                <a:spcPts val="0"/>
+              </a:spcBef>
+              <a:spcAft>
+                <a:spcPts val="0"/>
+              </a:spcAft>
+              <a:buClr>
+                <a:schemeClr val="lt1"/>
+              </a:buClr>
+              <a:buSzPts val="2800"/>
+              <a:buNone/>
+              <a:defRPr>
+                <a:solidFill>
+                  <a:schemeClr val="lt1"/>
+                </a:solidFill>
+              </a:defRPr>
             </a:lvl9pPr>
           </a:lstStyle>
           <a:p/>
@@ -3674,7 +4502,195 @@
       </p:sp>
       <p:sp>
         <p:nvSpPr>
-          <p:cNvPr id="31" name="Google Shape;31;p7"/>
+          <p:cNvPr id="39" name="Google Shape;39;p7"/>
+          <p:cNvSpPr txBox="1"/>
+          <p:nvPr>
+            <p:ph idx="1" type="body"/>
+          </p:nvPr>
+        </p:nvSpPr>
+        <p:spPr>
+          <a:xfrm>
+            <a:off x="311700" y="2390650"/>
+            <a:ext cx="3127500" cy="2298000"/>
+          </a:xfrm>
+          <a:prstGeom prst="rect">
+            <a:avLst/>
+          </a:prstGeom>
+        </p:spPr>
+        <p:txBody>
+          <a:bodyPr anchorCtr="0" anchor="t" bIns="91425" lIns="91425" spcFirstLastPara="1" rIns="91425" wrap="square" tIns="91425">
+            <a:normAutofit/>
+          </a:bodyPr>
+          <a:lstStyle>
+            <a:lvl1pPr indent="-311150" lvl="0" marL="457200">
+              <a:spcBef>
+                <a:spcPts val="0"/>
+              </a:spcBef>
+              <a:spcAft>
+                <a:spcPts val="0"/>
+              </a:spcAft>
+              <a:buClr>
+                <a:schemeClr val="accent2"/>
+              </a:buClr>
+              <a:buSzPts val="1300"/>
+              <a:buChar char="●"/>
+              <a:defRPr>
+                <a:solidFill>
+                  <a:schemeClr val="accent2"/>
+                </a:solidFill>
+              </a:defRPr>
+            </a:lvl1pPr>
+            <a:lvl2pPr indent="-298450" lvl="1" marL="914400">
+              <a:spcBef>
+                <a:spcPts val="0"/>
+              </a:spcBef>
+              <a:spcAft>
+                <a:spcPts val="0"/>
+              </a:spcAft>
+              <a:buClr>
+                <a:schemeClr val="accent2"/>
+              </a:buClr>
+              <a:buSzPts val="1100"/>
+              <a:buChar char="○"/>
+              <a:defRPr>
+                <a:solidFill>
+                  <a:schemeClr val="accent2"/>
+                </a:solidFill>
+              </a:defRPr>
+            </a:lvl2pPr>
+            <a:lvl3pPr indent="-298450" lvl="2" marL="1371600">
+              <a:spcBef>
+                <a:spcPts val="0"/>
+              </a:spcBef>
+              <a:spcAft>
+                <a:spcPts val="0"/>
+              </a:spcAft>
+              <a:buClr>
+                <a:schemeClr val="accent2"/>
+              </a:buClr>
+              <a:buSzPts val="1100"/>
+              <a:buChar char="■"/>
+              <a:defRPr>
+                <a:solidFill>
+                  <a:schemeClr val="accent2"/>
+                </a:solidFill>
+              </a:defRPr>
+            </a:lvl3pPr>
+            <a:lvl4pPr indent="-298450" lvl="3" marL="1828800">
+              <a:spcBef>
+                <a:spcPts val="0"/>
+              </a:spcBef>
+              <a:spcAft>
+                <a:spcPts val="0"/>
+              </a:spcAft>
+              <a:buClr>
+                <a:schemeClr val="accent2"/>
+              </a:buClr>
+              <a:buSzPts val="1100"/>
+              <a:buChar char="●"/>
+              <a:defRPr>
+                <a:solidFill>
+                  <a:schemeClr val="accent2"/>
+                </a:solidFill>
+              </a:defRPr>
+            </a:lvl4pPr>
+            <a:lvl5pPr indent="-298450" lvl="4" marL="2286000">
+              <a:spcBef>
+                <a:spcPts val="0"/>
+              </a:spcBef>
+              <a:spcAft>
+                <a:spcPts val="0"/>
+              </a:spcAft>
+              <a:buClr>
+                <a:schemeClr val="accent2"/>
+              </a:buClr>
+              <a:buSzPts val="1100"/>
+              <a:buChar char="○"/>
+              <a:defRPr>
+                <a:solidFill>
+                  <a:schemeClr val="accent2"/>
+                </a:solidFill>
+              </a:defRPr>
+            </a:lvl5pPr>
+            <a:lvl6pPr indent="-298450" lvl="5" marL="2743200">
+              <a:spcBef>
+                <a:spcPts val="0"/>
+              </a:spcBef>
+              <a:spcAft>
+                <a:spcPts val="0"/>
+              </a:spcAft>
+              <a:buClr>
+                <a:schemeClr val="accent2"/>
+              </a:buClr>
+              <a:buSzPts val="1100"/>
+              <a:buChar char="■"/>
+              <a:defRPr>
+                <a:solidFill>
+                  <a:schemeClr val="accent2"/>
+                </a:solidFill>
+              </a:defRPr>
+            </a:lvl6pPr>
+            <a:lvl7pPr indent="-298450" lvl="6" marL="3200400">
+              <a:spcBef>
+                <a:spcPts val="0"/>
+              </a:spcBef>
+              <a:spcAft>
+                <a:spcPts val="0"/>
+              </a:spcAft>
+              <a:buClr>
+                <a:schemeClr val="accent2"/>
+              </a:buClr>
+              <a:buSzPts val="1100"/>
+              <a:buChar char="●"/>
+              <a:defRPr>
+                <a:solidFill>
+                  <a:schemeClr val="accent2"/>
+                </a:solidFill>
+              </a:defRPr>
+            </a:lvl7pPr>
+            <a:lvl8pPr indent="-298450" lvl="7" marL="3657600">
+              <a:spcBef>
+                <a:spcPts val="0"/>
+              </a:spcBef>
+              <a:spcAft>
+                <a:spcPts val="0"/>
+              </a:spcAft>
+              <a:buClr>
+                <a:schemeClr val="accent2"/>
+              </a:buClr>
+              <a:buSzPts val="1100"/>
+              <a:buChar char="○"/>
+              <a:defRPr>
+                <a:solidFill>
+                  <a:schemeClr val="accent2"/>
+                </a:solidFill>
+              </a:defRPr>
+            </a:lvl8pPr>
+            <a:lvl9pPr indent="-298450" lvl="8" marL="4114800">
+              <a:spcBef>
+                <a:spcPts val="0"/>
+              </a:spcBef>
+              <a:spcAft>
+                <a:spcPts val="0"/>
+              </a:spcAft>
+              <a:buClr>
+                <a:schemeClr val="accent2"/>
+              </a:buClr>
+              <a:buSzPts val="1100"/>
+              <a:buChar char="■"/>
+              <a:defRPr>
+                <a:solidFill>
+                  <a:schemeClr val="accent2"/>
+                </a:solidFill>
+              </a:defRPr>
+            </a:lvl9pPr>
+          </a:lstStyle>
+          <a:p/>
+        </p:txBody>
+      </p:sp>
+      <p:sp>
+        <p:nvSpPr>
+          <p:cNvPr id="40" name="Google Shape;40;p7"/>
           <p:cNvSpPr txBox="1"/>
           <p:nvPr>
             <p:ph idx="12" type="sldNum"/>
@@ -3760,9 +4776,16 @@
 <file path=ppt/slideLayouts/slideLayout7.xml><?xml version="1.0" encoding="utf-8"?>
 <p:sldLayout xmlns:a="http://schemas.openxmlformats.org/drawingml/2006/main" xmlns:r="http://schemas.openxmlformats.org/officeDocument/2006/relationships" xmlns:mc="http://schemas.openxmlformats.org/markup-compatibility/2006" xmlns:mv="urn:schemas-microsoft-com:mac:vml" xmlns:p="http://schemas.openxmlformats.org/presentationml/2006/main" xmlns:c="http://schemas.openxmlformats.org/drawingml/2006/chart" xmlns:dgm="http://schemas.openxmlformats.org/drawingml/2006/diagram" xmlns:o="urn:schemas-microsoft-com:office:office" xmlns:v="urn:schemas-microsoft-com:vml" xmlns:pvml="urn:schemas-microsoft-com:office:powerpoint" xmlns:com="http://schemas.openxmlformats.org/drawingml/2006/compatibility" xmlns:p14="http://schemas.microsoft.com/office/powerpoint/2010/main" xmlns:p15="http://schemas.microsoft.com/office/powerpoint/2012/main" xmlns:ahyp="http://schemas.microsoft.com/office/drawing/2018/hyperlinkcolor" matchingName="Main point">
   <p:cSld name="MAIN_POINT">
+    <p:bg>
+      <p:bgPr>
+        <a:solidFill>
+          <a:schemeClr val="accent3"/>
+        </a:solidFill>
+      </p:bgPr>
+    </p:bg>
     <p:spTree>
       <p:nvGrpSpPr>
-        <p:cNvPr id="32" name="Shape 32"/>
+        <p:cNvPr id="41" name="Shape 41"/>
         <p:cNvGrpSpPr/>
         <p:nvPr/>
       </p:nvGrpSpPr>
@@ -3776,7 +4799,7 @@
       </p:grpSpPr>
       <p:sp>
         <p:nvSpPr>
-          <p:cNvPr id="33" name="Google Shape;33;p8"/>
+          <p:cNvPr id="42" name="Google Shape;42;p8"/>
           <p:cNvSpPr txBox="1"/>
           <p:nvPr>
             <p:ph type="title"/>
@@ -3784,8 +4807,8 @@
         </p:nvSpPr>
         <p:spPr>
           <a:xfrm>
-            <a:off x="490250" y="450150"/>
-            <a:ext cx="6367800" cy="4090800"/>
+            <a:off x="311675" y="798600"/>
+            <a:ext cx="6247800" cy="3546300"/>
           </a:xfrm>
           <a:prstGeom prst="rect">
             <a:avLst/>
@@ -3803,9 +4826,9 @@
               <a:spcAft>
                 <a:spcPts val="0"/>
               </a:spcAft>
-              <a:buSzPts val="4800"/>
-              <a:buNone/>
-              <a:defRPr sz="4800"/>
+              <a:buSzPts val="3600"/>
+              <a:buNone/>
+              <a:defRPr sz="3600"/>
             </a:lvl1pPr>
             <a:lvl2pPr lvl="1">
               <a:spcBef>
@@ -3814,9 +4837,9 @@
               <a:spcAft>
                 <a:spcPts val="0"/>
               </a:spcAft>
-              <a:buSzPts val="4800"/>
-              <a:buNone/>
-              <a:defRPr sz="4800"/>
+              <a:buSzPts val="3600"/>
+              <a:buNone/>
+              <a:defRPr sz="3600"/>
             </a:lvl2pPr>
             <a:lvl3pPr lvl="2">
               <a:spcBef>
@@ -3825,9 +4848,9 @@
               <a:spcAft>
                 <a:spcPts val="0"/>
               </a:spcAft>
-              <a:buSzPts val="4800"/>
-              <a:buNone/>
-              <a:defRPr sz="4800"/>
+              <a:buSzPts val="3600"/>
+              <a:buNone/>
+              <a:defRPr sz="3600"/>
             </a:lvl3pPr>
             <a:lvl4pPr lvl="3">
               <a:spcBef>
@@ -3836,9 +4859,9 @@
               <a:spcAft>
                 <a:spcPts val="0"/>
               </a:spcAft>
-              <a:buSzPts val="4800"/>
-              <a:buNone/>
-              <a:defRPr sz="4800"/>
+              <a:buSzPts val="3600"/>
+              <a:buNone/>
+              <a:defRPr sz="3600"/>
             </a:lvl4pPr>
             <a:lvl5pPr lvl="4">
               <a:spcBef>
@@ -3847,9 +4870,9 @@
               <a:spcAft>
                 <a:spcPts val="0"/>
               </a:spcAft>
-              <a:buSzPts val="4800"/>
-              <a:buNone/>
-              <a:defRPr sz="4800"/>
+              <a:buSzPts val="3600"/>
+              <a:buNone/>
+              <a:defRPr sz="3600"/>
             </a:lvl5pPr>
             <a:lvl6pPr lvl="5">
               <a:spcBef>
@@ -3858,9 +4881,9 @@
               <a:spcAft>
                 <a:spcPts val="0"/>
               </a:spcAft>
-              <a:buSzPts val="4800"/>
-              <a:buNone/>
-              <a:defRPr sz="4800"/>
+              <a:buSzPts val="3600"/>
+              <a:buNone/>
+              <a:defRPr sz="3600"/>
             </a:lvl6pPr>
             <a:lvl7pPr lvl="6">
               <a:spcBef>
@@ -3869,9 +4892,9 @@
               <a:spcAft>
                 <a:spcPts val="0"/>
               </a:spcAft>
-              <a:buSzPts val="4800"/>
-              <a:buNone/>
-              <a:defRPr sz="4800"/>
+              <a:buSzPts val="3600"/>
+              <a:buNone/>
+              <a:defRPr sz="3600"/>
             </a:lvl7pPr>
             <a:lvl8pPr lvl="7">
               <a:spcBef>
@@ -3880,9 +4903,9 @@
               <a:spcAft>
                 <a:spcPts val="0"/>
               </a:spcAft>
-              <a:buSzPts val="4800"/>
-              <a:buNone/>
-              <a:defRPr sz="4800"/>
+              <a:buSzPts val="3600"/>
+              <a:buNone/>
+              <a:defRPr sz="3600"/>
             </a:lvl8pPr>
             <a:lvl9pPr lvl="8">
               <a:spcBef>
@@ -3891,9 +4914,9 @@
               <a:spcAft>
                 <a:spcPts val="0"/>
               </a:spcAft>
-              <a:buSzPts val="4800"/>
-              <a:buNone/>
-              <a:defRPr sz="4800"/>
+              <a:buSzPts val="3600"/>
+              <a:buNone/>
+              <a:defRPr sz="3600"/>
             </a:lvl9pPr>
           </a:lstStyle>
           <a:p/>
@@ -3901,7 +4924,7 @@
       </p:sp>
       <p:sp>
         <p:nvSpPr>
-          <p:cNvPr id="34" name="Google Shape;34;p8"/>
+          <p:cNvPr id="43" name="Google Shape;43;p8"/>
           <p:cNvSpPr txBox="1"/>
           <p:nvPr>
             <p:ph idx="12" type="sldNum"/>
@@ -3923,39 +4946,75 @@
           <a:lstStyle>
             <a:lvl1pPr lvl="0">
               <a:buNone/>
-              <a:defRPr/>
+              <a:defRPr>
+                <a:solidFill>
+                  <a:schemeClr val="accent1"/>
+                </a:solidFill>
+              </a:defRPr>
             </a:lvl1pPr>
             <a:lvl2pPr lvl="1">
               <a:buNone/>
-              <a:defRPr/>
+              <a:defRPr>
+                <a:solidFill>
+                  <a:schemeClr val="accent1"/>
+                </a:solidFill>
+              </a:defRPr>
             </a:lvl2pPr>
             <a:lvl3pPr lvl="2">
               <a:buNone/>
-              <a:defRPr/>
+              <a:defRPr>
+                <a:solidFill>
+                  <a:schemeClr val="accent1"/>
+                </a:solidFill>
+              </a:defRPr>
             </a:lvl3pPr>
             <a:lvl4pPr lvl="3">
               <a:buNone/>
-              <a:defRPr/>
+              <a:defRPr>
+                <a:solidFill>
+                  <a:schemeClr val="accent1"/>
+                </a:solidFill>
+              </a:defRPr>
             </a:lvl4pPr>
             <a:lvl5pPr lvl="4">
               <a:buNone/>
-              <a:defRPr/>
+              <a:defRPr>
+                <a:solidFill>
+                  <a:schemeClr val="accent1"/>
+                </a:solidFill>
+              </a:defRPr>
             </a:lvl5pPr>
             <a:lvl6pPr lvl="5">
               <a:buNone/>
-              <a:defRPr/>
+              <a:defRPr>
+                <a:solidFill>
+                  <a:schemeClr val="accent1"/>
+                </a:solidFill>
+              </a:defRPr>
             </a:lvl6pPr>
             <a:lvl7pPr lvl="6">
               <a:buNone/>
-              <a:defRPr/>
+              <a:defRPr>
+                <a:solidFill>
+                  <a:schemeClr val="accent1"/>
+                </a:solidFill>
+              </a:defRPr>
             </a:lvl7pPr>
             <a:lvl8pPr lvl="7">
               <a:buNone/>
-              <a:defRPr/>
+              <a:defRPr>
+                <a:solidFill>
+                  <a:schemeClr val="accent1"/>
+                </a:solidFill>
+              </a:defRPr>
             </a:lvl8pPr>
             <a:lvl9pPr lvl="8">
               <a:buNone/>
-              <a:defRPr/>
+              <a:defRPr>
+                <a:solidFill>
+                  <a:schemeClr val="accent1"/>
+                </a:solidFill>
+              </a:defRPr>
             </a:lvl9pPr>
           </a:lstStyle>
           <a:p>
@@ -3989,7 +5048,7 @@
   <p:cSld name="SECTION_TITLE_AND_DESCRIPTION">
     <p:spTree>
       <p:nvGrpSpPr>
-        <p:cNvPr id="35" name="Shape 35"/>
+        <p:cNvPr id="44" name="Shape 44"/>
         <p:cNvGrpSpPr/>
         <p:nvPr/>
       </p:nvGrpSpPr>
@@ -4003,20 +5062,20 @@
       </p:grpSpPr>
       <p:sp>
         <p:nvSpPr>
-          <p:cNvPr id="36" name="Google Shape;36;p9"/>
+          <p:cNvPr id="45" name="Google Shape;45;p9"/>
           <p:cNvSpPr/>
           <p:nvPr/>
         </p:nvSpPr>
         <p:spPr>
           <a:xfrm>
-            <a:off x="4572000" y="-125"/>
+            <a:off x="0" y="0"/>
             <a:ext cx="4572000" cy="5143500"/>
           </a:xfrm>
           <a:prstGeom prst="rect">
             <a:avLst/>
           </a:prstGeom>
           <a:solidFill>
-            <a:schemeClr val="lt2"/>
+            <a:schemeClr val="dk1"/>
           </a:solidFill>
           <a:ln>
             <a:noFill/>
@@ -4046,7 +5105,7 @@
       </p:sp>
       <p:sp>
         <p:nvSpPr>
-          <p:cNvPr id="37" name="Google Shape;37;p9"/>
+          <p:cNvPr id="46" name="Google Shape;46;p9"/>
           <p:cNvSpPr txBox="1"/>
           <p:nvPr>
             <p:ph type="title"/>
@@ -4054,133 +5113,8 @@
         </p:nvSpPr>
         <p:spPr>
           <a:xfrm>
-            <a:off x="265500" y="1233175"/>
-            <a:ext cx="4045200" cy="1482300"/>
-          </a:xfrm>
-          <a:prstGeom prst="rect">
-            <a:avLst/>
-          </a:prstGeom>
-        </p:spPr>
-        <p:txBody>
-          <a:bodyPr anchorCtr="0" anchor="b" bIns="91425" lIns="91425" spcFirstLastPara="1" rIns="91425" wrap="square" tIns="91425">
-            <a:normAutofit/>
-          </a:bodyPr>
-          <a:lstStyle>
-            <a:lvl1pPr lvl="0" algn="ctr">
-              <a:spcBef>
-                <a:spcPts val="0"/>
-              </a:spcBef>
-              <a:spcAft>
-                <a:spcPts val="0"/>
-              </a:spcAft>
-              <a:buSzPts val="4200"/>
-              <a:buNone/>
-              <a:defRPr sz="4200"/>
-            </a:lvl1pPr>
-            <a:lvl2pPr lvl="1" algn="ctr">
-              <a:spcBef>
-                <a:spcPts val="0"/>
-              </a:spcBef>
-              <a:spcAft>
-                <a:spcPts val="0"/>
-              </a:spcAft>
-              <a:buSzPts val="4200"/>
-              <a:buNone/>
-              <a:defRPr sz="4200"/>
-            </a:lvl2pPr>
-            <a:lvl3pPr lvl="2" algn="ctr">
-              <a:spcBef>
-                <a:spcPts val="0"/>
-              </a:spcBef>
-              <a:spcAft>
-                <a:spcPts val="0"/>
-              </a:spcAft>
-              <a:buSzPts val="4200"/>
-              <a:buNone/>
-              <a:defRPr sz="4200"/>
-            </a:lvl3pPr>
-            <a:lvl4pPr lvl="3" algn="ctr">
-              <a:spcBef>
-                <a:spcPts val="0"/>
-              </a:spcBef>
-              <a:spcAft>
-                <a:spcPts val="0"/>
-              </a:spcAft>
-              <a:buSzPts val="4200"/>
-              <a:buNone/>
-              <a:defRPr sz="4200"/>
-            </a:lvl4pPr>
-            <a:lvl5pPr lvl="4" algn="ctr">
-              <a:spcBef>
-                <a:spcPts val="0"/>
-              </a:spcBef>
-              <a:spcAft>
-                <a:spcPts val="0"/>
-              </a:spcAft>
-              <a:buSzPts val="4200"/>
-              <a:buNone/>
-              <a:defRPr sz="4200"/>
-            </a:lvl5pPr>
-            <a:lvl6pPr lvl="5" algn="ctr">
-              <a:spcBef>
-                <a:spcPts val="0"/>
-              </a:spcBef>
-              <a:spcAft>
-                <a:spcPts val="0"/>
-              </a:spcAft>
-              <a:buSzPts val="4200"/>
-              <a:buNone/>
-              <a:defRPr sz="4200"/>
-            </a:lvl6pPr>
-            <a:lvl7pPr lvl="6" algn="ctr">
-              <a:spcBef>
-                <a:spcPts val="0"/>
-              </a:spcBef>
-              <a:spcAft>
-                <a:spcPts val="0"/>
-              </a:spcAft>
-              <a:buSzPts val="4200"/>
-              <a:buNone/>
-              <a:defRPr sz="4200"/>
-            </a:lvl7pPr>
-            <a:lvl8pPr lvl="7" algn="ctr">
-              <a:spcBef>
-                <a:spcPts val="0"/>
-              </a:spcBef>
-              <a:spcAft>
-                <a:spcPts val="0"/>
-              </a:spcAft>
-              <a:buSzPts val="4200"/>
-              <a:buNone/>
-              <a:defRPr sz="4200"/>
-            </a:lvl8pPr>
-            <a:lvl9pPr lvl="8" algn="ctr">
-              <a:spcBef>
-                <a:spcPts val="0"/>
-              </a:spcBef>
-              <a:spcAft>
-                <a:spcPts val="0"/>
-              </a:spcAft>
-              <a:buSzPts val="4200"/>
-              <a:buNone/>
-              <a:defRPr sz="4200"/>
-            </a:lvl9pPr>
-          </a:lstStyle>
-          <a:p/>
-        </p:txBody>
-      </p:sp>
-      <p:sp>
-        <p:nvSpPr>
-          <p:cNvPr id="38" name="Google Shape;38;p9"/>
-          <p:cNvSpPr txBox="1"/>
-          <p:nvPr>
-            <p:ph idx="1" type="subTitle"/>
-          </p:nvPr>
-        </p:nvSpPr>
-        <p:spPr>
-          <a:xfrm>
-            <a:off x="265500" y="2803075"/>
-            <a:ext cx="4045200" cy="1235100"/>
+            <a:off x="311300" y="500925"/>
+            <a:ext cx="3704400" cy="2049600"/>
           </a:xfrm>
           <a:prstGeom prst="rect">
             <a:avLst/>
@@ -4191,131 +5125,167 @@
             <a:normAutofit/>
           </a:bodyPr>
           <a:lstStyle>
-            <a:lvl1pPr lvl="0" algn="ctr">
-              <a:lnSpc>
-                <a:spcPct val="100000"/>
-              </a:lnSpc>
-              <a:spcBef>
-                <a:spcPts val="0"/>
-              </a:spcBef>
-              <a:spcAft>
-                <a:spcPts val="0"/>
-              </a:spcAft>
-              <a:buSzPts val="2100"/>
-              <a:buNone/>
-              <a:defRPr sz="2100"/>
+            <a:lvl1pPr lvl="0">
+              <a:spcBef>
+                <a:spcPts val="0"/>
+              </a:spcBef>
+              <a:spcAft>
+                <a:spcPts val="0"/>
+              </a:spcAft>
+              <a:buClr>
+                <a:schemeClr val="lt1"/>
+              </a:buClr>
+              <a:buSzPts val="2800"/>
+              <a:buNone/>
+              <a:defRPr>
+                <a:solidFill>
+                  <a:schemeClr val="lt1"/>
+                </a:solidFill>
+              </a:defRPr>
             </a:lvl1pPr>
-            <a:lvl2pPr lvl="1" algn="ctr">
-              <a:lnSpc>
-                <a:spcPct val="100000"/>
-              </a:lnSpc>
-              <a:spcBef>
-                <a:spcPts val="0"/>
-              </a:spcBef>
-              <a:spcAft>
-                <a:spcPts val="0"/>
-              </a:spcAft>
-              <a:buSzPts val="2100"/>
-              <a:buNone/>
-              <a:defRPr sz="2100"/>
+            <a:lvl2pPr lvl="1">
+              <a:spcBef>
+                <a:spcPts val="0"/>
+              </a:spcBef>
+              <a:spcAft>
+                <a:spcPts val="0"/>
+              </a:spcAft>
+              <a:buClr>
+                <a:schemeClr val="lt1"/>
+              </a:buClr>
+              <a:buSzPts val="2800"/>
+              <a:buNone/>
+              <a:defRPr>
+                <a:solidFill>
+                  <a:schemeClr val="lt1"/>
+                </a:solidFill>
+              </a:defRPr>
             </a:lvl2pPr>
-            <a:lvl3pPr lvl="2" algn="ctr">
-              <a:lnSpc>
-                <a:spcPct val="100000"/>
-              </a:lnSpc>
-              <a:spcBef>
-                <a:spcPts val="0"/>
-              </a:spcBef>
-              <a:spcAft>
-                <a:spcPts val="0"/>
-              </a:spcAft>
-              <a:buSzPts val="2100"/>
-              <a:buNone/>
-              <a:defRPr sz="2100"/>
+            <a:lvl3pPr lvl="2">
+              <a:spcBef>
+                <a:spcPts val="0"/>
+              </a:spcBef>
+              <a:spcAft>
+                <a:spcPts val="0"/>
+              </a:spcAft>
+              <a:buClr>
+                <a:schemeClr val="lt1"/>
+              </a:buClr>
+              <a:buSzPts val="2800"/>
+              <a:buNone/>
+              <a:defRPr>
+                <a:solidFill>
+                  <a:schemeClr val="lt1"/>
+                </a:solidFill>
+              </a:defRPr>
             </a:lvl3pPr>
-            <a:lvl4pPr lvl="3" algn="ctr">
-              <a:lnSpc>
-                <a:spcPct val="100000"/>
-              </a:lnSpc>
-              <a:spcBef>
-                <a:spcPts val="0"/>
-              </a:spcBef>
-              <a:spcAft>
-                <a:spcPts val="0"/>
-              </a:spcAft>
-              <a:buSzPts val="2100"/>
-              <a:buNone/>
-              <a:defRPr sz="2100"/>
+            <a:lvl4pPr lvl="3">
+              <a:spcBef>
+                <a:spcPts val="0"/>
+              </a:spcBef>
+              <a:spcAft>
+                <a:spcPts val="0"/>
+              </a:spcAft>
+              <a:buClr>
+                <a:schemeClr val="lt1"/>
+              </a:buClr>
+              <a:buSzPts val="2800"/>
+              <a:buNone/>
+              <a:defRPr>
+                <a:solidFill>
+                  <a:schemeClr val="lt1"/>
+                </a:solidFill>
+              </a:defRPr>
             </a:lvl4pPr>
-            <a:lvl5pPr lvl="4" algn="ctr">
-              <a:lnSpc>
-                <a:spcPct val="100000"/>
-              </a:lnSpc>
-              <a:spcBef>
-                <a:spcPts val="0"/>
-              </a:spcBef>
-              <a:spcAft>
-                <a:spcPts val="0"/>
-              </a:spcAft>
-              <a:buSzPts val="2100"/>
-              <a:buNone/>
-              <a:defRPr sz="2100"/>
+            <a:lvl5pPr lvl="4">
+              <a:spcBef>
+                <a:spcPts val="0"/>
+              </a:spcBef>
+              <a:spcAft>
+                <a:spcPts val="0"/>
+              </a:spcAft>
+              <a:buClr>
+                <a:schemeClr val="lt1"/>
+              </a:buClr>
+              <a:buSzPts val="2800"/>
+              <a:buNone/>
+              <a:defRPr>
+                <a:solidFill>
+                  <a:schemeClr val="lt1"/>
+                </a:solidFill>
+              </a:defRPr>
             </a:lvl5pPr>
-            <a:lvl6pPr lvl="5" algn="ctr">
-              <a:lnSpc>
-                <a:spcPct val="100000"/>
-              </a:lnSpc>
-              <a:spcBef>
-                <a:spcPts val="0"/>
-              </a:spcBef>
-              <a:spcAft>
-                <a:spcPts val="0"/>
-              </a:spcAft>
-              <a:buSzPts val="2100"/>
-              <a:buNone/>
-              <a:defRPr sz="2100"/>
+            <a:lvl6pPr lvl="5">
+              <a:spcBef>
+                <a:spcPts val="0"/>
+              </a:spcBef>
+              <a:spcAft>
+                <a:spcPts val="0"/>
+              </a:spcAft>
+              <a:buClr>
+                <a:schemeClr val="lt1"/>
+              </a:buClr>
+              <a:buSzPts val="2800"/>
+              <a:buNone/>
+              <a:defRPr>
+                <a:solidFill>
+                  <a:schemeClr val="lt1"/>
+                </a:solidFill>
+              </a:defRPr>
             </a:lvl6pPr>
-            <a:lvl7pPr lvl="6" algn="ctr">
-              <a:lnSpc>
-                <a:spcPct val="100000"/>
-              </a:lnSpc>
-              <a:spcBef>
-                <a:spcPts val="0"/>
-              </a:spcBef>
-              <a:spcAft>
-                <a:spcPts val="0"/>
-              </a:spcAft>
-              <a:buSzPts val="2100"/>
-              <a:buNone/>
-              <a:defRPr sz="2100"/>
+            <a:lvl7pPr lvl="6">
+              <a:spcBef>
+                <a:spcPts val="0"/>
+              </a:spcBef>
+              <a:spcAft>
+                <a:spcPts val="0"/>
+              </a:spcAft>
+              <a:buClr>
+                <a:schemeClr val="lt1"/>
+              </a:buClr>
+              <a:buSzPts val="2800"/>
+              <a:buNone/>
+              <a:defRPr>
+                <a:solidFill>
+                  <a:schemeClr val="lt1"/>
+                </a:solidFill>
+              </a:defRPr>
             </a:lvl7pPr>
-            <a:lvl8pPr lvl="7" algn="ctr">
-              <a:lnSpc>
-                <a:spcPct val="100000"/>
-              </a:lnSpc>
-              <a:spcBef>
-                <a:spcPts val="0"/>
-              </a:spcBef>
-              <a:spcAft>
-                <a:spcPts val="0"/>
-              </a:spcAft>
-              <a:buSzPts val="2100"/>
-              <a:buNone/>
-              <a:defRPr sz="2100"/>
+            <a:lvl8pPr lvl="7">
+              <a:spcBef>
+                <a:spcPts val="0"/>
+              </a:spcBef>
+              <a:spcAft>
+                <a:spcPts val="0"/>
+              </a:spcAft>
+              <a:buClr>
+                <a:schemeClr val="lt1"/>
+              </a:buClr>
+              <a:buSzPts val="2800"/>
+              <a:buNone/>
+              <a:defRPr>
+                <a:solidFill>
+                  <a:schemeClr val="lt1"/>
+                </a:solidFill>
+              </a:defRPr>
             </a:lvl8pPr>
-            <a:lvl9pPr lvl="8" algn="ctr">
-              <a:lnSpc>
-                <a:spcPct val="100000"/>
-              </a:lnSpc>
-              <a:spcBef>
-                <a:spcPts val="0"/>
-              </a:spcBef>
-              <a:spcAft>
-                <a:spcPts val="0"/>
-              </a:spcAft>
-              <a:buSzPts val="2100"/>
-              <a:buNone/>
-              <a:defRPr sz="2100"/>
+            <a:lvl9pPr lvl="8">
+              <a:spcBef>
+                <a:spcPts val="0"/>
+              </a:spcBef>
+              <a:spcAft>
+                <a:spcPts val="0"/>
+              </a:spcAft>
+              <a:buClr>
+                <a:schemeClr val="lt1"/>
+              </a:buClr>
+              <a:buSzPts val="2800"/>
+              <a:buNone/>
+              <a:defRPr>
+                <a:solidFill>
+                  <a:schemeClr val="lt1"/>
+                </a:solidFill>
+              </a:defRPr>
             </a:lvl9pPr>
           </a:lstStyle>
           <a:p/>
@@ -4323,7 +5293,222 @@
       </p:sp>
       <p:sp>
         <p:nvSpPr>
-          <p:cNvPr id="39" name="Google Shape;39;p9"/>
+          <p:cNvPr id="47" name="Google Shape;47;p9"/>
+          <p:cNvSpPr txBox="1"/>
+          <p:nvPr>
+            <p:ph idx="1" type="subTitle"/>
+          </p:nvPr>
+        </p:nvSpPr>
+        <p:spPr>
+          <a:xfrm>
+            <a:off x="304800" y="2626725"/>
+            <a:ext cx="3704400" cy="926700"/>
+          </a:xfrm>
+          <a:prstGeom prst="rect">
+            <a:avLst/>
+          </a:prstGeom>
+        </p:spPr>
+        <p:txBody>
+          <a:bodyPr anchorCtr="0" anchor="t" bIns="91425" lIns="91425" spcFirstLastPara="1" rIns="91425" wrap="square" tIns="91425">
+            <a:normAutofit/>
+          </a:bodyPr>
+          <a:lstStyle>
+            <a:lvl1pPr lvl="0">
+              <a:lnSpc>
+                <a:spcPct val="100000"/>
+              </a:lnSpc>
+              <a:spcBef>
+                <a:spcPts val="0"/>
+              </a:spcBef>
+              <a:spcAft>
+                <a:spcPts val="0"/>
+              </a:spcAft>
+              <a:buClr>
+                <a:schemeClr val="accent2"/>
+              </a:buClr>
+              <a:buSzPts val="1600"/>
+              <a:buNone/>
+              <a:defRPr sz="1600">
+                <a:solidFill>
+                  <a:schemeClr val="accent2"/>
+                </a:solidFill>
+              </a:defRPr>
+            </a:lvl1pPr>
+            <a:lvl2pPr lvl="1">
+              <a:lnSpc>
+                <a:spcPct val="100000"/>
+              </a:lnSpc>
+              <a:spcBef>
+                <a:spcPts val="0"/>
+              </a:spcBef>
+              <a:spcAft>
+                <a:spcPts val="0"/>
+              </a:spcAft>
+              <a:buClr>
+                <a:schemeClr val="accent2"/>
+              </a:buClr>
+              <a:buSzPts val="1600"/>
+              <a:buNone/>
+              <a:defRPr sz="1600">
+                <a:solidFill>
+                  <a:schemeClr val="accent2"/>
+                </a:solidFill>
+              </a:defRPr>
+            </a:lvl2pPr>
+            <a:lvl3pPr lvl="2">
+              <a:lnSpc>
+                <a:spcPct val="100000"/>
+              </a:lnSpc>
+              <a:spcBef>
+                <a:spcPts val="0"/>
+              </a:spcBef>
+              <a:spcAft>
+                <a:spcPts val="0"/>
+              </a:spcAft>
+              <a:buClr>
+                <a:schemeClr val="accent2"/>
+              </a:buClr>
+              <a:buSzPts val="1600"/>
+              <a:buNone/>
+              <a:defRPr sz="1600">
+                <a:solidFill>
+                  <a:schemeClr val="accent2"/>
+                </a:solidFill>
+              </a:defRPr>
+            </a:lvl3pPr>
+            <a:lvl4pPr lvl="3">
+              <a:lnSpc>
+                <a:spcPct val="100000"/>
+              </a:lnSpc>
+              <a:spcBef>
+                <a:spcPts val="0"/>
+              </a:spcBef>
+              <a:spcAft>
+                <a:spcPts val="0"/>
+              </a:spcAft>
+              <a:buClr>
+                <a:schemeClr val="accent2"/>
+              </a:buClr>
+              <a:buSzPts val="1600"/>
+              <a:buNone/>
+              <a:defRPr sz="1600">
+                <a:solidFill>
+                  <a:schemeClr val="accent2"/>
+                </a:solidFill>
+              </a:defRPr>
+            </a:lvl4pPr>
+            <a:lvl5pPr lvl="4">
+              <a:lnSpc>
+                <a:spcPct val="100000"/>
+              </a:lnSpc>
+              <a:spcBef>
+                <a:spcPts val="0"/>
+              </a:spcBef>
+              <a:spcAft>
+                <a:spcPts val="0"/>
+              </a:spcAft>
+              <a:buClr>
+                <a:schemeClr val="accent2"/>
+              </a:buClr>
+              <a:buSzPts val="1600"/>
+              <a:buNone/>
+              <a:defRPr sz="1600">
+                <a:solidFill>
+                  <a:schemeClr val="accent2"/>
+                </a:solidFill>
+              </a:defRPr>
+            </a:lvl5pPr>
+            <a:lvl6pPr lvl="5">
+              <a:lnSpc>
+                <a:spcPct val="100000"/>
+              </a:lnSpc>
+              <a:spcBef>
+                <a:spcPts val="0"/>
+              </a:spcBef>
+              <a:spcAft>
+                <a:spcPts val="0"/>
+              </a:spcAft>
+              <a:buClr>
+                <a:schemeClr val="accent2"/>
+              </a:buClr>
+              <a:buSzPts val="1600"/>
+              <a:buNone/>
+              <a:defRPr sz="1600">
+                <a:solidFill>
+                  <a:schemeClr val="accent2"/>
+                </a:solidFill>
+              </a:defRPr>
+            </a:lvl6pPr>
+            <a:lvl7pPr lvl="6">
+              <a:lnSpc>
+                <a:spcPct val="100000"/>
+              </a:lnSpc>
+              <a:spcBef>
+                <a:spcPts val="0"/>
+              </a:spcBef>
+              <a:spcAft>
+                <a:spcPts val="0"/>
+              </a:spcAft>
+              <a:buClr>
+                <a:schemeClr val="accent2"/>
+              </a:buClr>
+              <a:buSzPts val="1600"/>
+              <a:buNone/>
+              <a:defRPr sz="1600">
+                <a:solidFill>
+                  <a:schemeClr val="accent2"/>
+                </a:solidFill>
+              </a:defRPr>
+            </a:lvl7pPr>
+            <a:lvl8pPr lvl="7">
+              <a:lnSpc>
+                <a:spcPct val="100000"/>
+              </a:lnSpc>
+              <a:spcBef>
+                <a:spcPts val="0"/>
+              </a:spcBef>
+              <a:spcAft>
+                <a:spcPts val="0"/>
+              </a:spcAft>
+              <a:buClr>
+                <a:schemeClr val="accent2"/>
+              </a:buClr>
+              <a:buSzPts val="1600"/>
+              <a:buNone/>
+              <a:defRPr sz="1600">
+                <a:solidFill>
+                  <a:schemeClr val="accent2"/>
+                </a:solidFill>
+              </a:defRPr>
+            </a:lvl8pPr>
+            <a:lvl9pPr lvl="8">
+              <a:lnSpc>
+                <a:spcPct val="100000"/>
+              </a:lnSpc>
+              <a:spcBef>
+                <a:spcPts val="0"/>
+              </a:spcBef>
+              <a:spcAft>
+                <a:spcPts val="0"/>
+              </a:spcAft>
+              <a:buClr>
+                <a:schemeClr val="accent2"/>
+              </a:buClr>
+              <a:buSzPts val="1600"/>
+              <a:buNone/>
+              <a:defRPr sz="1600">
+                <a:solidFill>
+                  <a:schemeClr val="accent2"/>
+                </a:solidFill>
+              </a:defRPr>
+            </a:lvl9pPr>
+          </a:lstStyle>
+          <a:p/>
+        </p:txBody>
+      </p:sp>
+      <p:sp>
+        <p:nvSpPr>
+          <p:cNvPr id="48" name="Google Shape;48;p9"/>
           <p:cNvSpPr txBox="1"/>
           <p:nvPr>
             <p:ph idx="2" type="body"/>
@@ -4331,114 +5516,114 @@
         </p:nvSpPr>
         <p:spPr>
           <a:xfrm>
-            <a:off x="4939500" y="724075"/>
-            <a:ext cx="3837000" cy="3695100"/>
+            <a:off x="4879025" y="500925"/>
+            <a:ext cx="3954000" cy="4111500"/>
           </a:xfrm>
           <a:prstGeom prst="rect">
             <a:avLst/>
           </a:prstGeom>
         </p:spPr>
         <p:txBody>
-          <a:bodyPr anchorCtr="0" anchor="ctr" bIns="91425" lIns="91425" spcFirstLastPara="1" rIns="91425" wrap="square" tIns="91425">
+          <a:bodyPr anchorCtr="0" anchor="t" bIns="91425" lIns="91425" spcFirstLastPara="1" rIns="91425" wrap="square" tIns="91425">
             <a:normAutofit/>
           </a:bodyPr>
           <a:lstStyle>
-            <a:lvl1pPr indent="-342900" lvl="0" marL="457200">
-              <a:spcBef>
-                <a:spcPts val="0"/>
-              </a:spcBef>
-              <a:spcAft>
-                <a:spcPts val="0"/>
-              </a:spcAft>
-              <a:buSzPts val="1800"/>
+            <a:lvl1pPr indent="-311150" lvl="0" marL="457200">
+              <a:spcBef>
+                <a:spcPts val="0"/>
+              </a:spcBef>
+              <a:spcAft>
+                <a:spcPts val="0"/>
+              </a:spcAft>
+              <a:buSzPts val="1300"/>
               <a:buChar char="●"/>
               <a:defRPr/>
             </a:lvl1pPr>
-            <a:lvl2pPr indent="-317500" lvl="1" marL="914400">
-              <a:spcBef>
-                <a:spcPts val="0"/>
-              </a:spcBef>
-              <a:spcAft>
-                <a:spcPts val="0"/>
-              </a:spcAft>
-              <a:buSzPts val="1400"/>
+            <a:lvl2pPr indent="-298450" lvl="1" marL="914400">
+              <a:spcBef>
+                <a:spcPts val="0"/>
+              </a:spcBef>
+              <a:spcAft>
+                <a:spcPts val="0"/>
+              </a:spcAft>
+              <a:buSzPts val="1100"/>
               <a:buChar char="○"/>
               <a:defRPr/>
             </a:lvl2pPr>
-            <a:lvl3pPr indent="-317500" lvl="2" marL="1371600">
-              <a:spcBef>
-                <a:spcPts val="0"/>
-              </a:spcBef>
-              <a:spcAft>
-                <a:spcPts val="0"/>
-              </a:spcAft>
-              <a:buSzPts val="1400"/>
+            <a:lvl3pPr indent="-298450" lvl="2" marL="1371600">
+              <a:spcBef>
+                <a:spcPts val="0"/>
+              </a:spcBef>
+              <a:spcAft>
+                <a:spcPts val="0"/>
+              </a:spcAft>
+              <a:buSzPts val="1100"/>
               <a:buChar char="■"/>
               <a:defRPr/>
             </a:lvl3pPr>
-            <a:lvl4pPr indent="-317500" lvl="3" marL="1828800">
-              <a:spcBef>
-                <a:spcPts val="0"/>
-              </a:spcBef>
-              <a:spcAft>
-                <a:spcPts val="0"/>
-              </a:spcAft>
-              <a:buSzPts val="1400"/>
+            <a:lvl4pPr indent="-298450" lvl="3" marL="1828800">
+              <a:spcBef>
+                <a:spcPts val="0"/>
+              </a:spcBef>
+              <a:spcAft>
+                <a:spcPts val="0"/>
+              </a:spcAft>
+              <a:buSzPts val="1100"/>
               <a:buChar char="●"/>
               <a:defRPr/>
             </a:lvl4pPr>
-            <a:lvl5pPr indent="-317500" lvl="4" marL="2286000">
-              <a:spcBef>
-                <a:spcPts val="0"/>
-              </a:spcBef>
-              <a:spcAft>
-                <a:spcPts val="0"/>
-              </a:spcAft>
-              <a:buSzPts val="1400"/>
+            <a:lvl5pPr indent="-298450" lvl="4" marL="2286000">
+              <a:spcBef>
+                <a:spcPts val="0"/>
+              </a:spcBef>
+              <a:spcAft>
+                <a:spcPts val="0"/>
+              </a:spcAft>
+              <a:buSzPts val="1100"/>
               <a:buChar char="○"/>
               <a:defRPr/>
             </a:lvl5pPr>
-            <a:lvl6pPr indent="-317500" lvl="5" marL="2743200">
-              <a:spcBef>
-                <a:spcPts val="0"/>
-              </a:spcBef>
-              <a:spcAft>
-                <a:spcPts val="0"/>
-              </a:spcAft>
-              <a:buSzPts val="1400"/>
+            <a:lvl6pPr indent="-298450" lvl="5" marL="2743200">
+              <a:spcBef>
+                <a:spcPts val="0"/>
+              </a:spcBef>
+              <a:spcAft>
+                <a:spcPts val="0"/>
+              </a:spcAft>
+              <a:buSzPts val="1100"/>
               <a:buChar char="■"/>
               <a:defRPr/>
             </a:lvl6pPr>
-            <a:lvl7pPr indent="-317500" lvl="6" marL="3200400">
-              <a:spcBef>
-                <a:spcPts val="0"/>
-              </a:spcBef>
-              <a:spcAft>
-                <a:spcPts val="0"/>
-              </a:spcAft>
-              <a:buSzPts val="1400"/>
+            <a:lvl7pPr indent="-298450" lvl="6" marL="3200400">
+              <a:spcBef>
+                <a:spcPts val="0"/>
+              </a:spcBef>
+              <a:spcAft>
+                <a:spcPts val="0"/>
+              </a:spcAft>
+              <a:buSzPts val="1100"/>
               <a:buChar char="●"/>
               <a:defRPr/>
             </a:lvl7pPr>
-            <a:lvl8pPr indent="-317500" lvl="7" marL="3657600">
-              <a:spcBef>
-                <a:spcPts val="0"/>
-              </a:spcBef>
-              <a:spcAft>
-                <a:spcPts val="0"/>
-              </a:spcAft>
-              <a:buSzPts val="1400"/>
+            <a:lvl8pPr indent="-298450" lvl="7" marL="3657600">
+              <a:spcBef>
+                <a:spcPts val="0"/>
+              </a:spcBef>
+              <a:spcAft>
+                <a:spcPts val="0"/>
+              </a:spcAft>
+              <a:buSzPts val="1100"/>
               <a:buChar char="○"/>
               <a:defRPr/>
             </a:lvl8pPr>
-            <a:lvl9pPr indent="-317500" lvl="8" marL="4114800">
-              <a:spcBef>
-                <a:spcPts val="0"/>
-              </a:spcBef>
-              <a:spcAft>
-                <a:spcPts val="0"/>
-              </a:spcAft>
-              <a:buSzPts val="1400"/>
+            <a:lvl9pPr indent="-298450" lvl="8" marL="4114800">
+              <a:spcBef>
+                <a:spcPts val="0"/>
+              </a:spcBef>
+              <a:spcAft>
+                <a:spcPts val="0"/>
+              </a:spcAft>
+              <a:buSzPts val="1100"/>
               <a:buChar char="■"/>
               <a:defRPr/>
             </a:lvl9pPr>
@@ -4448,7 +5633,7 @@
       </p:sp>
       <p:sp>
         <p:nvSpPr>
-          <p:cNvPr id="40" name="Google Shape;40;p9"/>
+          <p:cNvPr id="49" name="Google Shape;49;p9"/>
           <p:cNvSpPr txBox="1"/>
           <p:nvPr>
             <p:ph idx="12" type="sldNum"/>
@@ -4536,7 +5721,7 @@
   <p:cSld name="CAPTION_ONLY">
     <p:spTree>
       <p:nvGrpSpPr>
-        <p:cNvPr id="41" name="Shape 41"/>
+        <p:cNvPr id="50" name="Shape 50"/>
         <p:cNvGrpSpPr/>
         <p:nvPr/>
       </p:nvGrpSpPr>
@@ -4550,7 +5735,50 @@
       </p:grpSpPr>
       <p:sp>
         <p:nvSpPr>
-          <p:cNvPr id="42" name="Google Shape;42;p10"/>
+          <p:cNvPr id="51" name="Google Shape;51;p10"/>
+          <p:cNvSpPr/>
+          <p:nvPr/>
+        </p:nvSpPr>
+        <p:spPr>
+          <a:xfrm>
+            <a:off x="0" y="4369000"/>
+            <a:ext cx="9144000" cy="774300"/>
+          </a:xfrm>
+          <a:prstGeom prst="rect">
+            <a:avLst/>
+          </a:prstGeom>
+          <a:solidFill>
+            <a:schemeClr val="dk1"/>
+          </a:solidFill>
+          <a:ln>
+            <a:noFill/>
+          </a:ln>
+        </p:spPr>
+        <p:txBody>
+          <a:bodyPr anchorCtr="0" anchor="ctr" bIns="91425" lIns="91425" spcFirstLastPara="1" rIns="91425" wrap="square" tIns="91425">
+            <a:noAutofit/>
+          </a:bodyPr>
+          <a:lstStyle/>
+          <a:p>
+            <a:pPr indent="0" lvl="0" marL="0" rtl="0" algn="l">
+              <a:spcBef>
+                <a:spcPts val="0"/>
+              </a:spcBef>
+              <a:spcAft>
+                <a:spcPts val="0"/>
+              </a:spcAft>
+              <a:buNone/>
+            </a:pPr>
+            <a:r>
+              <a:t/>
+            </a:r>
+            <a:endParaRPr/>
+          </a:p>
+        </p:txBody>
+      </p:sp>
+      <p:sp>
+        <p:nvSpPr>
+          <p:cNvPr id="52" name="Google Shape;52;p10"/>
           <p:cNvSpPr txBox="1"/>
           <p:nvPr>
             <p:ph idx="1" type="body"/>
@@ -4558,8 +5786,8 @@
         </p:nvSpPr>
         <p:spPr>
           <a:xfrm>
-            <a:off x="311700" y="4230575"/>
-            <a:ext cx="5998800" cy="605100"/>
+            <a:off x="311700" y="4521400"/>
+            <a:ext cx="7979400" cy="460500"/>
           </a:xfrm>
           <a:prstGeom prst="rect">
             <a:avLst/>
@@ -4580,9 +5808,21 @@
               <a:spcAft>
                 <a:spcPts val="0"/>
               </a:spcAft>
-              <a:buSzPts val="1800"/>
-              <a:buNone/>
-              <a:defRPr/>
+              <a:buClr>
+                <a:schemeClr val="lt1"/>
+              </a:buClr>
+              <a:buSzPts val="1300"/>
+              <a:buFont typeface="Merriweather"/>
+              <a:buNone/>
+              <a:defRPr>
+                <a:solidFill>
+                  <a:schemeClr val="lt1"/>
+                </a:solidFill>
+                <a:latin typeface="Merriweather"/>
+                <a:ea typeface="Merriweather"/>
+                <a:cs typeface="Merriweather"/>
+                <a:sym typeface="Merriweather"/>
+              </a:defRPr>
             </a:lvl1pPr>
           </a:lstStyle>
           <a:p/>
@@ -4590,7 +5830,7 @@
       </p:sp>
       <p:sp>
         <p:nvSpPr>
-          <p:cNvPr id="43" name="Google Shape;43;p10"/>
+          <p:cNvPr id="53" name="Google Shape;53;p10"/>
           <p:cNvSpPr txBox="1"/>
           <p:nvPr>
             <p:ph idx="12" type="sldNum"/>
@@ -4612,39 +5852,75 @@
           <a:lstStyle>
             <a:lvl1pPr lvl="0">
               <a:buNone/>
-              <a:defRPr/>
+              <a:defRPr>
+                <a:solidFill>
+                  <a:schemeClr val="lt1"/>
+                </a:solidFill>
+              </a:defRPr>
             </a:lvl1pPr>
             <a:lvl2pPr lvl="1">
               <a:buNone/>
-              <a:defRPr/>
+              <a:defRPr>
+                <a:solidFill>
+                  <a:schemeClr val="lt1"/>
+                </a:solidFill>
+              </a:defRPr>
             </a:lvl2pPr>
             <a:lvl3pPr lvl="2">
               <a:buNone/>
-              <a:defRPr/>
+              <a:defRPr>
+                <a:solidFill>
+                  <a:schemeClr val="lt1"/>
+                </a:solidFill>
+              </a:defRPr>
             </a:lvl3pPr>
             <a:lvl4pPr lvl="3">
               <a:buNone/>
-              <a:defRPr/>
+              <a:defRPr>
+                <a:solidFill>
+                  <a:schemeClr val="lt1"/>
+                </a:solidFill>
+              </a:defRPr>
             </a:lvl4pPr>
             <a:lvl5pPr lvl="4">
               <a:buNone/>
-              <a:defRPr/>
+              <a:defRPr>
+                <a:solidFill>
+                  <a:schemeClr val="lt1"/>
+                </a:solidFill>
+              </a:defRPr>
             </a:lvl5pPr>
             <a:lvl6pPr lvl="5">
               <a:buNone/>
-              <a:defRPr/>
+              <a:defRPr>
+                <a:solidFill>
+                  <a:schemeClr val="lt1"/>
+                </a:solidFill>
+              </a:defRPr>
             </a:lvl6pPr>
             <a:lvl7pPr lvl="6">
               <a:buNone/>
-              <a:defRPr/>
+              <a:defRPr>
+                <a:solidFill>
+                  <a:schemeClr val="lt1"/>
+                </a:solidFill>
+              </a:defRPr>
             </a:lvl7pPr>
             <a:lvl8pPr lvl="7">
               <a:buNone/>
-              <a:defRPr/>
+              <a:defRPr>
+                <a:solidFill>
+                  <a:schemeClr val="lt1"/>
+                </a:solidFill>
+              </a:defRPr>
             </a:lvl8pPr>
             <a:lvl9pPr lvl="8">
               <a:buNone/>
-              <a:defRPr/>
+              <a:defRPr>
+                <a:solidFill>
+                  <a:schemeClr val="lt1"/>
+                </a:solidFill>
+              </a:defRPr>
             </a:lvl9pPr>
           </a:lstStyle>
           <a:p>
@@ -4675,7 +5951,7 @@
 
 <file path=ppt/slideMasters/slideMaster1.xml><?xml version="1.0" encoding="utf-8"?>
 <p:sldMaster xmlns:a="http://schemas.openxmlformats.org/drawingml/2006/main" xmlns:r="http://schemas.openxmlformats.org/officeDocument/2006/relationships" xmlns:mc="http://schemas.openxmlformats.org/markup-compatibility/2006" xmlns:mv="urn:schemas-microsoft-com:mac:vml" xmlns:p="http://schemas.openxmlformats.org/presentationml/2006/main" xmlns:c="http://schemas.openxmlformats.org/drawingml/2006/chart" xmlns:dgm="http://schemas.openxmlformats.org/drawingml/2006/diagram" xmlns:o="urn:schemas-microsoft-com:office:office" xmlns:v="urn:schemas-microsoft-com:vml" xmlns:pvml="urn:schemas-microsoft-com:office:powerpoint" xmlns:com="http://schemas.openxmlformats.org/drawingml/2006/compatibility" xmlns:p14="http://schemas.microsoft.com/office/powerpoint/2010/main" xmlns:p15="http://schemas.microsoft.com/office/powerpoint/2012/main" xmlns:ahyp="http://schemas.microsoft.com/office/drawing/2018/hyperlinkcolor">
-  <p:cSld name="simple-light-2">
+  <p:cSld name="paradigm">
     <p:bg>
       <p:bgPr>
         <a:solidFill>
@@ -4731,14 +6007,19 @@
                 <a:spcPts val="0"/>
               </a:spcAft>
               <a:buClr>
-                <a:schemeClr val="dk1"/>
+                <a:schemeClr val="accent1"/>
               </a:buClr>
               <a:buSzPts val="2800"/>
+              <a:buFont typeface="Merriweather"/>
               <a:buNone/>
               <a:defRPr sz="2800">
                 <a:solidFill>
-                  <a:schemeClr val="dk1"/>
-                </a:solidFill>
+                  <a:schemeClr val="accent1"/>
+                </a:solidFill>
+                <a:latin typeface="Merriweather"/>
+                <a:ea typeface="Merriweather"/>
+                <a:cs typeface="Merriweather"/>
+                <a:sym typeface="Merriweather"/>
               </a:defRPr>
             </a:lvl1pPr>
             <a:lvl2pPr lvl="1">
@@ -4749,14 +6030,19 @@
                 <a:spcPts val="0"/>
               </a:spcAft>
               <a:buClr>
-                <a:schemeClr val="dk1"/>
+                <a:schemeClr val="accent1"/>
               </a:buClr>
               <a:buSzPts val="2800"/>
+              <a:buFont typeface="Merriweather"/>
               <a:buNone/>
               <a:defRPr sz="2800">
                 <a:solidFill>
-                  <a:schemeClr val="dk1"/>
-                </a:solidFill>
+                  <a:schemeClr val="accent1"/>
+                </a:solidFill>
+                <a:latin typeface="Merriweather"/>
+                <a:ea typeface="Merriweather"/>
+                <a:cs typeface="Merriweather"/>
+                <a:sym typeface="Merriweather"/>
               </a:defRPr>
             </a:lvl2pPr>
             <a:lvl3pPr lvl="2">
@@ -4767,14 +6053,19 @@
                 <a:spcPts val="0"/>
               </a:spcAft>
               <a:buClr>
-                <a:schemeClr val="dk1"/>
+                <a:schemeClr val="accent1"/>
               </a:buClr>
               <a:buSzPts val="2800"/>
+              <a:buFont typeface="Merriweather"/>
               <a:buNone/>
               <a:defRPr sz="2800">
                 <a:solidFill>
-                  <a:schemeClr val="dk1"/>
-                </a:solidFill>
+                  <a:schemeClr val="accent1"/>
+                </a:solidFill>
+                <a:latin typeface="Merriweather"/>
+                <a:ea typeface="Merriweather"/>
+                <a:cs typeface="Merriweather"/>
+                <a:sym typeface="Merriweather"/>
               </a:defRPr>
             </a:lvl3pPr>
             <a:lvl4pPr lvl="3">
@@ -4785,14 +6076,19 @@
                 <a:spcPts val="0"/>
               </a:spcAft>
               <a:buClr>
-                <a:schemeClr val="dk1"/>
+                <a:schemeClr val="accent1"/>
               </a:buClr>
               <a:buSzPts val="2800"/>
+              <a:buFont typeface="Merriweather"/>
               <a:buNone/>
               <a:defRPr sz="2800">
                 <a:solidFill>
-                  <a:schemeClr val="dk1"/>
-                </a:solidFill>
+                  <a:schemeClr val="accent1"/>
+                </a:solidFill>
+                <a:latin typeface="Merriweather"/>
+                <a:ea typeface="Merriweather"/>
+                <a:cs typeface="Merriweather"/>
+                <a:sym typeface="Merriweather"/>
               </a:defRPr>
             </a:lvl4pPr>
             <a:lvl5pPr lvl="4">
@@ -4803,14 +6099,19 @@
                 <a:spcPts val="0"/>
               </a:spcAft>
               <a:buClr>
-                <a:schemeClr val="dk1"/>
+                <a:schemeClr val="accent1"/>
               </a:buClr>
               <a:buSzPts val="2800"/>
+              <a:buFont typeface="Merriweather"/>
               <a:buNone/>
               <a:defRPr sz="2800">
                 <a:solidFill>
-                  <a:schemeClr val="dk1"/>
-                </a:solidFill>
+                  <a:schemeClr val="accent1"/>
+                </a:solidFill>
+                <a:latin typeface="Merriweather"/>
+                <a:ea typeface="Merriweather"/>
+                <a:cs typeface="Merriweather"/>
+                <a:sym typeface="Merriweather"/>
               </a:defRPr>
             </a:lvl5pPr>
             <a:lvl6pPr lvl="5">
@@ -4821,14 +6122,19 @@
                 <a:spcPts val="0"/>
               </a:spcAft>
               <a:buClr>
-                <a:schemeClr val="dk1"/>
+                <a:schemeClr val="accent1"/>
               </a:buClr>
               <a:buSzPts val="2800"/>
+              <a:buFont typeface="Merriweather"/>
               <a:buNone/>
               <a:defRPr sz="2800">
                 <a:solidFill>
-                  <a:schemeClr val="dk1"/>
-                </a:solidFill>
+                  <a:schemeClr val="accent1"/>
+                </a:solidFill>
+                <a:latin typeface="Merriweather"/>
+                <a:ea typeface="Merriweather"/>
+                <a:cs typeface="Merriweather"/>
+                <a:sym typeface="Merriweather"/>
               </a:defRPr>
             </a:lvl6pPr>
             <a:lvl7pPr lvl="6">
@@ -4839,14 +6145,19 @@
                 <a:spcPts val="0"/>
               </a:spcAft>
               <a:buClr>
-                <a:schemeClr val="dk1"/>
+                <a:schemeClr val="accent1"/>
               </a:buClr>
               <a:buSzPts val="2800"/>
+              <a:buFont typeface="Merriweather"/>
               <a:buNone/>
               <a:defRPr sz="2800">
                 <a:solidFill>
-                  <a:schemeClr val="dk1"/>
-                </a:solidFill>
+                  <a:schemeClr val="accent1"/>
+                </a:solidFill>
+                <a:latin typeface="Merriweather"/>
+                <a:ea typeface="Merriweather"/>
+                <a:cs typeface="Merriweather"/>
+                <a:sym typeface="Merriweather"/>
               </a:defRPr>
             </a:lvl7pPr>
             <a:lvl8pPr lvl="7">
@@ -4857,14 +6168,19 @@
                 <a:spcPts val="0"/>
               </a:spcAft>
               <a:buClr>
-                <a:schemeClr val="dk1"/>
+                <a:schemeClr val="accent1"/>
               </a:buClr>
               <a:buSzPts val="2800"/>
+              <a:buFont typeface="Merriweather"/>
               <a:buNone/>
               <a:defRPr sz="2800">
                 <a:solidFill>
-                  <a:schemeClr val="dk1"/>
-                </a:solidFill>
+                  <a:schemeClr val="accent1"/>
+                </a:solidFill>
+                <a:latin typeface="Merriweather"/>
+                <a:ea typeface="Merriweather"/>
+                <a:cs typeface="Merriweather"/>
+                <a:sym typeface="Merriweather"/>
               </a:defRPr>
             </a:lvl8pPr>
             <a:lvl9pPr lvl="8">
@@ -4875,14 +6191,19 @@
                 <a:spcPts val="0"/>
               </a:spcAft>
               <a:buClr>
-                <a:schemeClr val="dk1"/>
+                <a:schemeClr val="accent1"/>
               </a:buClr>
               <a:buSzPts val="2800"/>
+              <a:buFont typeface="Merriweather"/>
               <a:buNone/>
               <a:defRPr sz="2800">
                 <a:solidFill>
-                  <a:schemeClr val="dk1"/>
-                </a:solidFill>
+                  <a:schemeClr val="accent1"/>
+                </a:solidFill>
+                <a:latin typeface="Merriweather"/>
+                <a:ea typeface="Merriweather"/>
+                <a:cs typeface="Merriweather"/>
+                <a:sym typeface="Merriweather"/>
               </a:defRPr>
             </a:lvl9pPr>
           </a:lstStyle>
@@ -4915,7 +6236,7 @@
             <a:normAutofit/>
           </a:bodyPr>
           <a:lstStyle>
-            <a:lvl1pPr indent="-342900" lvl="0" marL="457200">
+            <a:lvl1pPr indent="-311150" lvl="0" marL="457200">
               <a:lnSpc>
                 <a:spcPct val="115000"/>
               </a:lnSpc>
@@ -4928,15 +6249,20 @@
               <a:buClr>
                 <a:schemeClr val="dk2"/>
               </a:buClr>
-              <a:buSzPts val="1800"/>
+              <a:buSzPts val="1300"/>
+              <a:buFont typeface="Roboto"/>
               <a:buChar char="●"/>
-              <a:defRPr sz="1800">
+              <a:defRPr sz="1300">
                 <a:solidFill>
                   <a:schemeClr val="dk2"/>
                 </a:solidFill>
+                <a:latin typeface="Roboto"/>
+                <a:ea typeface="Roboto"/>
+                <a:cs typeface="Roboto"/>
+                <a:sym typeface="Roboto"/>
               </a:defRPr>
             </a:lvl1pPr>
-            <a:lvl2pPr indent="-317500" lvl="1" marL="914400">
+            <a:lvl2pPr indent="-298450" lvl="1" marL="914400">
               <a:lnSpc>
                 <a:spcPct val="115000"/>
               </a:lnSpc>
@@ -4949,15 +6275,20 @@
               <a:buClr>
                 <a:schemeClr val="dk2"/>
               </a:buClr>
-              <a:buSzPts val="1400"/>
+              <a:buSzPts val="1100"/>
+              <a:buFont typeface="Roboto"/>
               <a:buChar char="○"/>
-              <a:defRPr>
+              <a:defRPr sz="1100">
                 <a:solidFill>
                   <a:schemeClr val="dk2"/>
                 </a:solidFill>
+                <a:latin typeface="Roboto"/>
+                <a:ea typeface="Roboto"/>
+                <a:cs typeface="Roboto"/>
+                <a:sym typeface="Roboto"/>
               </a:defRPr>
             </a:lvl2pPr>
-            <a:lvl3pPr indent="-317500" lvl="2" marL="1371600">
+            <a:lvl3pPr indent="-298450" lvl="2" marL="1371600">
               <a:lnSpc>
                 <a:spcPct val="115000"/>
               </a:lnSpc>
@@ -4970,15 +6301,20 @@
               <a:buClr>
                 <a:schemeClr val="dk2"/>
               </a:buClr>
-              <a:buSzPts val="1400"/>
+              <a:buSzPts val="1100"/>
+              <a:buFont typeface="Roboto"/>
               <a:buChar char="■"/>
-              <a:defRPr>
+              <a:defRPr sz="1100">
                 <a:solidFill>
                   <a:schemeClr val="dk2"/>
                 </a:solidFill>
+                <a:latin typeface="Roboto"/>
+                <a:ea typeface="Roboto"/>
+                <a:cs typeface="Roboto"/>
+                <a:sym typeface="Roboto"/>
               </a:defRPr>
             </a:lvl3pPr>
-            <a:lvl4pPr indent="-317500" lvl="3" marL="1828800">
+            <a:lvl4pPr indent="-298450" lvl="3" marL="1828800">
               <a:lnSpc>
                 <a:spcPct val="115000"/>
               </a:lnSpc>
@@ -4991,15 +6327,20 @@
               <a:buClr>
                 <a:schemeClr val="dk2"/>
               </a:buClr>
-              <a:buSzPts val="1400"/>
+              <a:buSzPts val="1100"/>
+              <a:buFont typeface="Roboto"/>
               <a:buChar char="●"/>
-              <a:defRPr>
+              <a:defRPr sz="1100">
                 <a:solidFill>
                   <a:schemeClr val="dk2"/>
                 </a:solidFill>
+                <a:latin typeface="Roboto"/>
+                <a:ea typeface="Roboto"/>
+                <a:cs typeface="Roboto"/>
+                <a:sym typeface="Roboto"/>
               </a:defRPr>
             </a:lvl4pPr>
-            <a:lvl5pPr indent="-317500" lvl="4" marL="2286000">
+            <a:lvl5pPr indent="-298450" lvl="4" marL="2286000">
               <a:lnSpc>
                 <a:spcPct val="115000"/>
               </a:lnSpc>
@@ -5012,15 +6353,20 @@
               <a:buClr>
                 <a:schemeClr val="dk2"/>
               </a:buClr>
-              <a:buSzPts val="1400"/>
+              <a:buSzPts val="1100"/>
+              <a:buFont typeface="Roboto"/>
               <a:buChar char="○"/>
-              <a:defRPr>
+              <a:defRPr sz="1100">
                 <a:solidFill>
                   <a:schemeClr val="dk2"/>
                 </a:solidFill>
+                <a:latin typeface="Roboto"/>
+                <a:ea typeface="Roboto"/>
+                <a:cs typeface="Roboto"/>
+                <a:sym typeface="Roboto"/>
               </a:defRPr>
             </a:lvl5pPr>
-            <a:lvl6pPr indent="-317500" lvl="5" marL="2743200">
+            <a:lvl6pPr indent="-298450" lvl="5" marL="2743200">
               <a:lnSpc>
                 <a:spcPct val="115000"/>
               </a:lnSpc>
@@ -5033,15 +6379,20 @@
               <a:buClr>
                 <a:schemeClr val="dk2"/>
               </a:buClr>
-              <a:buSzPts val="1400"/>
+              <a:buSzPts val="1100"/>
+              <a:buFont typeface="Roboto"/>
               <a:buChar char="■"/>
-              <a:defRPr>
+              <a:defRPr sz="1100">
                 <a:solidFill>
                   <a:schemeClr val="dk2"/>
                 </a:solidFill>
+                <a:latin typeface="Roboto"/>
+                <a:ea typeface="Roboto"/>
+                <a:cs typeface="Roboto"/>
+                <a:sym typeface="Roboto"/>
               </a:defRPr>
             </a:lvl6pPr>
-            <a:lvl7pPr indent="-317500" lvl="6" marL="3200400">
+            <a:lvl7pPr indent="-298450" lvl="6" marL="3200400">
               <a:lnSpc>
                 <a:spcPct val="115000"/>
               </a:lnSpc>
@@ -5054,15 +6405,20 @@
               <a:buClr>
                 <a:schemeClr val="dk2"/>
               </a:buClr>
-              <a:buSzPts val="1400"/>
+              <a:buSzPts val="1100"/>
+              <a:buFont typeface="Roboto"/>
               <a:buChar char="●"/>
-              <a:defRPr>
+              <a:defRPr sz="1100">
                 <a:solidFill>
                   <a:schemeClr val="dk2"/>
                 </a:solidFill>
+                <a:latin typeface="Roboto"/>
+                <a:ea typeface="Roboto"/>
+                <a:cs typeface="Roboto"/>
+                <a:sym typeface="Roboto"/>
               </a:defRPr>
             </a:lvl7pPr>
-            <a:lvl8pPr indent="-317500" lvl="7" marL="3657600">
+            <a:lvl8pPr indent="-298450" lvl="7" marL="3657600">
               <a:lnSpc>
                 <a:spcPct val="115000"/>
               </a:lnSpc>
@@ -5075,15 +6431,20 @@
               <a:buClr>
                 <a:schemeClr val="dk2"/>
               </a:buClr>
-              <a:buSzPts val="1400"/>
+              <a:buSzPts val="1100"/>
+              <a:buFont typeface="Roboto"/>
               <a:buChar char="○"/>
-              <a:defRPr>
+              <a:defRPr sz="1100">
                 <a:solidFill>
                   <a:schemeClr val="dk2"/>
                 </a:solidFill>
+                <a:latin typeface="Roboto"/>
+                <a:ea typeface="Roboto"/>
+                <a:cs typeface="Roboto"/>
+                <a:sym typeface="Roboto"/>
               </a:defRPr>
             </a:lvl8pPr>
-            <a:lvl9pPr indent="-317500" lvl="8" marL="4114800">
+            <a:lvl9pPr indent="-298450" lvl="8" marL="4114800">
               <a:lnSpc>
                 <a:spcPct val="115000"/>
               </a:lnSpc>
@@ -5096,12 +6457,17 @@
               <a:buClr>
                 <a:schemeClr val="dk2"/>
               </a:buClr>
-              <a:buSzPts val="1400"/>
+              <a:buSzPts val="1100"/>
+              <a:buFont typeface="Roboto"/>
               <a:buChar char="■"/>
-              <a:defRPr>
+              <a:defRPr sz="1100">
                 <a:solidFill>
                   <a:schemeClr val="dk2"/>
                 </a:solidFill>
+                <a:latin typeface="Roboto"/>
+                <a:ea typeface="Roboto"/>
+                <a:cs typeface="Roboto"/>
+                <a:sym typeface="Roboto"/>
               </a:defRPr>
             </a:lvl9pPr>
           </a:lstStyle>
@@ -5140,6 +6506,10 @@
                 <a:solidFill>
                   <a:schemeClr val="dk2"/>
                 </a:solidFill>
+                <a:latin typeface="Roboto"/>
+                <a:ea typeface="Roboto"/>
+                <a:cs typeface="Roboto"/>
+                <a:sym typeface="Roboto"/>
               </a:defRPr>
             </a:lvl1pPr>
             <a:lvl2pPr lvl="1" algn="r">
@@ -5148,6 +6518,10 @@
                 <a:solidFill>
                   <a:schemeClr val="dk2"/>
                 </a:solidFill>
+                <a:latin typeface="Roboto"/>
+                <a:ea typeface="Roboto"/>
+                <a:cs typeface="Roboto"/>
+                <a:sym typeface="Roboto"/>
               </a:defRPr>
             </a:lvl2pPr>
             <a:lvl3pPr lvl="2" algn="r">
@@ -5156,6 +6530,10 @@
                 <a:solidFill>
                   <a:schemeClr val="dk2"/>
                 </a:solidFill>
+                <a:latin typeface="Roboto"/>
+                <a:ea typeface="Roboto"/>
+                <a:cs typeface="Roboto"/>
+                <a:sym typeface="Roboto"/>
               </a:defRPr>
             </a:lvl3pPr>
             <a:lvl4pPr lvl="3" algn="r">
@@ -5164,6 +6542,10 @@
                 <a:solidFill>
                   <a:schemeClr val="dk2"/>
                 </a:solidFill>
+                <a:latin typeface="Roboto"/>
+                <a:ea typeface="Roboto"/>
+                <a:cs typeface="Roboto"/>
+                <a:sym typeface="Roboto"/>
               </a:defRPr>
             </a:lvl4pPr>
             <a:lvl5pPr lvl="4" algn="r">
@@ -5172,6 +6554,10 @@
                 <a:solidFill>
                   <a:schemeClr val="dk2"/>
                 </a:solidFill>
+                <a:latin typeface="Roboto"/>
+                <a:ea typeface="Roboto"/>
+                <a:cs typeface="Roboto"/>
+                <a:sym typeface="Roboto"/>
               </a:defRPr>
             </a:lvl5pPr>
             <a:lvl6pPr lvl="5" algn="r">
@@ -5180,6 +6566,10 @@
                 <a:solidFill>
                   <a:schemeClr val="dk2"/>
                 </a:solidFill>
+                <a:latin typeface="Roboto"/>
+                <a:ea typeface="Roboto"/>
+                <a:cs typeface="Roboto"/>
+                <a:sym typeface="Roboto"/>
               </a:defRPr>
             </a:lvl6pPr>
             <a:lvl7pPr lvl="6" algn="r">
@@ -5188,6 +6578,10 @@
                 <a:solidFill>
                   <a:schemeClr val="dk2"/>
                 </a:solidFill>
+                <a:latin typeface="Roboto"/>
+                <a:ea typeface="Roboto"/>
+                <a:cs typeface="Roboto"/>
+                <a:sym typeface="Roboto"/>
               </a:defRPr>
             </a:lvl7pPr>
             <a:lvl8pPr lvl="7" algn="r">
@@ -5196,6 +6590,10 @@
                 <a:solidFill>
                   <a:schemeClr val="dk2"/>
                 </a:solidFill>
+                <a:latin typeface="Roboto"/>
+                <a:ea typeface="Roboto"/>
+                <a:cs typeface="Roboto"/>
+                <a:sym typeface="Roboto"/>
               </a:defRPr>
             </a:lvl8pPr>
             <a:lvl9pPr lvl="8" algn="r">
@@ -5204,6 +6602,10 @@
                 <a:solidFill>
                   <a:schemeClr val="dk2"/>
                 </a:solidFill>
+                <a:latin typeface="Roboto"/>
+                <a:ea typeface="Roboto"/>
+                <a:cs typeface="Roboto"/>
+                <a:sym typeface="Roboto"/>
               </a:defRPr>
             </a:lvl9pPr>
           </a:lstStyle>
@@ -5939,7 +7341,7 @@
   <p:cSld>
     <p:spTree>
       <p:nvGrpSpPr>
-        <p:cNvPr id="53" name="Shape 53"/>
+        <p:cNvPr id="63" name="Shape 63"/>
         <p:cNvGrpSpPr/>
         <p:nvPr/>
       </p:nvGrpSpPr>
@@ -5953,7 +7355,7 @@
       </p:grpSpPr>
       <p:sp>
         <p:nvSpPr>
-          <p:cNvPr id="54" name="Google Shape;54;p13"/>
+          <p:cNvPr id="64" name="Google Shape;64;p13"/>
           <p:cNvSpPr txBox="1"/>
           <p:nvPr>
             <p:ph type="ctrTitle"/>
@@ -5961,20 +7363,20 @@
         </p:nvSpPr>
         <p:spPr>
           <a:xfrm>
-            <a:off x="311708" y="744575"/>
-            <a:ext cx="8520600" cy="2052600"/>
+            <a:off x="311700" y="539725"/>
+            <a:ext cx="8520600" cy="1282500"/>
           </a:xfrm>
           <a:prstGeom prst="rect">
             <a:avLst/>
           </a:prstGeom>
         </p:spPr>
         <p:txBody>
-          <a:bodyPr anchorCtr="0" anchor="b" bIns="91425" lIns="91425" spcFirstLastPara="1" rIns="91425" wrap="square" tIns="91425">
+          <a:bodyPr anchorCtr="0" anchor="t" bIns="91425" lIns="91425" spcFirstLastPara="1" rIns="91425" wrap="square" tIns="91425">
             <a:noAutofit/>
           </a:bodyPr>
           <a:lstStyle/>
           <a:p>
-            <a:pPr indent="0" lvl="0" marL="0" rtl="0" algn="ctr">
+            <a:pPr indent="0" lvl="0" marL="0" rtl="0" algn="l">
               <a:spcBef>
                 <a:spcPts val="0"/>
               </a:spcBef>
@@ -5997,7 +7399,7 @@
       </p:sp>
       <p:sp>
         <p:nvSpPr>
-          <p:cNvPr id="55" name="Google Shape;55;p13"/>
+          <p:cNvPr id="65" name="Google Shape;65;p13"/>
           <p:cNvSpPr txBox="1"/>
           <p:nvPr>
             <p:ph idx="1" type="subTitle"/>
@@ -6005,8 +7407,8 @@
         </p:nvSpPr>
         <p:spPr>
           <a:xfrm>
-            <a:off x="443400" y="2797175"/>
-            <a:ext cx="8257200" cy="560100"/>
+            <a:off x="1995150" y="1555125"/>
+            <a:ext cx="5153700" cy="560100"/>
           </a:xfrm>
           <a:prstGeom prst="rect">
             <a:avLst/>
@@ -6018,7 +7420,7 @@
           </a:bodyPr>
           <a:lstStyle/>
           <a:p>
-            <a:pPr indent="0" lvl="0" marL="0" rtl="0" algn="ctr">
+            <a:pPr indent="0" lvl="0" marL="0" rtl="0" algn="l">
               <a:spcBef>
                 <a:spcPts val="0"/>
               </a:spcBef>
@@ -6033,7 +7435,7 @@
                   <a:schemeClr val="dk1"/>
                 </a:solidFill>
               </a:rPr>
-              <a:t>Elgin Li and William Trantan</a:t>
+              <a:t>By Elgin Li and William Trantan</a:t>
             </a:r>
             <a:endParaRPr/>
           </a:p>
@@ -6052,7 +7454,7 @@
   <p:cSld>
     <p:spTree>
       <p:nvGrpSpPr>
-        <p:cNvPr id="59" name="Shape 59"/>
+        <p:cNvPr id="69" name="Shape 69"/>
         <p:cNvGrpSpPr/>
         <p:nvPr/>
       </p:nvGrpSpPr>
@@ -6066,7 +7468,7 @@
       </p:grpSpPr>
       <p:sp>
         <p:nvSpPr>
-          <p:cNvPr id="60" name="Google Shape;60;p14"/>
+          <p:cNvPr id="70" name="Google Shape;70;p14"/>
           <p:cNvSpPr txBox="1"/>
           <p:nvPr>
             <p:ph type="title"/>
@@ -6074,8 +7476,8 @@
         </p:nvSpPr>
         <p:spPr>
           <a:xfrm>
-            <a:off x="311700" y="445025"/>
-            <a:ext cx="8520600" cy="572700"/>
+            <a:off x="311725" y="500925"/>
+            <a:ext cx="3706500" cy="2508900"/>
           </a:xfrm>
           <a:prstGeom prst="rect">
             <a:avLst/>
@@ -6083,7 +7485,7 @@
         </p:spPr>
         <p:txBody>
           <a:bodyPr anchorCtr="0" anchor="t" bIns="91425" lIns="91425" spcFirstLastPara="1" rIns="91425" wrap="square" tIns="91425">
-            <a:normAutofit fontScale="90000"/>
+            <a:normAutofit/>
           </a:bodyPr>
           <a:lstStyle/>
           <a:p>
@@ -6106,7 +7508,7 @@
       </p:sp>
       <p:sp>
         <p:nvSpPr>
-          <p:cNvPr id="61" name="Google Shape;61;p14"/>
+          <p:cNvPr id="71" name="Google Shape;71;p14"/>
           <p:cNvSpPr txBox="1"/>
           <p:nvPr>
             <p:ph idx="1" type="body"/>
@@ -6114,8 +7516,8 @@
         </p:nvSpPr>
         <p:spPr>
           <a:xfrm>
-            <a:off x="227900" y="1142000"/>
-            <a:ext cx="8520600" cy="3416400"/>
+            <a:off x="4436300" y="500925"/>
+            <a:ext cx="4312200" cy="4057500"/>
           </a:xfrm>
           <a:prstGeom prst="rect">
             <a:avLst/>
@@ -6127,7 +7529,7 @@
           </a:bodyPr>
           <a:lstStyle/>
           <a:p>
-            <a:pPr indent="-342900" lvl="0" marL="457200" rtl="0" algn="l">
+            <a:pPr indent="-311150" lvl="0" marL="457200" rtl="0" algn="l">
               <a:spcBef>
                 <a:spcPts val="0"/>
               </a:spcBef>
@@ -6137,7 +7539,7 @@
               <a:buClr>
                 <a:schemeClr val="dk1"/>
               </a:buClr>
-              <a:buSzPts val="1800"/>
+              <a:buSzPts val="1300"/>
               <a:buChar char="●"/>
             </a:pPr>
             <a:r>
@@ -6155,7 +7557,7 @@
             </a:endParaRPr>
           </a:p>
           <a:p>
-            <a:pPr indent="-342900" lvl="0" marL="457200" rtl="0" algn="l">
+            <a:pPr indent="-311150" lvl="0" marL="457200" rtl="0" algn="l">
               <a:spcBef>
                 <a:spcPts val="0"/>
               </a:spcBef>
@@ -6165,7 +7567,7 @@
               <a:buClr>
                 <a:schemeClr val="dk1"/>
               </a:buClr>
-              <a:buSzPts val="1800"/>
+              <a:buSzPts val="1300"/>
               <a:buChar char="●"/>
             </a:pPr>
             <a:r>
@@ -6191,7 +7593,7 @@
             </a:endParaRPr>
           </a:p>
           <a:p>
-            <a:pPr indent="-342900" lvl="0" marL="457200" rtl="0" algn="l">
+            <a:pPr indent="-311150" lvl="0" marL="457200" rtl="0" algn="l">
               <a:spcBef>
                 <a:spcPts val="0"/>
               </a:spcBef>
@@ -6201,7 +7603,7 @@
               <a:buClr>
                 <a:schemeClr val="dk1"/>
               </a:buClr>
-              <a:buSzPts val="1800"/>
+              <a:buSzPts val="1300"/>
               <a:buChar char="●"/>
             </a:pPr>
             <a:r>
@@ -6267,7 +7669,7 @@
   <p:cSld>
     <p:spTree>
       <p:nvGrpSpPr>
-        <p:cNvPr id="65" name="Shape 65"/>
+        <p:cNvPr id="75" name="Shape 75"/>
         <p:cNvGrpSpPr/>
         <p:nvPr/>
       </p:nvGrpSpPr>
@@ -6281,7 +7683,7 @@
       </p:grpSpPr>
       <p:sp>
         <p:nvSpPr>
-          <p:cNvPr id="66" name="Google Shape;66;p15"/>
+          <p:cNvPr id="76" name="Google Shape;76;p15"/>
           <p:cNvSpPr txBox="1"/>
           <p:nvPr>
             <p:ph type="title"/>
@@ -6289,8 +7691,8 @@
         </p:nvSpPr>
         <p:spPr>
           <a:xfrm>
-            <a:off x="311700" y="445025"/>
-            <a:ext cx="8520600" cy="572700"/>
+            <a:off x="311725" y="500925"/>
+            <a:ext cx="3706500" cy="2508900"/>
           </a:xfrm>
           <a:prstGeom prst="rect">
             <a:avLst/>
@@ -6298,7 +7700,7 @@
         </p:spPr>
         <p:txBody>
           <a:bodyPr anchorCtr="0" anchor="t" bIns="91425" lIns="91425" spcFirstLastPara="1" rIns="91425" wrap="square" tIns="91425">
-            <a:normAutofit fontScale="90000"/>
+            <a:normAutofit/>
           </a:bodyPr>
           <a:lstStyle/>
           <a:p>
@@ -6321,7 +7723,7 @@
       </p:sp>
       <p:sp>
         <p:nvSpPr>
-          <p:cNvPr id="67" name="Google Shape;67;p15"/>
+          <p:cNvPr id="77" name="Google Shape;77;p15"/>
           <p:cNvSpPr txBox="1"/>
           <p:nvPr>
             <p:ph idx="1" type="body"/>
@@ -6329,8 +7731,8 @@
         </p:nvSpPr>
         <p:spPr>
           <a:xfrm>
-            <a:off x="311700" y="1152475"/>
-            <a:ext cx="8520600" cy="3416400"/>
+            <a:off x="4644675" y="500925"/>
+            <a:ext cx="4166400" cy="4098600"/>
           </a:xfrm>
           <a:prstGeom prst="rect">
             <a:avLst/>
@@ -6342,7 +7744,7 @@
           </a:bodyPr>
           <a:lstStyle/>
           <a:p>
-            <a:pPr indent="-342900" lvl="0" marL="457200" rtl="0" algn="l">
+            <a:pPr indent="-311150" lvl="0" marL="457200" rtl="0" algn="l">
               <a:spcBef>
                 <a:spcPts val="0"/>
               </a:spcBef>
@@ -6352,7 +7754,7 @@
               <a:buClr>
                 <a:schemeClr val="dk1"/>
               </a:buClr>
-              <a:buSzPts val="1800"/>
+              <a:buSzPts val="1300"/>
               <a:buChar char="●"/>
             </a:pPr>
             <a:r>
@@ -6370,7 +7772,7 @@
             </a:endParaRPr>
           </a:p>
           <a:p>
-            <a:pPr indent="-342900" lvl="0" marL="457200" rtl="0" algn="l">
+            <a:pPr indent="-311150" lvl="0" marL="457200" rtl="0" algn="l">
               <a:spcBef>
                 <a:spcPts val="0"/>
               </a:spcBef>
@@ -6380,7 +7782,7 @@
               <a:buClr>
                 <a:schemeClr val="dk1"/>
               </a:buClr>
-              <a:buSzPts val="1800"/>
+              <a:buSzPts val="1300"/>
               <a:buChar char="●"/>
             </a:pPr>
             <a:r>
@@ -6389,7 +7791,7 @@
                   <a:schemeClr val="dk1"/>
                 </a:solidFill>
               </a:rPr>
-              <a:t>Customer can purchase products and view its shipping information</a:t>
+              <a:t>Customer can order products and view its shipping information</a:t>
             </a:r>
             <a:endParaRPr>
               <a:solidFill>
@@ -6398,7 +7800,7 @@
             </a:endParaRPr>
           </a:p>
           <a:p>
-            <a:pPr indent="-342900" lvl="0" marL="457200" rtl="0" algn="l">
+            <a:pPr indent="-311150" lvl="0" marL="457200" rtl="0" algn="l">
               <a:spcBef>
                 <a:spcPts val="0"/>
               </a:spcBef>
@@ -6408,7 +7810,7 @@
               <a:buClr>
                 <a:schemeClr val="dk1"/>
               </a:buClr>
-              <a:buSzPts val="1800"/>
+              <a:buSzPts val="1300"/>
               <a:buChar char="●"/>
             </a:pPr>
             <a:r>
@@ -6417,7 +7819,7 @@
                   <a:schemeClr val="dk1"/>
                 </a:solidFill>
               </a:rPr>
-              <a:t>Staff can update the inventory</a:t>
+              <a:t>Staff can update and delete the inventory</a:t>
             </a:r>
             <a:endParaRPr>
               <a:solidFill>
@@ -6426,7 +7828,7 @@
             </a:endParaRPr>
           </a:p>
           <a:p>
-            <a:pPr indent="-342900" lvl="0" marL="457200" rtl="0" algn="l">
+            <a:pPr indent="-311150" lvl="0" marL="457200" rtl="0" algn="l">
               <a:spcBef>
                 <a:spcPts val="0"/>
               </a:spcBef>
@@ -6436,7 +7838,7 @@
               <a:buClr>
                 <a:schemeClr val="dk1"/>
               </a:buClr>
-              <a:buSzPts val="1800"/>
+              <a:buSzPts val="1300"/>
               <a:buChar char="●"/>
             </a:pPr>
             <a:r>
@@ -6445,7 +7847,7 @@
                   <a:schemeClr val="dk1"/>
                 </a:solidFill>
               </a:rPr>
-              <a:t>Staff can manage shipping of products</a:t>
+              <a:t>Staff can manage shipping and orders</a:t>
             </a:r>
             <a:endParaRPr>
               <a:solidFill>
@@ -6454,7 +7856,7 @@
             </a:endParaRPr>
           </a:p>
           <a:p>
-            <a:pPr indent="-342900" lvl="0" marL="457200" rtl="0" algn="l">
+            <a:pPr indent="-311150" lvl="0" marL="457200" rtl="0" algn="l">
               <a:spcBef>
                 <a:spcPts val="0"/>
               </a:spcBef>
@@ -6464,7 +7866,7 @@
               <a:buClr>
                 <a:schemeClr val="dk1"/>
               </a:buClr>
-              <a:buSzPts val="1800"/>
+              <a:buSzPts val="1300"/>
               <a:buChar char="●"/>
             </a:pPr>
             <a:r>
@@ -6473,7 +7875,7 @@
                   <a:schemeClr val="dk1"/>
                 </a:solidFill>
               </a:rPr>
-              <a:t>Supplier can send product to warehouse for staff to update inventory</a:t>
+              <a:t>Supplier can add new products to warehouse for staff to update inventory</a:t>
             </a:r>
             <a:endParaRPr>
               <a:solidFill>
@@ -6496,7 +7898,7 @@
   <p:cSld>
     <p:spTree>
       <p:nvGrpSpPr>
-        <p:cNvPr id="71" name="Shape 71"/>
+        <p:cNvPr id="81" name="Shape 81"/>
         <p:cNvGrpSpPr/>
         <p:nvPr/>
       </p:nvGrpSpPr>
@@ -6510,16 +7912,16 @@
       </p:grpSpPr>
       <p:sp>
         <p:nvSpPr>
-          <p:cNvPr id="72" name="Google Shape;72;p16"/>
+          <p:cNvPr id="82" name="Google Shape;82;p16"/>
           <p:cNvSpPr txBox="1"/>
           <p:nvPr>
-            <p:ph type="title"/>
+            <p:ph idx="4294967295" type="title"/>
           </p:nvPr>
         </p:nvSpPr>
         <p:spPr>
           <a:xfrm>
-            <a:off x="311700" y="445025"/>
-            <a:ext cx="8520600" cy="572700"/>
+            <a:off x="311725" y="500925"/>
+            <a:ext cx="6564900" cy="2508900"/>
           </a:xfrm>
           <a:prstGeom prst="rect">
             <a:avLst/>
@@ -6527,7 +7929,7 @@
         </p:spPr>
         <p:txBody>
           <a:bodyPr anchorCtr="0" anchor="t" bIns="91425" lIns="91425" spcFirstLastPara="1" rIns="91425" wrap="square" tIns="91425">
-            <a:normAutofit fontScale="90000"/>
+            <a:normAutofit/>
           </a:bodyPr>
           <a:lstStyle/>
           <a:p>
@@ -6552,48 +7954,9 @@
           </a:p>
         </p:txBody>
       </p:sp>
-      <p:sp>
-        <p:nvSpPr>
-          <p:cNvPr id="73" name="Google Shape;73;p16"/>
-          <p:cNvSpPr txBox="1"/>
-          <p:nvPr>
-            <p:ph idx="1" type="body"/>
-          </p:nvPr>
-        </p:nvSpPr>
-        <p:spPr>
-          <a:xfrm>
-            <a:off x="311700" y="1152475"/>
-            <a:ext cx="8520600" cy="3416400"/>
-          </a:xfrm>
-          <a:prstGeom prst="rect">
-            <a:avLst/>
-          </a:prstGeom>
-        </p:spPr>
-        <p:txBody>
-          <a:bodyPr anchorCtr="0" anchor="t" bIns="91425" lIns="91425" spcFirstLastPara="1" rIns="91425" wrap="square" tIns="91425">
-            <a:normAutofit/>
-          </a:bodyPr>
-          <a:lstStyle/>
-          <a:p>
-            <a:pPr indent="0" lvl="0" marL="0" rtl="0" algn="l">
-              <a:spcBef>
-                <a:spcPts val="0"/>
-              </a:spcBef>
-              <a:spcAft>
-                <a:spcPts val="1200"/>
-              </a:spcAft>
-              <a:buNone/>
-            </a:pPr>
-            <a:r>
-              <a:t/>
-            </a:r>
-            <a:endParaRPr/>
-          </a:p>
-        </p:txBody>
-      </p:sp>
       <p:pic>
         <p:nvPicPr>
-          <p:cNvPr id="74" name="Google Shape;74;p16"/>
+          <p:cNvPr id="83" name="Google Shape;83;p16"/>
           <p:cNvPicPr preferRelativeResize="0"/>
           <p:nvPr/>
         </p:nvPicPr>
@@ -6632,7 +7995,7 @@
   <p:cSld>
     <p:spTree>
       <p:nvGrpSpPr>
-        <p:cNvPr id="78" name="Shape 78"/>
+        <p:cNvPr id="87" name="Shape 87"/>
         <p:cNvGrpSpPr/>
         <p:nvPr/>
       </p:nvGrpSpPr>
@@ -6646,56 +8009,16 @@
       </p:grpSpPr>
       <p:sp>
         <p:nvSpPr>
-          <p:cNvPr id="79" name="Google Shape;79;p17"/>
+          <p:cNvPr id="88" name="Google Shape;88;p17"/>
           <p:cNvSpPr txBox="1"/>
           <p:nvPr>
-            <p:ph type="title"/>
+            <p:ph idx="4294967295" type="title"/>
           </p:nvPr>
         </p:nvSpPr>
         <p:spPr>
           <a:xfrm>
-            <a:off x="311700" y="445025"/>
-            <a:ext cx="8520600" cy="572700"/>
-          </a:xfrm>
-          <a:prstGeom prst="rect">
-            <a:avLst/>
-          </a:prstGeom>
-        </p:spPr>
-        <p:txBody>
-          <a:bodyPr anchorCtr="0" anchor="t" bIns="91425" lIns="91425" spcFirstLastPara="1" rIns="91425" wrap="square" tIns="91425">
-            <a:normAutofit fontScale="90000"/>
-          </a:bodyPr>
-          <a:lstStyle/>
-          <a:p>
-            <a:pPr indent="0" lvl="0" marL="0" rtl="0" algn="l">
-              <a:spcBef>
-                <a:spcPts val="0"/>
-              </a:spcBef>
-              <a:spcAft>
-                <a:spcPts val="0"/>
-              </a:spcAft>
-              <a:buNone/>
-            </a:pPr>
-            <a:r>
-              <a:rPr lang="en"/>
-              <a:t>E/R Diagram</a:t>
-            </a:r>
-            <a:endParaRPr/>
-          </a:p>
-        </p:txBody>
-      </p:sp>
-      <p:sp>
-        <p:nvSpPr>
-          <p:cNvPr id="80" name="Google Shape;80;p17"/>
-          <p:cNvSpPr txBox="1"/>
-          <p:nvPr>
-            <p:ph idx="1" type="body"/>
-          </p:nvPr>
-        </p:nvSpPr>
-        <p:spPr>
-          <a:xfrm>
-            <a:off x="311700" y="1152475"/>
-            <a:ext cx="8520600" cy="3416400"/>
+            <a:off x="311725" y="500925"/>
+            <a:ext cx="3706500" cy="2508900"/>
           </a:xfrm>
           <a:prstGeom prst="rect">
             <a:avLst/>
@@ -6712,12 +8035,13 @@
                 <a:spcPts val="0"/>
               </a:spcBef>
               <a:spcAft>
-                <a:spcPts val="1200"/>
+                <a:spcPts val="0"/>
               </a:spcAft>
               <a:buNone/>
             </a:pPr>
             <a:r>
-              <a:t/>
+              <a:rPr lang="en"/>
+              <a:t>E/R Diagram </a:t>
             </a:r>
             <a:endParaRPr/>
           </a:p>
@@ -6725,7 +8049,7 @@
       </p:sp>
       <p:pic>
         <p:nvPicPr>
-          <p:cNvPr id="81" name="Google Shape;81;p17"/>
+          <p:cNvPr id="89" name="Google Shape;89;p17"/>
           <p:cNvPicPr preferRelativeResize="0"/>
           <p:nvPr/>
         </p:nvPicPr>
@@ -6739,8 +8063,8 @@
         </p:blipFill>
         <p:spPr>
           <a:xfrm>
-            <a:off x="2493600" y="445025"/>
-            <a:ext cx="4742850" cy="4698950"/>
+            <a:off x="3032258" y="0"/>
+            <a:ext cx="5191541" cy="5143499"/>
           </a:xfrm>
           <a:prstGeom prst="rect">
             <a:avLst/>
@@ -6764,7 +8088,7 @@
   <p:cSld>
     <p:spTree>
       <p:nvGrpSpPr>
-        <p:cNvPr id="85" name="Shape 85"/>
+        <p:cNvPr id="93" name="Shape 93"/>
         <p:cNvGrpSpPr/>
         <p:nvPr/>
       </p:nvGrpSpPr>
@@ -6778,7 +8102,7 @@
       </p:grpSpPr>
       <p:sp>
         <p:nvSpPr>
-          <p:cNvPr id="86" name="Google Shape;86;p18"/>
+          <p:cNvPr id="94" name="Google Shape;94;p18"/>
           <p:cNvSpPr txBox="1"/>
           <p:nvPr>
             <p:ph type="title"/>
@@ -6786,8 +8110,8 @@
         </p:nvSpPr>
         <p:spPr>
           <a:xfrm>
-            <a:off x="311700" y="445025"/>
-            <a:ext cx="8520600" cy="572700"/>
+            <a:off x="311725" y="500925"/>
+            <a:ext cx="3706500" cy="2508900"/>
           </a:xfrm>
           <a:prstGeom prst="rect">
             <a:avLst/>
@@ -6795,7 +8119,7 @@
         </p:spPr>
         <p:txBody>
           <a:bodyPr anchorCtr="0" anchor="t" bIns="91425" lIns="91425" spcFirstLastPara="1" rIns="91425" wrap="square" tIns="91425">
-            <a:normAutofit fontScale="90000"/>
+            <a:normAutofit/>
           </a:bodyPr>
           <a:lstStyle/>
           <a:p>
@@ -6818,7 +8142,7 @@
       </p:sp>
       <p:sp>
         <p:nvSpPr>
-          <p:cNvPr id="87" name="Google Shape;87;p18"/>
+          <p:cNvPr id="95" name="Google Shape;95;p18"/>
           <p:cNvSpPr txBox="1"/>
           <p:nvPr>
             <p:ph idx="1" type="body"/>
@@ -6826,15 +8150,15 @@
         </p:nvSpPr>
         <p:spPr>
           <a:xfrm>
-            <a:off x="311700" y="1152475"/>
-            <a:ext cx="8520600" cy="3416400"/>
+            <a:off x="4644675" y="500925"/>
+            <a:ext cx="4166400" cy="4098600"/>
           </a:xfrm>
           <a:prstGeom prst="rect">
             <a:avLst/>
           </a:prstGeom>
           <a:ln cap="flat" cmpd="sng" w="9525">
             <a:solidFill>
-              <a:srgbClr val="000000"/>
+              <a:schemeClr val="lt1"/>
             </a:solidFill>
             <a:prstDash val="solid"/>
             <a:round/>
@@ -6848,7 +8172,7 @@
           </a:bodyPr>
           <a:lstStyle/>
           <a:p>
-            <a:pPr indent="-342900" lvl="0" marL="457200" rtl="0" algn="l">
+            <a:pPr indent="-311150" lvl="0" marL="457200" rtl="0" algn="l">
               <a:spcBef>
                 <a:spcPts val="0"/>
               </a:spcBef>
@@ -6858,7 +8182,7 @@
               <a:buClr>
                 <a:schemeClr val="dk1"/>
               </a:buClr>
-              <a:buSzPts val="1800"/>
+              <a:buSzPts val="1300"/>
               <a:buChar char="●"/>
             </a:pPr>
             <a:r>
@@ -6892,7 +8216,7 @@
             </a:endParaRPr>
           </a:p>
           <a:p>
-            <a:pPr indent="-342900" lvl="0" marL="457200" rtl="0" algn="l">
+            <a:pPr indent="-311150" lvl="0" marL="457200" rtl="0" algn="l">
               <a:spcBef>
                 <a:spcPts val="0"/>
               </a:spcBef>
@@ -6902,7 +8226,7 @@
               <a:buClr>
                 <a:schemeClr val="dk1"/>
               </a:buClr>
-              <a:buSzPts val="1800"/>
+              <a:buSzPts val="1300"/>
               <a:buChar char="●"/>
             </a:pPr>
             <a:r>
@@ -6911,7 +8235,7 @@
                   <a:schemeClr val="dk1"/>
                 </a:solidFill>
               </a:rPr>
-              <a:t>Connected sqlite3 database made in checkpoint 2 to Flask backend.</a:t>
+              <a:t>Connected the sqlite3 database to Flask backend.</a:t>
             </a:r>
             <a:endParaRPr>
               <a:solidFill>
@@ -6920,7 +8244,7 @@
             </a:endParaRPr>
           </a:p>
           <a:p>
-            <a:pPr indent="-342900" lvl="0" marL="457200" rtl="0" algn="l">
+            <a:pPr indent="-311150" lvl="0" marL="457200" rtl="0" algn="l">
               <a:spcBef>
                 <a:spcPts val="0"/>
               </a:spcBef>
@@ -6930,7 +8254,7 @@
               <a:buClr>
                 <a:schemeClr val="dk1"/>
               </a:buClr>
-              <a:buSzPts val="1800"/>
+              <a:buSzPts val="1300"/>
               <a:buChar char="●"/>
             </a:pPr>
             <a:r>
@@ -6955,7 +8279,7 @@
                   <a:schemeClr val="dk1"/>
                 </a:solidFill>
               </a:rPr>
-              <a:t> sql statements written in checkpoint 2 to display and process data in the frontend.</a:t>
+              <a:t> sql statements to display and process data in the frontend.</a:t>
             </a:r>
             <a:endParaRPr>
               <a:solidFill>
@@ -6964,7 +8288,7 @@
             </a:endParaRPr>
           </a:p>
           <a:p>
-            <a:pPr indent="-342900" lvl="0" marL="457200" rtl="0" algn="l">
+            <a:pPr indent="-311150" lvl="0" marL="457200" rtl="0" algn="l">
               <a:spcBef>
                 <a:spcPts val="0"/>
               </a:spcBef>
@@ -6974,7 +8298,7 @@
               <a:buClr>
                 <a:schemeClr val="dk1"/>
               </a:buClr>
-              <a:buSzPts val="1800"/>
+              <a:buSzPts val="1300"/>
               <a:buChar char="●"/>
             </a:pPr>
             <a:r>
@@ -7021,44 +8345,44 @@
 </file>
 
 <file path=ppt/theme/theme1.xml><?xml version="1.0" encoding="utf-8"?>
-<a:theme xmlns:a="http://schemas.openxmlformats.org/drawingml/2006/main" xmlns:r="http://schemas.openxmlformats.org/officeDocument/2006/relationships" name="Simple Light">
+<a:theme xmlns:a="http://schemas.openxmlformats.org/drawingml/2006/main" xmlns:r="http://schemas.openxmlformats.org/officeDocument/2006/relationships" name="Paradigm">
   <a:themeElements>
-    <a:clrScheme name="Simple Light">
+    <a:clrScheme name="Paradigm">
       <a:dk1>
-        <a:srgbClr val="000000"/>
+        <a:srgbClr val="31394D"/>
       </a:dk1>
       <a:lt1>
         <a:srgbClr val="FFFFFF"/>
       </a:lt1>
       <a:dk2>
-        <a:srgbClr val="595959"/>
+        <a:srgbClr val="666666"/>
       </a:dk2>
       <a:lt2>
-        <a:srgbClr val="EEEEEE"/>
+        <a:srgbClr val="626B73"/>
       </a:lt2>
       <a:accent1>
-        <a:srgbClr val="4285F4"/>
+        <a:srgbClr val="002F4A"/>
       </a:accent1>
       <a:accent2>
-        <a:srgbClr val="212121"/>
+        <a:srgbClr val="D9C4B1"/>
       </a:accent2>
       <a:accent3>
-        <a:srgbClr val="78909C"/>
+        <a:srgbClr val="EDE3DA"/>
       </a:accent3>
       <a:accent4>
-        <a:srgbClr val="FFAB40"/>
+        <a:srgbClr val="B85741"/>
       </a:accent4>
       <a:accent5>
-        <a:srgbClr val="0097A7"/>
+        <a:srgbClr val="009384"/>
       </a:accent5>
       <a:accent6>
-        <a:srgbClr val="EEFF41"/>
+        <a:srgbClr val="D0F6FF"/>
       </a:accent6>
       <a:hlink>
-        <a:srgbClr val="0097A7"/>
+        <a:srgbClr val="009384"/>
       </a:hlink>
       <a:folHlink>
-        <a:srgbClr val="0097A7"/>
+        <a:srgbClr val="009384"/>
       </a:folHlink>
     </a:clrScheme>
     <a:fontScheme name="Office">

--- a/Checkpoint3-slides.pptx
+++ b/Checkpoint3-slides.pptx
@@ -14,23 +14,24 @@
     <p:sldId id="259" r:id="rId9"/>
     <p:sldId id="260" r:id="rId10"/>
     <p:sldId id="261" r:id="rId11"/>
+    <p:sldId id="262" r:id="rId12"/>
   </p:sldIdLst>
   <p:sldSz cy="5143500" cx="9144000"/>
   <p:notesSz cx="6858000" cy="9144000"/>
   <p:embeddedFontLst>
     <p:embeddedFont>
       <p:font typeface="Roboto"/>
-      <p:regular r:id="rId12"/>
-      <p:bold r:id="rId13"/>
-      <p:italic r:id="rId14"/>
-      <p:boldItalic r:id="rId15"/>
+      <p:regular r:id="rId13"/>
+      <p:bold r:id="rId14"/>
+      <p:italic r:id="rId15"/>
+      <p:boldItalic r:id="rId16"/>
     </p:embeddedFont>
     <p:embeddedFont>
       <p:font typeface="Merriweather"/>
-      <p:regular r:id="rId16"/>
-      <p:bold r:id="rId17"/>
-      <p:italic r:id="rId18"/>
-      <p:boldItalic r:id="rId19"/>
+      <p:regular r:id="rId17"/>
+      <p:bold r:id="rId18"/>
+      <p:italic r:id="rId19"/>
+      <p:boldItalic r:id="rId20"/>
     </p:embeddedFont>
   </p:embeddedFontLst>
   <p:defaultTextStyle>
@@ -1221,7 +1222,7 @@
       </p:grpSpPr>
       <p:sp>
         <p:nvSpPr>
-          <p:cNvPr id="91" name="Google Shape;91;g31a28c512ee_0_0:notes"/>
+          <p:cNvPr id="91" name="Google Shape;91;g31dbb5fccdd_0_168:notes"/>
           <p:cNvSpPr/>
           <p:nvPr>
             <p:ph idx="2" type="sldImg"/>
@@ -1256,7 +1257,106 @@
       </p:sp>
       <p:sp>
         <p:nvSpPr>
-          <p:cNvPr id="92" name="Google Shape;92;g31a28c512ee_0_0:notes"/>
+          <p:cNvPr id="92" name="Google Shape;92;g31dbb5fccdd_0_168:notes"/>
+          <p:cNvSpPr txBox="1"/>
+          <p:nvPr>
+            <p:ph idx="1" type="body"/>
+          </p:nvPr>
+        </p:nvSpPr>
+        <p:spPr>
+          <a:xfrm>
+            <a:off x="685800" y="4343400"/>
+            <a:ext cx="5486400" cy="4114800"/>
+          </a:xfrm>
+          <a:prstGeom prst="rect">
+            <a:avLst/>
+          </a:prstGeom>
+        </p:spPr>
+        <p:txBody>
+          <a:bodyPr anchorCtr="0" anchor="t" bIns="91425" lIns="91425" spcFirstLastPara="1" rIns="91425" wrap="square" tIns="91425">
+            <a:noAutofit/>
+          </a:bodyPr>
+          <a:lstStyle/>
+          <a:p>
+            <a:pPr indent="0" lvl="0" marL="0" rtl="0" algn="l">
+              <a:spcBef>
+                <a:spcPts val="0"/>
+              </a:spcBef>
+              <a:spcAft>
+                <a:spcPts val="0"/>
+              </a:spcAft>
+              <a:buNone/>
+            </a:pPr>
+            <a:r>
+              <a:t/>
+            </a:r>
+            <a:endParaRPr/>
+          </a:p>
+        </p:txBody>
+      </p:sp>
+    </p:spTree>
+  </p:cSld>
+  <p:clrMapOvr>
+    <a:masterClrMapping/>
+  </p:clrMapOvr>
+</p:notes>
+</file>
+
+<file path=ppt/notesSlides/notesSlide7.xml><?xml version="1.0" encoding="utf-8"?>
+<p:notes xmlns:a="http://schemas.openxmlformats.org/drawingml/2006/main" xmlns:r="http://schemas.openxmlformats.org/officeDocument/2006/relationships" xmlns:mc="http://schemas.openxmlformats.org/markup-compatibility/2006" xmlns:mv="urn:schemas-microsoft-com:mac:vml" xmlns:p="http://schemas.openxmlformats.org/presentationml/2006/main" xmlns:c="http://schemas.openxmlformats.org/drawingml/2006/chart" xmlns:dgm="http://schemas.openxmlformats.org/drawingml/2006/diagram" xmlns:o="urn:schemas-microsoft-com:office:office" xmlns:v="urn:schemas-microsoft-com:vml" xmlns:pvml="urn:schemas-microsoft-com:office:powerpoint" xmlns:com="http://schemas.openxmlformats.org/drawingml/2006/compatibility" xmlns:p14="http://schemas.microsoft.com/office/powerpoint/2010/main" xmlns:p15="http://schemas.microsoft.com/office/powerpoint/2012/main" xmlns:ahyp="http://schemas.microsoft.com/office/drawing/2018/hyperlinkcolor" showMasterPhAnim="0" showMasterSp="0">
+  <p:cSld>
+    <p:spTree>
+      <p:nvGrpSpPr>
+        <p:cNvPr id="97" name="Shape 97"/>
+        <p:cNvGrpSpPr/>
+        <p:nvPr/>
+      </p:nvGrpSpPr>
+      <p:grpSpPr>
+        <a:xfrm>
+          <a:off x="0" y="0"/>
+          <a:ext cx="0" cy="0"/>
+          <a:chOff x="0" y="0"/>
+          <a:chExt cx="0" cy="0"/>
+        </a:xfrm>
+      </p:grpSpPr>
+      <p:sp>
+        <p:nvSpPr>
+          <p:cNvPr id="98" name="Google Shape;98;g31a28c512ee_0_0:notes"/>
+          <p:cNvSpPr/>
+          <p:nvPr>
+            <p:ph idx="2" type="sldImg"/>
+          </p:nvPr>
+        </p:nvSpPr>
+        <p:spPr>
+          <a:xfrm>
+            <a:off x="381300" y="685800"/>
+            <a:ext cx="6096000" cy="3429000"/>
+          </a:xfrm>
+          <a:custGeom>
+            <a:rect b="b" l="l" r="r" t="t"/>
+            <a:pathLst>
+              <a:path extrusionOk="0" h="120000" w="120000">
+                <a:moveTo>
+                  <a:pt x="0" y="0"/>
+                </a:moveTo>
+                <a:lnTo>
+                  <a:pt x="120000" y="0"/>
+                </a:lnTo>
+                <a:lnTo>
+                  <a:pt x="120000" y="120000"/>
+                </a:lnTo>
+                <a:lnTo>
+                  <a:pt x="0" y="120000"/>
+                </a:lnTo>
+                <a:close/>
+              </a:path>
+            </a:pathLst>
+          </a:custGeom>
+        </p:spPr>
+      </p:sp>
+      <p:sp>
+        <p:nvSpPr>
+          <p:cNvPr id="99" name="Google Shape;99;g31a28c512ee_0_0:notes"/>
           <p:cNvSpPr txBox="1"/>
           <p:nvPr>
             <p:ph idx="1" type="body"/>
@@ -8134,6 +8234,142 @@
             </a:pPr>
             <a:r>
               <a:rPr lang="en"/>
+              <a:t>Relational Schema</a:t>
+            </a:r>
+            <a:endParaRPr/>
+          </a:p>
+        </p:txBody>
+      </p:sp>
+      <p:sp>
+        <p:nvSpPr>
+          <p:cNvPr id="95" name="Google Shape;95;p18"/>
+          <p:cNvSpPr txBox="1"/>
+          <p:nvPr>
+            <p:ph idx="1" type="body"/>
+          </p:nvPr>
+        </p:nvSpPr>
+        <p:spPr>
+          <a:xfrm>
+            <a:off x="4644675" y="500925"/>
+            <a:ext cx="4166400" cy="4098600"/>
+          </a:xfrm>
+          <a:prstGeom prst="rect">
+            <a:avLst/>
+          </a:prstGeom>
+        </p:spPr>
+        <p:txBody>
+          <a:bodyPr anchorCtr="0" anchor="t" bIns="91425" lIns="91425" spcFirstLastPara="1" rIns="91425" wrap="square" tIns="91425">
+            <a:normAutofit/>
+          </a:bodyPr>
+          <a:lstStyle/>
+          <a:p>
+            <a:pPr indent="0" lvl="0" marL="0" rtl="0" algn="l">
+              <a:spcBef>
+                <a:spcPts val="0"/>
+              </a:spcBef>
+              <a:spcAft>
+                <a:spcPts val="1200"/>
+              </a:spcAft>
+              <a:buNone/>
+            </a:pPr>
+            <a:r>
+              <a:t/>
+            </a:r>
+            <a:endParaRPr>
+              <a:solidFill>
+                <a:schemeClr val="dk1"/>
+              </a:solidFill>
+            </a:endParaRPr>
+          </a:p>
+        </p:txBody>
+      </p:sp>
+      <p:pic>
+        <p:nvPicPr>
+          <p:cNvPr id="96" name="Google Shape;96;p18"/>
+          <p:cNvPicPr preferRelativeResize="0"/>
+          <p:nvPr/>
+        </p:nvPicPr>
+        <p:blipFill>
+          <a:blip r:embed="rId3">
+            <a:alphaModFix/>
+          </a:blip>
+          <a:stretch>
+            <a:fillRect/>
+          </a:stretch>
+        </p:blipFill>
+        <p:spPr>
+          <a:xfrm>
+            <a:off x="5070688" y="-10500"/>
+            <a:ext cx="3314370" cy="5121449"/>
+          </a:xfrm>
+          <a:prstGeom prst="rect">
+            <a:avLst/>
+          </a:prstGeom>
+          <a:noFill/>
+          <a:ln>
+            <a:noFill/>
+          </a:ln>
+        </p:spPr>
+      </p:pic>
+    </p:spTree>
+  </p:cSld>
+  <p:clrMapOvr>
+    <a:masterClrMapping/>
+  </p:clrMapOvr>
+</p:sld>
+</file>
+
+<file path=ppt/slides/slide7.xml><?xml version="1.0" encoding="utf-8"?>
+<p:sld xmlns:a="http://schemas.openxmlformats.org/drawingml/2006/main" xmlns:r="http://schemas.openxmlformats.org/officeDocument/2006/relationships" xmlns:mc="http://schemas.openxmlformats.org/markup-compatibility/2006" xmlns:mv="urn:schemas-microsoft-com:mac:vml" xmlns:p="http://schemas.openxmlformats.org/presentationml/2006/main" xmlns:c="http://schemas.openxmlformats.org/drawingml/2006/chart" xmlns:dgm="http://schemas.openxmlformats.org/drawingml/2006/diagram" xmlns:o="urn:schemas-microsoft-com:office:office" xmlns:v="urn:schemas-microsoft-com:vml" xmlns:pvml="urn:schemas-microsoft-com:office:powerpoint" xmlns:com="http://schemas.openxmlformats.org/drawingml/2006/compatibility" xmlns:p14="http://schemas.microsoft.com/office/powerpoint/2010/main" xmlns:p15="http://schemas.microsoft.com/office/powerpoint/2012/main" xmlns:ahyp="http://schemas.microsoft.com/office/drawing/2018/hyperlinkcolor">
+  <p:cSld>
+    <p:spTree>
+      <p:nvGrpSpPr>
+        <p:cNvPr id="100" name="Shape 100"/>
+        <p:cNvGrpSpPr/>
+        <p:nvPr/>
+      </p:nvGrpSpPr>
+      <p:grpSpPr>
+        <a:xfrm>
+          <a:off x="0" y="0"/>
+          <a:ext cx="0" cy="0"/>
+          <a:chOff x="0" y="0"/>
+          <a:chExt cx="0" cy="0"/>
+        </a:xfrm>
+      </p:grpSpPr>
+      <p:sp>
+        <p:nvSpPr>
+          <p:cNvPr id="101" name="Google Shape;101;p19"/>
+          <p:cNvSpPr txBox="1"/>
+          <p:nvPr>
+            <p:ph type="title"/>
+          </p:nvPr>
+        </p:nvSpPr>
+        <p:spPr>
+          <a:xfrm>
+            <a:off x="311725" y="500925"/>
+            <a:ext cx="3706500" cy="2508900"/>
+          </a:xfrm>
+          <a:prstGeom prst="rect">
+            <a:avLst/>
+          </a:prstGeom>
+        </p:spPr>
+        <p:txBody>
+          <a:bodyPr anchorCtr="0" anchor="t" bIns="91425" lIns="91425" spcFirstLastPara="1" rIns="91425" wrap="square" tIns="91425">
+            <a:normAutofit/>
+          </a:bodyPr>
+          <a:lstStyle/>
+          <a:p>
+            <a:pPr indent="0" lvl="0" marL="0" rtl="0" algn="l">
+              <a:spcBef>
+                <a:spcPts val="0"/>
+              </a:spcBef>
+              <a:spcAft>
+                <a:spcPts val="0"/>
+              </a:spcAft>
+              <a:buNone/>
+            </a:pPr>
+            <a:r>
+              <a:rPr lang="en"/>
               <a:t>Implementation Details</a:t>
             </a:r>
             <a:endParaRPr/>
@@ -8142,7 +8378,7 @@
       </p:sp>
       <p:sp>
         <p:nvSpPr>
-          <p:cNvPr id="95" name="Google Shape;95;p18"/>
+          <p:cNvPr id="102" name="Google Shape;102;p19"/>
           <p:cNvSpPr txBox="1"/>
           <p:nvPr>
             <p:ph idx="1" type="body"/>
